--- a/Document/5-设计管理/2-数据/数据存储-160112.pptx
+++ b/Document/5-设计管理/2-数据/数据存储-160112.pptx
@@ -13,6 +13,9 @@
     <p:sldId id="261" r:id="rId7"/>
     <p:sldId id="262" r:id="rId8"/>
     <p:sldId id="264" r:id="rId9"/>
+    <p:sldId id="265" r:id="rId10"/>
+    <p:sldId id="266" r:id="rId11"/>
+    <p:sldId id="267" r:id="rId12"/>
   </p:sldIdLst>
   <p:sldSz cx="12192000" cy="6858000"/>
   <p:notesSz cx="6858000" cy="9144000"/>
@@ -250,7 +253,7 @@
           <a:p>
             <a:fld id="{BDECC01D-D5F0-4459-91BF-84E8FC0057D4}" type="datetimeFigureOut">
               <a:rPr lang="zh-CN" altLang="en-US" smtClean="0"/>
-              <a:t>2016/1/12</a:t>
+              <a:t>2016/1/21</a:t>
             </a:fld>
             <a:endParaRPr lang="zh-CN" altLang="en-US"/>
           </a:p>
@@ -420,7 +423,7 @@
           <a:p>
             <a:fld id="{BDECC01D-D5F0-4459-91BF-84E8FC0057D4}" type="datetimeFigureOut">
               <a:rPr lang="zh-CN" altLang="en-US" smtClean="0"/>
-              <a:t>2016/1/12</a:t>
+              <a:t>2016/1/21</a:t>
             </a:fld>
             <a:endParaRPr lang="zh-CN" altLang="en-US"/>
           </a:p>
@@ -600,7 +603,7 @@
           <a:p>
             <a:fld id="{BDECC01D-D5F0-4459-91BF-84E8FC0057D4}" type="datetimeFigureOut">
               <a:rPr lang="zh-CN" altLang="en-US" smtClean="0"/>
-              <a:t>2016/1/12</a:t>
+              <a:t>2016/1/21</a:t>
             </a:fld>
             <a:endParaRPr lang="zh-CN" altLang="en-US"/>
           </a:p>
@@ -770,7 +773,7 @@
           <a:p>
             <a:fld id="{BDECC01D-D5F0-4459-91BF-84E8FC0057D4}" type="datetimeFigureOut">
               <a:rPr lang="zh-CN" altLang="en-US" smtClean="0"/>
-              <a:t>2016/1/12</a:t>
+              <a:t>2016/1/21</a:t>
             </a:fld>
             <a:endParaRPr lang="zh-CN" altLang="en-US"/>
           </a:p>
@@ -1016,7 +1019,7 @@
           <a:p>
             <a:fld id="{BDECC01D-D5F0-4459-91BF-84E8FC0057D4}" type="datetimeFigureOut">
               <a:rPr lang="zh-CN" altLang="en-US" smtClean="0"/>
-              <a:t>2016/1/12</a:t>
+              <a:t>2016/1/21</a:t>
             </a:fld>
             <a:endParaRPr lang="zh-CN" altLang="en-US"/>
           </a:p>
@@ -1248,7 +1251,7 @@
           <a:p>
             <a:fld id="{BDECC01D-D5F0-4459-91BF-84E8FC0057D4}" type="datetimeFigureOut">
               <a:rPr lang="zh-CN" altLang="en-US" smtClean="0"/>
-              <a:t>2016/1/12</a:t>
+              <a:t>2016/1/21</a:t>
             </a:fld>
             <a:endParaRPr lang="zh-CN" altLang="en-US"/>
           </a:p>
@@ -1615,7 +1618,7 @@
           <a:p>
             <a:fld id="{BDECC01D-D5F0-4459-91BF-84E8FC0057D4}" type="datetimeFigureOut">
               <a:rPr lang="zh-CN" altLang="en-US" smtClean="0"/>
-              <a:t>2016/1/12</a:t>
+              <a:t>2016/1/21</a:t>
             </a:fld>
             <a:endParaRPr lang="zh-CN" altLang="en-US"/>
           </a:p>
@@ -1733,7 +1736,7 @@
           <a:p>
             <a:fld id="{BDECC01D-D5F0-4459-91BF-84E8FC0057D4}" type="datetimeFigureOut">
               <a:rPr lang="zh-CN" altLang="en-US" smtClean="0"/>
-              <a:t>2016/1/12</a:t>
+              <a:t>2016/1/21</a:t>
             </a:fld>
             <a:endParaRPr lang="zh-CN" altLang="en-US"/>
           </a:p>
@@ -1828,7 +1831,7 @@
           <a:p>
             <a:fld id="{BDECC01D-D5F0-4459-91BF-84E8FC0057D4}" type="datetimeFigureOut">
               <a:rPr lang="zh-CN" altLang="en-US" smtClean="0"/>
-              <a:t>2016/1/12</a:t>
+              <a:t>2016/1/21</a:t>
             </a:fld>
             <a:endParaRPr lang="zh-CN" altLang="en-US"/>
           </a:p>
@@ -2105,7 +2108,7 @@
           <a:p>
             <a:fld id="{BDECC01D-D5F0-4459-91BF-84E8FC0057D4}" type="datetimeFigureOut">
               <a:rPr lang="zh-CN" altLang="en-US" smtClean="0"/>
-              <a:t>2016/1/12</a:t>
+              <a:t>2016/1/21</a:t>
             </a:fld>
             <a:endParaRPr lang="zh-CN" altLang="en-US"/>
           </a:p>
@@ -2358,7 +2361,7 @@
           <a:p>
             <a:fld id="{BDECC01D-D5F0-4459-91BF-84E8FC0057D4}" type="datetimeFigureOut">
               <a:rPr lang="zh-CN" altLang="en-US" smtClean="0"/>
-              <a:t>2016/1/12</a:t>
+              <a:t>2016/1/21</a:t>
             </a:fld>
             <a:endParaRPr lang="zh-CN" altLang="en-US"/>
           </a:p>
@@ -2571,7 +2574,7 @@
           <a:p>
             <a:fld id="{BDECC01D-D5F0-4459-91BF-84E8FC0057D4}" type="datetimeFigureOut">
               <a:rPr lang="zh-CN" altLang="en-US" smtClean="0"/>
-              <a:t>2016/1/12</a:t>
+              <a:t>2016/1/21</a:t>
             </a:fld>
             <a:endParaRPr lang="zh-CN" altLang="en-US"/>
           </a:p>
@@ -3031,6 +3034,3078 @@
 </p:sld>
 </file>
 
+<file path=ppt/slides/slide10.xml><?xml version="1.0" encoding="utf-8"?>
+<p:sld xmlns:a="http://schemas.openxmlformats.org/drawingml/2006/main" xmlns:r="http://schemas.openxmlformats.org/officeDocument/2006/relationships" xmlns:p="http://schemas.openxmlformats.org/presentationml/2006/main">
+  <p:cSld>
+    <p:spTree>
+      <p:nvGrpSpPr>
+        <p:cNvPr id="1" name=""/>
+        <p:cNvGrpSpPr/>
+        <p:nvPr/>
+      </p:nvGrpSpPr>
+      <p:grpSpPr>
+        <a:xfrm>
+          <a:off x="0" y="0"/>
+          <a:ext cx="0" cy="0"/>
+          <a:chOff x="0" y="0"/>
+          <a:chExt cx="0" cy="0"/>
+        </a:xfrm>
+      </p:grpSpPr>
+      <p:sp>
+        <p:nvSpPr>
+          <p:cNvPr id="2" name="标题 1"/>
+          <p:cNvSpPr>
+            <a:spLocks noGrp="1"/>
+          </p:cNvSpPr>
+          <p:nvPr>
+            <p:ph type="title"/>
+          </p:nvPr>
+        </p:nvSpPr>
+        <p:spPr/>
+        <p:txBody>
+          <a:bodyPr/>
+          <a:lstStyle/>
+          <a:p>
+            <a:r>
+              <a:rPr lang="zh-CN" altLang="en-US" dirty="0" smtClean="0"/>
+              <a:t>场景</a:t>
+            </a:r>
+            <a:endParaRPr lang="zh-CN" altLang="en-US" dirty="0"/>
+          </a:p>
+        </p:txBody>
+      </p:sp>
+      <p:sp>
+        <p:nvSpPr>
+          <p:cNvPr id="16" name="圆角矩形 15"/>
+          <p:cNvSpPr/>
+          <p:nvPr/>
+        </p:nvSpPr>
+        <p:spPr>
+          <a:xfrm>
+            <a:off x="739397" y="1538886"/>
+            <a:ext cx="1285428" cy="216156"/>
+          </a:xfrm>
+          <a:prstGeom prst="roundRect">
+            <a:avLst/>
+          </a:prstGeom>
+        </p:spPr>
+        <p:style>
+          <a:lnRef idx="2">
+            <a:schemeClr val="accent1">
+              <a:shade val="50000"/>
+            </a:schemeClr>
+          </a:lnRef>
+          <a:fillRef idx="1">
+            <a:schemeClr val="accent1"/>
+          </a:fillRef>
+          <a:effectRef idx="0">
+            <a:schemeClr val="accent1"/>
+          </a:effectRef>
+          <a:fontRef idx="minor">
+            <a:schemeClr val="lt1"/>
+          </a:fontRef>
+        </p:style>
+        <p:txBody>
+          <a:bodyPr lIns="72000" tIns="0" rIns="72000" bIns="0" rtlCol="0" anchor="ctr"/>
+          <a:lstStyle/>
+          <a:p>
+            <a:r>
+              <a:rPr lang="en-US" altLang="zh-CN" sz="1200" dirty="0" smtClean="0"/>
+              <a:t>Scene</a:t>
+            </a:r>
+            <a:endParaRPr lang="zh-CN" altLang="en-US" sz="1200" dirty="0"/>
+          </a:p>
+        </p:txBody>
+      </p:sp>
+      <p:sp>
+        <p:nvSpPr>
+          <p:cNvPr id="21" name="圆角矩形 20"/>
+          <p:cNvSpPr/>
+          <p:nvPr/>
+        </p:nvSpPr>
+        <p:spPr>
+          <a:xfrm>
+            <a:off x="1842985" y="2102426"/>
+            <a:ext cx="1816220" cy="216156"/>
+          </a:xfrm>
+          <a:prstGeom prst="roundRect">
+            <a:avLst/>
+          </a:prstGeom>
+        </p:spPr>
+        <p:style>
+          <a:lnRef idx="2">
+            <a:schemeClr val="accent1">
+              <a:shade val="50000"/>
+            </a:schemeClr>
+          </a:lnRef>
+          <a:fillRef idx="1">
+            <a:schemeClr val="accent1"/>
+          </a:fillRef>
+          <a:effectRef idx="0">
+            <a:schemeClr val="accent1"/>
+          </a:effectRef>
+          <a:fontRef idx="minor">
+            <a:schemeClr val="lt1"/>
+          </a:fontRef>
+        </p:style>
+        <p:txBody>
+          <a:bodyPr lIns="72000" tIns="0" rIns="72000" bIns="0" rtlCol="0" anchor="ctr"/>
+          <a:lstStyle/>
+          <a:p>
+            <a:r>
+              <a:rPr lang="en-US" altLang="zh-CN" sz="1200" dirty="0" smtClean="0"/>
+              <a:t>Template</a:t>
+            </a:r>
+            <a:endParaRPr lang="zh-CN" altLang="en-US" sz="1200" dirty="0"/>
+          </a:p>
+        </p:txBody>
+      </p:sp>
+      <p:cxnSp>
+        <p:nvCxnSpPr>
+          <p:cNvPr id="26" name="直接箭头连接符 14"/>
+          <p:cNvCxnSpPr>
+            <a:stCxn id="16" idx="2"/>
+            <a:endCxn id="21" idx="1"/>
+          </p:cNvCxnSpPr>
+          <p:nvPr/>
+        </p:nvCxnSpPr>
+        <p:spPr>
+          <a:xfrm rot="16200000" flipH="1">
+            <a:off x="1384817" y="1752336"/>
+            <a:ext cx="455462" cy="460874"/>
+          </a:xfrm>
+          <a:prstGeom prst="bentConnector2">
+            <a:avLst/>
+          </a:prstGeom>
+          <a:ln w="12700">
+            <a:headEnd w="med" len="lg"/>
+            <a:tailEnd type="none" w="med" len="lg"/>
+          </a:ln>
+        </p:spPr>
+        <p:style>
+          <a:lnRef idx="1">
+            <a:schemeClr val="accent1"/>
+          </a:lnRef>
+          <a:fillRef idx="0">
+            <a:schemeClr val="accent1"/>
+          </a:fillRef>
+          <a:effectRef idx="0">
+            <a:schemeClr val="accent1"/>
+          </a:effectRef>
+          <a:fontRef idx="minor">
+            <a:schemeClr val="tx1"/>
+          </a:fontRef>
+        </p:style>
+      </p:cxnSp>
+      <p:sp>
+        <p:nvSpPr>
+          <p:cNvPr id="50" name="文本框 49"/>
+          <p:cNvSpPr txBox="1"/>
+          <p:nvPr/>
+        </p:nvSpPr>
+        <p:spPr>
+          <a:xfrm>
+            <a:off x="934695" y="6238688"/>
+            <a:ext cx="3746538" cy="369332"/>
+          </a:xfrm>
+          <a:prstGeom prst="rect">
+            <a:avLst/>
+          </a:prstGeom>
+          <a:noFill/>
+        </p:spPr>
+        <p:txBody>
+          <a:bodyPr wrap="none" rtlCol="0">
+            <a:spAutoFit/>
+          </a:bodyPr>
+          <a:lstStyle/>
+          <a:p>
+            <a:r>
+              <a:rPr lang="zh-CN" altLang="en-US" dirty="0" smtClean="0"/>
+              <a:t>文件名：</a:t>
+            </a:r>
+            <a:r>
+              <a:rPr lang="en-US" altLang="zh-CN" dirty="0" smtClean="0"/>
+              <a:t>[</a:t>
+            </a:r>
+            <a:r>
+              <a:rPr lang="zh-CN" altLang="en-US" dirty="0" smtClean="0"/>
+              <a:t>唯一码</a:t>
+            </a:r>
+            <a:r>
+              <a:rPr lang="en-US" altLang="zh-CN" dirty="0" smtClean="0"/>
+              <a:t>] + </a:t>
+            </a:r>
+            <a:r>
+              <a:rPr lang="zh-CN" altLang="en-US" dirty="0" smtClean="0"/>
+              <a:t>命名 </a:t>
+            </a:r>
+            <a:r>
+              <a:rPr lang="en-US" altLang="zh-CN" dirty="0" smtClean="0"/>
+              <a:t>+ . + </a:t>
+            </a:r>
+            <a:r>
+              <a:rPr lang="zh-CN" altLang="en-US" dirty="0" smtClean="0"/>
+              <a:t>类型</a:t>
+            </a:r>
+            <a:endParaRPr lang="zh-CN" altLang="en-US" dirty="0"/>
+          </a:p>
+        </p:txBody>
+      </p:sp>
+      <p:sp>
+        <p:nvSpPr>
+          <p:cNvPr id="51" name="文本框 50"/>
+          <p:cNvSpPr txBox="1"/>
+          <p:nvPr/>
+        </p:nvSpPr>
+        <p:spPr>
+          <a:xfrm>
+            <a:off x="5468988" y="6238688"/>
+            <a:ext cx="3185487" cy="369332"/>
+          </a:xfrm>
+          <a:prstGeom prst="rect">
+            <a:avLst/>
+          </a:prstGeom>
+          <a:noFill/>
+        </p:spPr>
+        <p:txBody>
+          <a:bodyPr wrap="none" rtlCol="0">
+            <a:spAutoFit/>
+          </a:bodyPr>
+          <a:lstStyle/>
+          <a:p>
+            <a:r>
+              <a:rPr lang="zh-CN" altLang="en-US" dirty="0" smtClean="0"/>
+              <a:t>文件内通过唯一码建立关系。</a:t>
+            </a:r>
+            <a:endParaRPr lang="zh-CN" altLang="en-US" dirty="0"/>
+          </a:p>
+        </p:txBody>
+      </p:sp>
+    </p:spTree>
+    <p:extLst>
+      <p:ext uri="{BB962C8B-B14F-4D97-AF65-F5344CB8AC3E}">
+        <p14:creationId xmlns:p14="http://schemas.microsoft.com/office/powerpoint/2010/main" val="123238834"/>
+      </p:ext>
+    </p:extLst>
+  </p:cSld>
+  <p:clrMapOvr>
+    <a:masterClrMapping/>
+  </p:clrMapOvr>
+</p:sld>
+</file>
+
+<file path=ppt/slides/slide11.xml><?xml version="1.0" encoding="utf-8"?>
+<p:sld xmlns:a="http://schemas.openxmlformats.org/drawingml/2006/main" xmlns:r="http://schemas.openxmlformats.org/officeDocument/2006/relationships" xmlns:p="http://schemas.openxmlformats.org/presentationml/2006/main">
+  <p:cSld>
+    <p:spTree>
+      <p:nvGrpSpPr>
+        <p:cNvPr id="1" name=""/>
+        <p:cNvGrpSpPr/>
+        <p:nvPr/>
+      </p:nvGrpSpPr>
+      <p:grpSpPr>
+        <a:xfrm>
+          <a:off x="0" y="0"/>
+          <a:ext cx="0" cy="0"/>
+          <a:chOff x="0" y="0"/>
+          <a:chExt cx="0" cy="0"/>
+        </a:xfrm>
+      </p:grpSpPr>
+      <p:sp>
+        <p:nvSpPr>
+          <p:cNvPr id="2" name="标题 1"/>
+          <p:cNvSpPr>
+            <a:spLocks noGrp="1"/>
+          </p:cNvSpPr>
+          <p:nvPr>
+            <p:ph type="title"/>
+          </p:nvPr>
+        </p:nvSpPr>
+        <p:spPr/>
+        <p:txBody>
+          <a:bodyPr/>
+          <a:lstStyle/>
+          <a:p>
+            <a:r>
+              <a:rPr lang="zh-CN" altLang="en-US" dirty="0" smtClean="0"/>
+              <a:t>空间</a:t>
+            </a:r>
+            <a:r>
+              <a:rPr lang="en-US" altLang="zh-CN" dirty="0" smtClean="0"/>
+              <a:t>-</a:t>
+            </a:r>
+            <a:r>
+              <a:rPr lang="zh-CN" altLang="en-US" dirty="0" smtClean="0"/>
+              <a:t>存储</a:t>
+            </a:r>
+            <a:r>
+              <a:rPr lang="zh-CN" altLang="en-US" dirty="0"/>
+              <a:t>结构</a:t>
+            </a:r>
+            <a:endParaRPr lang="zh-CN" altLang="en-US" dirty="0"/>
+          </a:p>
+        </p:txBody>
+      </p:sp>
+      <p:sp>
+        <p:nvSpPr>
+          <p:cNvPr id="16" name="圆角矩形 15"/>
+          <p:cNvSpPr/>
+          <p:nvPr/>
+        </p:nvSpPr>
+        <p:spPr>
+          <a:xfrm>
+            <a:off x="161773" y="1518979"/>
+            <a:ext cx="1146553" cy="171710"/>
+          </a:xfrm>
+          <a:prstGeom prst="roundRect">
+            <a:avLst/>
+          </a:prstGeom>
+        </p:spPr>
+        <p:style>
+          <a:lnRef idx="2">
+            <a:schemeClr val="accent1">
+              <a:shade val="50000"/>
+            </a:schemeClr>
+          </a:lnRef>
+          <a:fillRef idx="1">
+            <a:schemeClr val="accent1"/>
+          </a:fillRef>
+          <a:effectRef idx="0">
+            <a:schemeClr val="accent1"/>
+          </a:effectRef>
+          <a:fontRef idx="minor">
+            <a:schemeClr val="lt1"/>
+          </a:fontRef>
+        </p:style>
+        <p:txBody>
+          <a:bodyPr lIns="72000" tIns="0" rIns="72000" bIns="0" rtlCol="0" anchor="ctr"/>
+          <a:lstStyle/>
+          <a:p>
+            <a:r>
+              <a:rPr lang="en-US" altLang="zh-CN" sz="1000" dirty="0" smtClean="0"/>
+              <a:t>Space (</a:t>
+            </a:r>
+            <a:r>
+              <a:rPr lang="zh-CN" altLang="en-US" sz="1000" dirty="0" smtClean="0"/>
+              <a:t>空间</a:t>
+            </a:r>
+            <a:r>
+              <a:rPr lang="en-US" altLang="zh-CN" sz="1000" dirty="0" smtClean="0"/>
+              <a:t>)</a:t>
+            </a:r>
+            <a:endParaRPr lang="zh-CN" altLang="en-US" sz="1000" dirty="0"/>
+          </a:p>
+        </p:txBody>
+      </p:sp>
+      <p:sp>
+        <p:nvSpPr>
+          <p:cNvPr id="11" name="圆角矩形 10"/>
+          <p:cNvSpPr/>
+          <p:nvPr/>
+        </p:nvSpPr>
+        <p:spPr>
+          <a:xfrm>
+            <a:off x="4634182" y="1971204"/>
+            <a:ext cx="1791631" cy="171710"/>
+          </a:xfrm>
+          <a:prstGeom prst="roundRect">
+            <a:avLst/>
+          </a:prstGeom>
+        </p:spPr>
+        <p:style>
+          <a:lnRef idx="2">
+            <a:schemeClr val="accent1">
+              <a:shade val="50000"/>
+            </a:schemeClr>
+          </a:lnRef>
+          <a:fillRef idx="1">
+            <a:schemeClr val="accent1"/>
+          </a:fillRef>
+          <a:effectRef idx="0">
+            <a:schemeClr val="accent1"/>
+          </a:effectRef>
+          <a:fontRef idx="minor">
+            <a:schemeClr val="lt1"/>
+          </a:fontRef>
+        </p:style>
+        <p:txBody>
+          <a:bodyPr lIns="72000" tIns="0" rIns="72000" bIns="0" rtlCol="0" anchor="ctr"/>
+          <a:lstStyle/>
+          <a:p>
+            <a:r>
+              <a:rPr lang="en-US" altLang="zh-CN" sz="1000" dirty="0" smtClean="0"/>
+              <a:t>Region (</a:t>
+            </a:r>
+            <a:r>
+              <a:rPr lang="zh-CN" altLang="en-US" sz="1000" dirty="0" smtClean="0"/>
+              <a:t>区域</a:t>
+            </a:r>
+            <a:r>
+              <a:rPr lang="en-US" altLang="zh-CN" sz="1000" dirty="0" smtClean="0"/>
+              <a:t>)</a:t>
+            </a:r>
+            <a:endParaRPr lang="zh-CN" altLang="en-US" sz="1000" dirty="0"/>
+          </a:p>
+        </p:txBody>
+      </p:sp>
+      <p:cxnSp>
+        <p:nvCxnSpPr>
+          <p:cNvPr id="12" name="直接箭头连接符 14"/>
+          <p:cNvCxnSpPr>
+            <a:stCxn id="16" idx="2"/>
+            <a:endCxn id="11" idx="0"/>
+          </p:cNvCxnSpPr>
+          <p:nvPr/>
+        </p:nvCxnSpPr>
+        <p:spPr>
+          <a:xfrm rot="16200000" flipH="1">
+            <a:off x="2992267" y="-566528"/>
+            <a:ext cx="280515" cy="4794948"/>
+          </a:xfrm>
+          <a:prstGeom prst="bentConnector3">
+            <a:avLst>
+              <a:gd name="adj1" fmla="val 50000"/>
+            </a:avLst>
+          </a:prstGeom>
+          <a:ln w="12700">
+            <a:headEnd w="med" len="lg"/>
+            <a:tailEnd type="none" w="med" len="lg"/>
+          </a:ln>
+        </p:spPr>
+        <p:style>
+          <a:lnRef idx="1">
+            <a:schemeClr val="accent1"/>
+          </a:lnRef>
+          <a:fillRef idx="0">
+            <a:schemeClr val="accent1"/>
+          </a:fillRef>
+          <a:effectRef idx="0">
+            <a:schemeClr val="accent1"/>
+          </a:effectRef>
+          <a:fontRef idx="minor">
+            <a:schemeClr val="tx1"/>
+          </a:fontRef>
+        </p:style>
+      </p:cxnSp>
+      <p:sp>
+        <p:nvSpPr>
+          <p:cNvPr id="19" name="圆角矩形 18"/>
+          <p:cNvSpPr/>
+          <p:nvPr/>
+        </p:nvSpPr>
+        <p:spPr>
+          <a:xfrm>
+            <a:off x="7205501" y="3028156"/>
+            <a:ext cx="1587709" cy="171710"/>
+          </a:xfrm>
+          <a:prstGeom prst="roundRect">
+            <a:avLst/>
+          </a:prstGeom>
+        </p:spPr>
+        <p:style>
+          <a:lnRef idx="2">
+            <a:schemeClr val="accent1">
+              <a:shade val="50000"/>
+            </a:schemeClr>
+          </a:lnRef>
+          <a:fillRef idx="1">
+            <a:schemeClr val="accent1"/>
+          </a:fillRef>
+          <a:effectRef idx="0">
+            <a:schemeClr val="accent1"/>
+          </a:effectRef>
+          <a:fontRef idx="minor">
+            <a:schemeClr val="lt1"/>
+          </a:fontRef>
+        </p:style>
+        <p:txBody>
+          <a:bodyPr lIns="72000" tIns="0" rIns="72000" bIns="0" rtlCol="0" anchor="ctr"/>
+          <a:lstStyle/>
+          <a:p>
+            <a:r>
+              <a:rPr lang="en-US" altLang="zh-CN" sz="1000" dirty="0" err="1" smtClean="0"/>
+              <a:t>CameraRefer</a:t>
+            </a:r>
+            <a:r>
+              <a:rPr lang="en-US" altLang="zh-CN" sz="1000" dirty="0" smtClean="0"/>
+              <a:t> (</a:t>
+            </a:r>
+            <a:r>
+              <a:rPr lang="zh-CN" altLang="en-US" sz="1000" dirty="0" smtClean="0"/>
+              <a:t>相机</a:t>
+            </a:r>
+            <a:r>
+              <a:rPr lang="en-US" altLang="zh-CN" sz="1000" dirty="0" smtClean="0"/>
+              <a:t>)</a:t>
+            </a:r>
+            <a:endParaRPr lang="zh-CN" altLang="en-US" sz="1000" dirty="0"/>
+          </a:p>
+        </p:txBody>
+      </p:sp>
+      <p:cxnSp>
+        <p:nvCxnSpPr>
+          <p:cNvPr id="20" name="直接箭头连接符 14"/>
+          <p:cNvCxnSpPr>
+            <a:stCxn id="11" idx="2"/>
+            <a:endCxn id="203" idx="1"/>
+          </p:cNvCxnSpPr>
+          <p:nvPr/>
+        </p:nvCxnSpPr>
+        <p:spPr>
+          <a:xfrm rot="16200000" flipH="1">
+            <a:off x="5394422" y="2278490"/>
+            <a:ext cx="706859" cy="435706"/>
+          </a:xfrm>
+          <a:prstGeom prst="bentConnector2">
+            <a:avLst/>
+          </a:prstGeom>
+          <a:ln w="12700">
+            <a:headEnd w="med" len="lg"/>
+            <a:tailEnd type="none" w="med" len="lg"/>
+          </a:ln>
+        </p:spPr>
+        <p:style>
+          <a:lnRef idx="1">
+            <a:schemeClr val="accent1"/>
+          </a:lnRef>
+          <a:fillRef idx="0">
+            <a:schemeClr val="accent1"/>
+          </a:fillRef>
+          <a:effectRef idx="0">
+            <a:schemeClr val="accent1"/>
+          </a:effectRef>
+          <a:fontRef idx="minor">
+            <a:schemeClr val="tx1"/>
+          </a:fontRef>
+        </p:style>
+      </p:cxnSp>
+      <p:sp>
+        <p:nvSpPr>
+          <p:cNvPr id="27" name="圆角矩形 26"/>
+          <p:cNvSpPr/>
+          <p:nvPr/>
+        </p:nvSpPr>
+        <p:spPr>
+          <a:xfrm>
+            <a:off x="5965704" y="3556632"/>
+            <a:ext cx="1763090" cy="171710"/>
+          </a:xfrm>
+          <a:prstGeom prst="roundRect">
+            <a:avLst/>
+          </a:prstGeom>
+        </p:spPr>
+        <p:style>
+          <a:lnRef idx="2">
+            <a:schemeClr val="accent1">
+              <a:shade val="50000"/>
+            </a:schemeClr>
+          </a:lnRef>
+          <a:fillRef idx="1">
+            <a:schemeClr val="accent1"/>
+          </a:fillRef>
+          <a:effectRef idx="0">
+            <a:schemeClr val="accent1"/>
+          </a:effectRef>
+          <a:fontRef idx="minor">
+            <a:schemeClr val="lt1"/>
+          </a:fontRef>
+        </p:style>
+        <p:txBody>
+          <a:bodyPr lIns="72000" tIns="0" rIns="72000" bIns="0" rtlCol="0" anchor="ctr"/>
+          <a:lstStyle/>
+          <a:p>
+            <a:r>
+              <a:rPr lang="en-US" altLang="zh-CN" sz="1000" dirty="0" smtClean="0"/>
+              <a:t>Lights (</a:t>
+            </a:r>
+            <a:r>
+              <a:rPr lang="zh-CN" altLang="en-US" sz="1000" dirty="0" smtClean="0"/>
+              <a:t>光源集合</a:t>
+            </a:r>
+            <a:r>
+              <a:rPr lang="en-US" altLang="zh-CN" sz="1000" dirty="0" smtClean="0"/>
+              <a:t>)</a:t>
+            </a:r>
+            <a:endParaRPr lang="zh-CN" altLang="en-US" sz="1000" dirty="0"/>
+          </a:p>
+        </p:txBody>
+      </p:sp>
+      <p:cxnSp>
+        <p:nvCxnSpPr>
+          <p:cNvPr id="28" name="直接箭头连接符 14"/>
+          <p:cNvCxnSpPr>
+            <a:stCxn id="11" idx="2"/>
+            <a:endCxn id="27" idx="1"/>
+          </p:cNvCxnSpPr>
+          <p:nvPr/>
+        </p:nvCxnSpPr>
+        <p:spPr>
+          <a:xfrm rot="16200000" flipH="1">
+            <a:off x="4998065" y="2674847"/>
+            <a:ext cx="1499573" cy="435706"/>
+          </a:xfrm>
+          <a:prstGeom prst="bentConnector2">
+            <a:avLst/>
+          </a:prstGeom>
+          <a:ln w="12700">
+            <a:headEnd w="med" len="lg"/>
+            <a:tailEnd type="none" w="med" len="lg"/>
+          </a:ln>
+        </p:spPr>
+        <p:style>
+          <a:lnRef idx="1">
+            <a:schemeClr val="accent1"/>
+          </a:lnRef>
+          <a:fillRef idx="0">
+            <a:schemeClr val="accent1"/>
+          </a:fillRef>
+          <a:effectRef idx="0">
+            <a:schemeClr val="accent1"/>
+          </a:effectRef>
+          <a:fontRef idx="minor">
+            <a:schemeClr val="tx1"/>
+          </a:fontRef>
+        </p:style>
+      </p:cxnSp>
+      <p:sp>
+        <p:nvSpPr>
+          <p:cNvPr id="31" name="圆角矩形 30"/>
+          <p:cNvSpPr/>
+          <p:nvPr/>
+        </p:nvSpPr>
+        <p:spPr>
+          <a:xfrm>
+            <a:off x="7205501" y="3820870"/>
+            <a:ext cx="1587708" cy="171710"/>
+          </a:xfrm>
+          <a:prstGeom prst="roundRect">
+            <a:avLst/>
+          </a:prstGeom>
+        </p:spPr>
+        <p:style>
+          <a:lnRef idx="2">
+            <a:schemeClr val="accent1">
+              <a:shade val="50000"/>
+            </a:schemeClr>
+          </a:lnRef>
+          <a:fillRef idx="1">
+            <a:schemeClr val="accent1"/>
+          </a:fillRef>
+          <a:effectRef idx="0">
+            <a:schemeClr val="accent1"/>
+          </a:effectRef>
+          <a:fontRef idx="minor">
+            <a:schemeClr val="lt1"/>
+          </a:fontRef>
+        </p:style>
+        <p:txBody>
+          <a:bodyPr lIns="72000" tIns="0" rIns="72000" bIns="0" rtlCol="0" anchor="ctr"/>
+          <a:lstStyle/>
+          <a:p>
+            <a:r>
+              <a:rPr lang="en-US" altLang="zh-CN" sz="1000" smtClean="0"/>
+              <a:t>LightRefer </a:t>
+            </a:r>
+            <a:r>
+              <a:rPr lang="en-US" altLang="zh-CN" sz="1000" dirty="0" smtClean="0"/>
+              <a:t>(</a:t>
+            </a:r>
+            <a:r>
+              <a:rPr lang="zh-CN" altLang="en-US" sz="1000" dirty="0" smtClean="0"/>
+              <a:t>光源</a:t>
+            </a:r>
+            <a:r>
+              <a:rPr lang="en-US" altLang="zh-CN" sz="1000" dirty="0" smtClean="0"/>
+              <a:t>)</a:t>
+            </a:r>
+            <a:endParaRPr lang="zh-CN" altLang="en-US" sz="1000" dirty="0"/>
+          </a:p>
+        </p:txBody>
+      </p:sp>
+      <p:cxnSp>
+        <p:nvCxnSpPr>
+          <p:cNvPr id="32" name="直接箭头连接符 14"/>
+          <p:cNvCxnSpPr>
+            <a:stCxn id="27" idx="2"/>
+            <a:endCxn id="31" idx="1"/>
+          </p:cNvCxnSpPr>
+          <p:nvPr/>
+        </p:nvCxnSpPr>
+        <p:spPr>
+          <a:xfrm rot="16200000" flipH="1">
+            <a:off x="6937184" y="3638407"/>
+            <a:ext cx="178383" cy="358252"/>
+          </a:xfrm>
+          <a:prstGeom prst="bentConnector2">
+            <a:avLst/>
+          </a:prstGeom>
+          <a:ln w="12700">
+            <a:headEnd w="med" len="lg"/>
+            <a:tailEnd type="none" w="med" len="lg"/>
+          </a:ln>
+        </p:spPr>
+        <p:style>
+          <a:lnRef idx="1">
+            <a:schemeClr val="accent1"/>
+          </a:lnRef>
+          <a:fillRef idx="0">
+            <a:schemeClr val="accent1"/>
+          </a:fillRef>
+          <a:effectRef idx="0">
+            <a:schemeClr val="accent1"/>
+          </a:effectRef>
+          <a:fontRef idx="minor">
+            <a:schemeClr val="tx1"/>
+          </a:fontRef>
+        </p:style>
+      </p:cxnSp>
+      <p:sp>
+        <p:nvSpPr>
+          <p:cNvPr id="43" name="圆角矩形 42"/>
+          <p:cNvSpPr/>
+          <p:nvPr/>
+        </p:nvSpPr>
+        <p:spPr>
+          <a:xfrm>
+            <a:off x="7205501" y="2499680"/>
+            <a:ext cx="1587709" cy="171710"/>
+          </a:xfrm>
+          <a:prstGeom prst="roundRect">
+            <a:avLst/>
+          </a:prstGeom>
+        </p:spPr>
+        <p:style>
+          <a:lnRef idx="2">
+            <a:schemeClr val="accent1">
+              <a:shade val="50000"/>
+            </a:schemeClr>
+          </a:lnRef>
+          <a:fillRef idx="1">
+            <a:schemeClr val="accent1"/>
+          </a:fillRef>
+          <a:effectRef idx="0">
+            <a:schemeClr val="accent1"/>
+          </a:effectRef>
+          <a:fontRef idx="minor">
+            <a:schemeClr val="lt1"/>
+          </a:fontRef>
+        </p:style>
+        <p:txBody>
+          <a:bodyPr lIns="72000" tIns="0" rIns="72000" bIns="0" rtlCol="0" anchor="ctr"/>
+          <a:lstStyle/>
+          <a:p>
+            <a:r>
+              <a:rPr lang="en-US" altLang="zh-CN" sz="1000" dirty="0" smtClean="0"/>
+              <a:t>Pass </a:t>
+            </a:r>
+            <a:r>
+              <a:rPr lang="en-US" altLang="zh-CN" sz="1000" dirty="0" smtClean="0"/>
+              <a:t>(</a:t>
+            </a:r>
+            <a:r>
+              <a:rPr lang="zh-CN" altLang="en-US" sz="1000" dirty="0" smtClean="0"/>
+              <a:t>渲染过程</a:t>
+            </a:r>
+            <a:r>
+              <a:rPr lang="en-US" altLang="zh-CN" sz="1000" dirty="0" smtClean="0"/>
+              <a:t>)</a:t>
+            </a:r>
+            <a:endParaRPr lang="zh-CN" altLang="en-US" sz="1000" dirty="0"/>
+          </a:p>
+        </p:txBody>
+      </p:sp>
+      <p:cxnSp>
+        <p:nvCxnSpPr>
+          <p:cNvPr id="44" name="直接箭头连接符 14"/>
+          <p:cNvCxnSpPr>
+            <a:stCxn id="228" idx="2"/>
+            <a:endCxn id="43" idx="1"/>
+          </p:cNvCxnSpPr>
+          <p:nvPr/>
+        </p:nvCxnSpPr>
+        <p:spPr>
+          <a:xfrm rot="16200000" flipH="1">
+            <a:off x="6937184" y="2317217"/>
+            <a:ext cx="178383" cy="358252"/>
+          </a:xfrm>
+          <a:prstGeom prst="bentConnector2">
+            <a:avLst/>
+          </a:prstGeom>
+          <a:ln w="12700">
+            <a:headEnd w="med" len="lg"/>
+            <a:tailEnd type="none" w="med" len="lg"/>
+          </a:ln>
+        </p:spPr>
+        <p:style>
+          <a:lnRef idx="1">
+            <a:schemeClr val="accent1"/>
+          </a:lnRef>
+          <a:fillRef idx="0">
+            <a:schemeClr val="accent1"/>
+          </a:fillRef>
+          <a:effectRef idx="0">
+            <a:schemeClr val="accent1"/>
+          </a:effectRef>
+          <a:fontRef idx="minor">
+            <a:schemeClr val="tx1"/>
+          </a:fontRef>
+        </p:style>
+      </p:cxnSp>
+      <p:cxnSp>
+        <p:nvCxnSpPr>
+          <p:cNvPr id="48" name="直接箭头连接符 14"/>
+          <p:cNvCxnSpPr>
+            <a:stCxn id="11" idx="2"/>
+            <a:endCxn id="53" idx="1"/>
+          </p:cNvCxnSpPr>
+          <p:nvPr/>
+        </p:nvCxnSpPr>
+        <p:spPr>
+          <a:xfrm rot="16200000" flipH="1">
+            <a:off x="4733827" y="2939085"/>
+            <a:ext cx="2028049" cy="435706"/>
+          </a:xfrm>
+          <a:prstGeom prst="bentConnector2">
+            <a:avLst/>
+          </a:prstGeom>
+          <a:ln w="12700">
+            <a:headEnd w="med" len="lg"/>
+            <a:tailEnd type="none" w="med" len="lg"/>
+          </a:ln>
+        </p:spPr>
+        <p:style>
+          <a:lnRef idx="1">
+            <a:schemeClr val="accent1"/>
+          </a:lnRef>
+          <a:fillRef idx="0">
+            <a:schemeClr val="accent1"/>
+          </a:fillRef>
+          <a:effectRef idx="0">
+            <a:schemeClr val="accent1"/>
+          </a:effectRef>
+          <a:fontRef idx="minor">
+            <a:schemeClr val="tx1"/>
+          </a:fontRef>
+        </p:style>
+      </p:cxnSp>
+      <p:sp>
+        <p:nvSpPr>
+          <p:cNvPr id="53" name="圆角矩形 52"/>
+          <p:cNvSpPr/>
+          <p:nvPr/>
+        </p:nvSpPr>
+        <p:spPr>
+          <a:xfrm>
+            <a:off x="5965704" y="4085108"/>
+            <a:ext cx="1791632" cy="171710"/>
+          </a:xfrm>
+          <a:prstGeom prst="roundRect">
+            <a:avLst/>
+          </a:prstGeom>
+        </p:spPr>
+        <p:style>
+          <a:lnRef idx="2">
+            <a:schemeClr val="accent1">
+              <a:shade val="50000"/>
+            </a:schemeClr>
+          </a:lnRef>
+          <a:fillRef idx="1">
+            <a:schemeClr val="accent1"/>
+          </a:fillRef>
+          <a:effectRef idx="0">
+            <a:schemeClr val="accent1"/>
+          </a:effectRef>
+          <a:fontRef idx="minor">
+            <a:schemeClr val="lt1"/>
+          </a:fontRef>
+        </p:style>
+        <p:txBody>
+          <a:bodyPr lIns="72000" tIns="0" rIns="72000" bIns="0" rtlCol="0" anchor="ctr"/>
+          <a:lstStyle/>
+          <a:p>
+            <a:r>
+              <a:rPr lang="en-US" altLang="zh-CN" sz="1000" dirty="0" smtClean="0"/>
+              <a:t>Layers (</a:t>
+            </a:r>
+            <a:r>
+              <a:rPr lang="zh-CN" altLang="en-US" sz="1000" dirty="0" smtClean="0"/>
+              <a:t>显示层集合</a:t>
+            </a:r>
+            <a:r>
+              <a:rPr lang="en-US" altLang="zh-CN" sz="1000" dirty="0" smtClean="0"/>
+              <a:t>)</a:t>
+            </a:r>
+            <a:endParaRPr lang="zh-CN" altLang="en-US" sz="1000" dirty="0"/>
+          </a:p>
+        </p:txBody>
+      </p:sp>
+      <p:sp>
+        <p:nvSpPr>
+          <p:cNvPr id="56" name="圆角矩形 55"/>
+          <p:cNvSpPr/>
+          <p:nvPr/>
+        </p:nvSpPr>
+        <p:spPr>
+          <a:xfrm>
+            <a:off x="7205500" y="4349346"/>
+            <a:ext cx="1587709" cy="171710"/>
+          </a:xfrm>
+          <a:prstGeom prst="roundRect">
+            <a:avLst/>
+          </a:prstGeom>
+        </p:spPr>
+        <p:style>
+          <a:lnRef idx="2">
+            <a:schemeClr val="accent1">
+              <a:shade val="50000"/>
+            </a:schemeClr>
+          </a:lnRef>
+          <a:fillRef idx="1">
+            <a:schemeClr val="accent1"/>
+          </a:fillRef>
+          <a:effectRef idx="0">
+            <a:schemeClr val="accent1"/>
+          </a:effectRef>
+          <a:fontRef idx="minor">
+            <a:schemeClr val="lt1"/>
+          </a:fontRef>
+        </p:style>
+        <p:txBody>
+          <a:bodyPr lIns="72000" tIns="0" rIns="72000" bIns="0" rtlCol="0" anchor="ctr"/>
+          <a:lstStyle/>
+          <a:p>
+            <a:r>
+              <a:rPr lang="en-US" altLang="zh-CN" sz="1000" dirty="0"/>
+              <a:t>Layer (</a:t>
+            </a:r>
+            <a:r>
+              <a:rPr lang="zh-CN" altLang="en-US" sz="1000" dirty="0"/>
+              <a:t>显示</a:t>
+            </a:r>
+            <a:r>
+              <a:rPr lang="zh-CN" altLang="en-US" sz="1000" dirty="0" smtClean="0"/>
+              <a:t>层</a:t>
+            </a:r>
+            <a:r>
+              <a:rPr lang="en-US" altLang="zh-CN" sz="1000" dirty="0" smtClean="0"/>
+              <a:t>)</a:t>
+            </a:r>
+            <a:endParaRPr lang="zh-CN" altLang="en-US" sz="1000" dirty="0"/>
+          </a:p>
+        </p:txBody>
+      </p:sp>
+      <p:cxnSp>
+        <p:nvCxnSpPr>
+          <p:cNvPr id="57" name="直接箭头连接符 14"/>
+          <p:cNvCxnSpPr>
+            <a:stCxn id="53" idx="2"/>
+            <a:endCxn id="56" idx="1"/>
+          </p:cNvCxnSpPr>
+          <p:nvPr/>
+        </p:nvCxnSpPr>
+        <p:spPr>
+          <a:xfrm rot="16200000" flipH="1">
+            <a:off x="6944319" y="4174019"/>
+            <a:ext cx="178383" cy="343980"/>
+          </a:xfrm>
+          <a:prstGeom prst="bentConnector2">
+            <a:avLst/>
+          </a:prstGeom>
+          <a:ln w="12700">
+            <a:headEnd w="med" len="lg"/>
+            <a:tailEnd type="none" w="med" len="lg"/>
+          </a:ln>
+        </p:spPr>
+        <p:style>
+          <a:lnRef idx="1">
+            <a:schemeClr val="accent1"/>
+          </a:lnRef>
+          <a:fillRef idx="0">
+            <a:schemeClr val="accent1"/>
+          </a:fillRef>
+          <a:effectRef idx="0">
+            <a:schemeClr val="accent1"/>
+          </a:effectRef>
+          <a:fontRef idx="minor">
+            <a:schemeClr val="tx1"/>
+          </a:fontRef>
+        </p:style>
+      </p:cxnSp>
+      <p:sp>
+        <p:nvSpPr>
+          <p:cNvPr id="67" name="圆角矩形 66"/>
+          <p:cNvSpPr/>
+          <p:nvPr/>
+        </p:nvSpPr>
+        <p:spPr>
+          <a:xfrm>
+            <a:off x="8310034" y="4613584"/>
+            <a:ext cx="1669227" cy="171710"/>
+          </a:xfrm>
+          <a:prstGeom prst="roundRect">
+            <a:avLst/>
+          </a:prstGeom>
+        </p:spPr>
+        <p:style>
+          <a:lnRef idx="2">
+            <a:schemeClr val="accent1">
+              <a:shade val="50000"/>
+            </a:schemeClr>
+          </a:lnRef>
+          <a:fillRef idx="1">
+            <a:schemeClr val="accent1"/>
+          </a:fillRef>
+          <a:effectRef idx="0">
+            <a:schemeClr val="accent1"/>
+          </a:effectRef>
+          <a:fontRef idx="minor">
+            <a:schemeClr val="lt1"/>
+          </a:fontRef>
+        </p:style>
+        <p:txBody>
+          <a:bodyPr lIns="72000" tIns="0" rIns="72000" bIns="0" rtlCol="0" anchor="ctr"/>
+          <a:lstStyle/>
+          <a:p>
+            <a:r>
+              <a:rPr lang="en-US" altLang="zh-CN" sz="1000" dirty="0" err="1" smtClean="0"/>
+              <a:t>DisplayContainer</a:t>
+            </a:r>
+            <a:r>
+              <a:rPr lang="en-US" altLang="zh-CN" sz="1000" dirty="0" smtClean="0"/>
+              <a:t> </a:t>
+            </a:r>
+            <a:r>
+              <a:rPr lang="en-US" altLang="zh-CN" sz="1000" dirty="0" smtClean="0"/>
+              <a:t>(</a:t>
+            </a:r>
+            <a:r>
+              <a:rPr lang="zh-CN" altLang="en-US" sz="1000" dirty="0" smtClean="0"/>
+              <a:t>显示容器</a:t>
+            </a:r>
+            <a:r>
+              <a:rPr lang="en-US" altLang="zh-CN" sz="1000" dirty="0" smtClean="0"/>
+              <a:t>)</a:t>
+            </a:r>
+            <a:endParaRPr lang="zh-CN" altLang="en-US" sz="1000" dirty="0"/>
+          </a:p>
+        </p:txBody>
+      </p:sp>
+      <p:cxnSp>
+        <p:nvCxnSpPr>
+          <p:cNvPr id="68" name="直接箭头连接符 14"/>
+          <p:cNvCxnSpPr>
+            <a:stCxn id="56" idx="2"/>
+            <a:endCxn id="67" idx="1"/>
+          </p:cNvCxnSpPr>
+          <p:nvPr/>
+        </p:nvCxnSpPr>
+        <p:spPr>
+          <a:xfrm rot="16200000" flipH="1">
+            <a:off x="8065503" y="4454907"/>
+            <a:ext cx="178383" cy="310679"/>
+          </a:xfrm>
+          <a:prstGeom prst="bentConnector2">
+            <a:avLst/>
+          </a:prstGeom>
+          <a:ln w="12700">
+            <a:headEnd w="med" len="lg"/>
+            <a:tailEnd type="none" w="med" len="lg"/>
+          </a:ln>
+        </p:spPr>
+        <p:style>
+          <a:lnRef idx="1">
+            <a:schemeClr val="accent1"/>
+          </a:lnRef>
+          <a:fillRef idx="0">
+            <a:schemeClr val="accent1"/>
+          </a:fillRef>
+          <a:effectRef idx="0">
+            <a:schemeClr val="accent1"/>
+          </a:effectRef>
+          <a:fontRef idx="minor">
+            <a:schemeClr val="tx1"/>
+          </a:fontRef>
+        </p:style>
+      </p:cxnSp>
+      <p:sp>
+        <p:nvSpPr>
+          <p:cNvPr id="73" name="圆角矩形 72"/>
+          <p:cNvSpPr/>
+          <p:nvPr/>
+        </p:nvSpPr>
+        <p:spPr>
+          <a:xfrm>
+            <a:off x="9436929" y="4877821"/>
+            <a:ext cx="1496144" cy="171710"/>
+          </a:xfrm>
+          <a:prstGeom prst="roundRect">
+            <a:avLst/>
+          </a:prstGeom>
+        </p:spPr>
+        <p:style>
+          <a:lnRef idx="2">
+            <a:schemeClr val="accent1">
+              <a:shade val="50000"/>
+            </a:schemeClr>
+          </a:lnRef>
+          <a:fillRef idx="1">
+            <a:schemeClr val="accent1"/>
+          </a:fillRef>
+          <a:effectRef idx="0">
+            <a:schemeClr val="accent1"/>
+          </a:effectRef>
+          <a:fontRef idx="minor">
+            <a:schemeClr val="lt1"/>
+          </a:fontRef>
+        </p:style>
+        <p:txBody>
+          <a:bodyPr lIns="72000" tIns="0" rIns="72000" bIns="0" rtlCol="0" anchor="ctr"/>
+          <a:lstStyle/>
+          <a:p>
+            <a:r>
+              <a:rPr lang="en-US" altLang="zh-CN" sz="1000" dirty="0" smtClean="0"/>
+              <a:t>Display </a:t>
+            </a:r>
+            <a:r>
+              <a:rPr lang="en-US" altLang="zh-CN" sz="1000" dirty="0" smtClean="0"/>
+              <a:t>(</a:t>
+            </a:r>
+            <a:r>
+              <a:rPr lang="zh-CN" altLang="en-US" sz="1000" dirty="0" smtClean="0"/>
+              <a:t>显示对象</a:t>
+            </a:r>
+            <a:r>
+              <a:rPr lang="en-US" altLang="zh-CN" sz="1000" dirty="0" smtClean="0"/>
+              <a:t>)</a:t>
+            </a:r>
+            <a:endParaRPr lang="zh-CN" altLang="en-US" sz="1000" dirty="0"/>
+          </a:p>
+        </p:txBody>
+      </p:sp>
+      <p:cxnSp>
+        <p:nvCxnSpPr>
+          <p:cNvPr id="74" name="直接箭头连接符 14"/>
+          <p:cNvCxnSpPr>
+            <a:stCxn id="67" idx="2"/>
+            <a:endCxn id="73" idx="1"/>
+          </p:cNvCxnSpPr>
+          <p:nvPr/>
+        </p:nvCxnSpPr>
+        <p:spPr>
+          <a:xfrm rot="16200000" flipH="1">
+            <a:off x="9201597" y="4728344"/>
+            <a:ext cx="178382" cy="292281"/>
+          </a:xfrm>
+          <a:prstGeom prst="bentConnector2">
+            <a:avLst/>
+          </a:prstGeom>
+          <a:ln w="12700">
+            <a:headEnd w="med" len="lg"/>
+            <a:tailEnd type="none" w="med" len="lg"/>
+          </a:ln>
+        </p:spPr>
+        <p:style>
+          <a:lnRef idx="1">
+            <a:schemeClr val="accent1"/>
+          </a:lnRef>
+          <a:fillRef idx="0">
+            <a:schemeClr val="accent1"/>
+          </a:fillRef>
+          <a:effectRef idx="0">
+            <a:schemeClr val="accent1"/>
+          </a:effectRef>
+          <a:fontRef idx="minor">
+            <a:schemeClr val="tx1"/>
+          </a:fontRef>
+        </p:style>
+      </p:cxnSp>
+      <p:sp>
+        <p:nvSpPr>
+          <p:cNvPr id="96" name="圆角矩形 95"/>
+          <p:cNvSpPr/>
+          <p:nvPr/>
+        </p:nvSpPr>
+        <p:spPr>
+          <a:xfrm>
+            <a:off x="1003587" y="3563908"/>
+            <a:ext cx="1791632" cy="171710"/>
+          </a:xfrm>
+          <a:prstGeom prst="roundRect">
+            <a:avLst/>
+          </a:prstGeom>
+        </p:spPr>
+        <p:style>
+          <a:lnRef idx="2">
+            <a:schemeClr val="accent1">
+              <a:shade val="50000"/>
+            </a:schemeClr>
+          </a:lnRef>
+          <a:fillRef idx="1">
+            <a:schemeClr val="accent1"/>
+          </a:fillRef>
+          <a:effectRef idx="0">
+            <a:schemeClr val="accent1"/>
+          </a:effectRef>
+          <a:fontRef idx="minor">
+            <a:schemeClr val="lt1"/>
+          </a:fontRef>
+        </p:style>
+        <p:txBody>
+          <a:bodyPr lIns="72000" tIns="0" rIns="72000" bIns="0" rtlCol="0" anchor="ctr"/>
+          <a:lstStyle/>
+          <a:p>
+            <a:r>
+              <a:rPr lang="en-US" altLang="zh-CN" sz="1000" dirty="0" smtClean="0"/>
+              <a:t>Materials (</a:t>
+            </a:r>
+            <a:r>
+              <a:rPr lang="zh-CN" altLang="en-US" sz="1000" dirty="0" smtClean="0"/>
+              <a:t>材质集合</a:t>
+            </a:r>
+            <a:r>
+              <a:rPr lang="en-US" altLang="zh-CN" sz="1000" dirty="0" smtClean="0"/>
+              <a:t>)</a:t>
+            </a:r>
+            <a:endParaRPr lang="zh-CN" altLang="en-US" sz="1000" dirty="0"/>
+          </a:p>
+        </p:txBody>
+      </p:sp>
+      <p:cxnSp>
+        <p:nvCxnSpPr>
+          <p:cNvPr id="97" name="直接箭头连接符 14"/>
+          <p:cNvCxnSpPr>
+            <a:stCxn id="16" idx="2"/>
+            <a:endCxn id="96" idx="1"/>
+          </p:cNvCxnSpPr>
+          <p:nvPr/>
+        </p:nvCxnSpPr>
+        <p:spPr>
+          <a:xfrm rot="16200000" flipH="1">
+            <a:off x="-110219" y="2535957"/>
+            <a:ext cx="1959074" cy="268537"/>
+          </a:xfrm>
+          <a:prstGeom prst="bentConnector2">
+            <a:avLst/>
+          </a:prstGeom>
+          <a:ln w="12700">
+            <a:headEnd w="med" len="lg"/>
+            <a:tailEnd type="none" w="med" len="lg"/>
+          </a:ln>
+        </p:spPr>
+        <p:style>
+          <a:lnRef idx="1">
+            <a:schemeClr val="accent1"/>
+          </a:lnRef>
+          <a:fillRef idx="0">
+            <a:schemeClr val="accent1"/>
+          </a:fillRef>
+          <a:effectRef idx="0">
+            <a:schemeClr val="accent1"/>
+          </a:effectRef>
+          <a:fontRef idx="minor">
+            <a:schemeClr val="tx1"/>
+          </a:fontRef>
+        </p:style>
+      </p:cxnSp>
+      <p:sp>
+        <p:nvSpPr>
+          <p:cNvPr id="127" name="圆角矩形 126"/>
+          <p:cNvSpPr/>
+          <p:nvPr/>
+        </p:nvSpPr>
+        <p:spPr>
+          <a:xfrm>
+            <a:off x="2278283" y="3825036"/>
+            <a:ext cx="1587709" cy="171710"/>
+          </a:xfrm>
+          <a:prstGeom prst="roundRect">
+            <a:avLst/>
+          </a:prstGeom>
+        </p:spPr>
+        <p:style>
+          <a:lnRef idx="2">
+            <a:schemeClr val="accent1">
+              <a:shade val="50000"/>
+            </a:schemeClr>
+          </a:lnRef>
+          <a:fillRef idx="1">
+            <a:schemeClr val="accent1"/>
+          </a:fillRef>
+          <a:effectRef idx="0">
+            <a:schemeClr val="accent1"/>
+          </a:effectRef>
+          <a:fontRef idx="minor">
+            <a:schemeClr val="lt1"/>
+          </a:fontRef>
+        </p:style>
+        <p:txBody>
+          <a:bodyPr lIns="72000" tIns="0" rIns="72000" bIns="0" rtlCol="0" anchor="ctr"/>
+          <a:lstStyle/>
+          <a:p>
+            <a:r>
+              <a:rPr lang="en-US" altLang="zh-CN" sz="1000" dirty="0"/>
+              <a:t>Material (</a:t>
+            </a:r>
+            <a:r>
+              <a:rPr lang="zh-CN" altLang="en-US" sz="1000" dirty="0" smtClean="0"/>
+              <a:t>材质</a:t>
+            </a:r>
+            <a:r>
+              <a:rPr lang="en-US" altLang="zh-CN" sz="1000" dirty="0" smtClean="0"/>
+              <a:t>)</a:t>
+            </a:r>
+            <a:endParaRPr lang="zh-CN" altLang="en-US" sz="1000" dirty="0"/>
+          </a:p>
+        </p:txBody>
+      </p:sp>
+      <p:cxnSp>
+        <p:nvCxnSpPr>
+          <p:cNvPr id="128" name="直接箭头连接符 14"/>
+          <p:cNvCxnSpPr>
+            <a:stCxn id="96" idx="2"/>
+            <a:endCxn id="127" idx="1"/>
+          </p:cNvCxnSpPr>
+          <p:nvPr/>
+        </p:nvCxnSpPr>
+        <p:spPr>
+          <a:xfrm rot="16200000" flipH="1">
+            <a:off x="2001207" y="3633814"/>
+            <a:ext cx="175273" cy="378880"/>
+          </a:xfrm>
+          <a:prstGeom prst="bentConnector2">
+            <a:avLst/>
+          </a:prstGeom>
+          <a:ln w="12700">
+            <a:headEnd w="med" len="lg"/>
+            <a:tailEnd type="none" w="med" len="lg"/>
+          </a:ln>
+        </p:spPr>
+        <p:style>
+          <a:lnRef idx="1">
+            <a:schemeClr val="accent1"/>
+          </a:lnRef>
+          <a:fillRef idx="0">
+            <a:schemeClr val="accent1"/>
+          </a:fillRef>
+          <a:effectRef idx="0">
+            <a:schemeClr val="accent1"/>
+          </a:effectRef>
+          <a:fontRef idx="minor">
+            <a:schemeClr val="tx1"/>
+          </a:fontRef>
+        </p:style>
+      </p:cxnSp>
+      <p:sp>
+        <p:nvSpPr>
+          <p:cNvPr id="135" name="圆角矩形 134"/>
+          <p:cNvSpPr/>
+          <p:nvPr/>
+        </p:nvSpPr>
+        <p:spPr>
+          <a:xfrm>
+            <a:off x="1003587" y="4357297"/>
+            <a:ext cx="1791633" cy="171710"/>
+          </a:xfrm>
+          <a:prstGeom prst="roundRect">
+            <a:avLst/>
+          </a:prstGeom>
+        </p:spPr>
+        <p:style>
+          <a:lnRef idx="2">
+            <a:schemeClr val="accent1">
+              <a:shade val="50000"/>
+            </a:schemeClr>
+          </a:lnRef>
+          <a:fillRef idx="1">
+            <a:schemeClr val="accent1"/>
+          </a:fillRef>
+          <a:effectRef idx="0">
+            <a:schemeClr val="accent1"/>
+          </a:effectRef>
+          <a:fontRef idx="minor">
+            <a:schemeClr val="lt1"/>
+          </a:fontRef>
+        </p:style>
+        <p:txBody>
+          <a:bodyPr lIns="72000" tIns="0" rIns="72000" bIns="0" rtlCol="0" anchor="ctr"/>
+          <a:lstStyle/>
+          <a:p>
+            <a:r>
+              <a:rPr lang="en-US" altLang="zh-CN" sz="1000" dirty="0" smtClean="0"/>
+              <a:t>Displays (</a:t>
+            </a:r>
+            <a:r>
+              <a:rPr lang="zh-CN" altLang="en-US" sz="1000" dirty="0" smtClean="0"/>
+              <a:t>显示集合</a:t>
+            </a:r>
+            <a:r>
+              <a:rPr lang="en-US" altLang="zh-CN" sz="1000" dirty="0" smtClean="0"/>
+              <a:t>)</a:t>
+            </a:r>
+            <a:endParaRPr lang="zh-CN" altLang="en-US" sz="1000" dirty="0"/>
+          </a:p>
+        </p:txBody>
+      </p:sp>
+      <p:cxnSp>
+        <p:nvCxnSpPr>
+          <p:cNvPr id="136" name="直接箭头连接符 14"/>
+          <p:cNvCxnSpPr>
+            <a:stCxn id="16" idx="2"/>
+            <a:endCxn id="135" idx="1"/>
+          </p:cNvCxnSpPr>
+          <p:nvPr/>
+        </p:nvCxnSpPr>
+        <p:spPr>
+          <a:xfrm rot="16200000" flipH="1">
+            <a:off x="-506913" y="2932651"/>
+            <a:ext cx="2752463" cy="268537"/>
+          </a:xfrm>
+          <a:prstGeom prst="bentConnector2">
+            <a:avLst/>
+          </a:prstGeom>
+          <a:ln w="12700">
+            <a:headEnd w="med" len="lg"/>
+            <a:tailEnd type="none" w="med" len="lg"/>
+          </a:ln>
+        </p:spPr>
+        <p:style>
+          <a:lnRef idx="1">
+            <a:schemeClr val="accent1"/>
+          </a:lnRef>
+          <a:fillRef idx="0">
+            <a:schemeClr val="accent1"/>
+          </a:fillRef>
+          <a:effectRef idx="0">
+            <a:schemeClr val="accent1"/>
+          </a:effectRef>
+          <a:fontRef idx="minor">
+            <a:schemeClr val="tx1"/>
+          </a:fontRef>
+        </p:style>
+      </p:cxnSp>
+      <p:sp>
+        <p:nvSpPr>
+          <p:cNvPr id="143" name="圆角矩形 142"/>
+          <p:cNvSpPr/>
+          <p:nvPr/>
+        </p:nvSpPr>
+        <p:spPr>
+          <a:xfrm>
+            <a:off x="2278283" y="4627322"/>
+            <a:ext cx="1587709" cy="171710"/>
+          </a:xfrm>
+          <a:prstGeom prst="roundRect">
+            <a:avLst/>
+          </a:prstGeom>
+        </p:spPr>
+        <p:style>
+          <a:lnRef idx="2">
+            <a:schemeClr val="accent1">
+              <a:shade val="50000"/>
+            </a:schemeClr>
+          </a:lnRef>
+          <a:fillRef idx="1">
+            <a:schemeClr val="accent1"/>
+          </a:fillRef>
+          <a:effectRef idx="0">
+            <a:schemeClr val="accent1"/>
+          </a:effectRef>
+          <a:fontRef idx="minor">
+            <a:schemeClr val="lt1"/>
+          </a:fontRef>
+        </p:style>
+        <p:txBody>
+          <a:bodyPr lIns="72000" tIns="0" rIns="72000" bIns="0" rtlCol="0" anchor="ctr"/>
+          <a:lstStyle/>
+          <a:p>
+            <a:r>
+              <a:rPr lang="en-US" altLang="zh-CN" sz="1000" dirty="0" smtClean="0"/>
+              <a:t>Display (</a:t>
+            </a:r>
+            <a:r>
+              <a:rPr lang="zh-CN" altLang="en-US" sz="1000" dirty="0" smtClean="0"/>
+              <a:t>显示对象</a:t>
+            </a:r>
+            <a:r>
+              <a:rPr lang="en-US" altLang="zh-CN" sz="1000" dirty="0" smtClean="0"/>
+              <a:t>)</a:t>
+            </a:r>
+            <a:endParaRPr lang="zh-CN" altLang="en-US" sz="1000" dirty="0"/>
+          </a:p>
+        </p:txBody>
+      </p:sp>
+      <p:cxnSp>
+        <p:nvCxnSpPr>
+          <p:cNvPr id="144" name="直接箭头连接符 14"/>
+          <p:cNvCxnSpPr>
+            <a:stCxn id="135" idx="2"/>
+            <a:endCxn id="143" idx="1"/>
+          </p:cNvCxnSpPr>
+          <p:nvPr/>
+        </p:nvCxnSpPr>
+        <p:spPr>
+          <a:xfrm rot="16200000" flipH="1">
+            <a:off x="1996758" y="4431652"/>
+            <a:ext cx="184170" cy="378879"/>
+          </a:xfrm>
+          <a:prstGeom prst="bentConnector2">
+            <a:avLst/>
+          </a:prstGeom>
+          <a:ln w="12700">
+            <a:headEnd w="med" len="lg"/>
+            <a:tailEnd type="none" w="med" len="lg"/>
+          </a:ln>
+        </p:spPr>
+        <p:style>
+          <a:lnRef idx="1">
+            <a:schemeClr val="accent1"/>
+          </a:lnRef>
+          <a:fillRef idx="0">
+            <a:schemeClr val="accent1"/>
+          </a:fillRef>
+          <a:effectRef idx="0">
+            <a:schemeClr val="accent1"/>
+          </a:effectRef>
+          <a:fontRef idx="minor">
+            <a:schemeClr val="tx1"/>
+          </a:fontRef>
+        </p:style>
+      </p:cxnSp>
+      <p:sp>
+        <p:nvSpPr>
+          <p:cNvPr id="148" name="圆角矩形 147"/>
+          <p:cNvSpPr/>
+          <p:nvPr/>
+        </p:nvSpPr>
+        <p:spPr>
+          <a:xfrm>
+            <a:off x="3581672" y="4891558"/>
+            <a:ext cx="1488218" cy="171710"/>
+          </a:xfrm>
+          <a:prstGeom prst="roundRect">
+            <a:avLst/>
+          </a:prstGeom>
+        </p:spPr>
+        <p:style>
+          <a:lnRef idx="2">
+            <a:schemeClr val="accent1">
+              <a:shade val="50000"/>
+            </a:schemeClr>
+          </a:lnRef>
+          <a:fillRef idx="1">
+            <a:schemeClr val="accent1"/>
+          </a:fillRef>
+          <a:effectRef idx="0">
+            <a:schemeClr val="accent1"/>
+          </a:effectRef>
+          <a:fontRef idx="minor">
+            <a:schemeClr val="lt1"/>
+          </a:fontRef>
+        </p:style>
+        <p:txBody>
+          <a:bodyPr lIns="72000" tIns="0" rIns="72000" bIns="0" rtlCol="0" anchor="ctr"/>
+          <a:lstStyle/>
+          <a:p>
+            <a:r>
+              <a:rPr lang="en-US" altLang="zh-CN" sz="1000" dirty="0" err="1" smtClean="0"/>
+              <a:t>Renderable</a:t>
+            </a:r>
+            <a:r>
+              <a:rPr lang="en-US" altLang="zh-CN" sz="1000" dirty="0" smtClean="0"/>
+              <a:t> (</a:t>
+            </a:r>
+            <a:r>
+              <a:rPr lang="zh-CN" altLang="en-US" sz="1000" dirty="0" smtClean="0"/>
+              <a:t>渲染</a:t>
+            </a:r>
+            <a:r>
+              <a:rPr lang="en-US" altLang="zh-CN" sz="1000" dirty="0" smtClean="0"/>
+              <a:t>)</a:t>
+            </a:r>
+            <a:endParaRPr lang="zh-CN" altLang="en-US" sz="1000" dirty="0"/>
+          </a:p>
+        </p:txBody>
+      </p:sp>
+      <p:cxnSp>
+        <p:nvCxnSpPr>
+          <p:cNvPr id="149" name="直接箭头连接符 14"/>
+          <p:cNvCxnSpPr>
+            <a:stCxn id="143" idx="2"/>
+            <a:endCxn id="148" idx="1"/>
+          </p:cNvCxnSpPr>
+          <p:nvPr/>
+        </p:nvCxnSpPr>
+        <p:spPr>
+          <a:xfrm rot="16200000" flipH="1">
+            <a:off x="3237715" y="4633455"/>
+            <a:ext cx="178381" cy="509534"/>
+          </a:xfrm>
+          <a:prstGeom prst="bentConnector2">
+            <a:avLst/>
+          </a:prstGeom>
+          <a:ln w="12700">
+            <a:headEnd w="med" len="lg"/>
+            <a:tailEnd type="none" w="med" len="lg"/>
+          </a:ln>
+        </p:spPr>
+        <p:style>
+          <a:lnRef idx="1">
+            <a:schemeClr val="accent1"/>
+          </a:lnRef>
+          <a:fillRef idx="0">
+            <a:schemeClr val="accent1"/>
+          </a:fillRef>
+          <a:effectRef idx="0">
+            <a:schemeClr val="accent1"/>
+          </a:effectRef>
+          <a:fontRef idx="minor">
+            <a:schemeClr val="tx1"/>
+          </a:fontRef>
+        </p:style>
+      </p:cxnSp>
+      <p:sp>
+        <p:nvSpPr>
+          <p:cNvPr id="153" name="文本框 152"/>
+          <p:cNvSpPr txBox="1"/>
+          <p:nvPr/>
+        </p:nvSpPr>
+        <p:spPr>
+          <a:xfrm>
+            <a:off x="3807749" y="5067907"/>
+            <a:ext cx="1036063" cy="153888"/>
+          </a:xfrm>
+          <a:prstGeom prst="rect">
+            <a:avLst/>
+          </a:prstGeom>
+          <a:noFill/>
+        </p:spPr>
+        <p:txBody>
+          <a:bodyPr wrap="square" lIns="72000" tIns="0" rIns="72000" bIns="0" rtlCol="0">
+            <a:spAutoFit/>
+          </a:bodyPr>
+          <a:lstStyle/>
+          <a:p>
+            <a:r>
+              <a:rPr lang="en-US" altLang="zh-CN" sz="1000" dirty="0" smtClean="0"/>
+              <a:t>Mesh </a:t>
+            </a:r>
+            <a:r>
+              <a:rPr lang="en-US" altLang="zh-CN" sz="1000" dirty="0" smtClean="0"/>
+              <a:t>- Material</a:t>
+            </a:r>
+            <a:endParaRPr lang="zh-CN" altLang="en-US" sz="1000" dirty="0"/>
+          </a:p>
+        </p:txBody>
+      </p:sp>
+      <p:sp>
+        <p:nvSpPr>
+          <p:cNvPr id="154" name="文本框 153"/>
+          <p:cNvSpPr txBox="1"/>
+          <p:nvPr/>
+        </p:nvSpPr>
+        <p:spPr>
+          <a:xfrm>
+            <a:off x="9955645" y="4622494"/>
+            <a:ext cx="1543376" cy="153888"/>
+          </a:xfrm>
+          <a:prstGeom prst="rect">
+            <a:avLst/>
+          </a:prstGeom>
+          <a:noFill/>
+        </p:spPr>
+        <p:txBody>
+          <a:bodyPr wrap="square" lIns="72000" tIns="0" rIns="72000" bIns="0" rtlCol="0">
+            <a:spAutoFit/>
+          </a:bodyPr>
+          <a:lstStyle/>
+          <a:p>
+            <a:r>
+              <a:rPr lang="en-US" altLang="zh-CN" sz="1000" dirty="0" smtClean="0"/>
+              <a:t>Template - Material</a:t>
+            </a:r>
+            <a:endParaRPr lang="zh-CN" altLang="en-US" sz="1000" dirty="0"/>
+          </a:p>
+        </p:txBody>
+      </p:sp>
+      <p:sp>
+        <p:nvSpPr>
+          <p:cNvPr id="99" name="圆角矩形 98"/>
+          <p:cNvSpPr/>
+          <p:nvPr/>
+        </p:nvSpPr>
+        <p:spPr>
+          <a:xfrm>
+            <a:off x="1003587" y="1966279"/>
+            <a:ext cx="1763091" cy="171710"/>
+          </a:xfrm>
+          <a:prstGeom prst="roundRect">
+            <a:avLst/>
+          </a:prstGeom>
+        </p:spPr>
+        <p:style>
+          <a:lnRef idx="2">
+            <a:schemeClr val="accent1">
+              <a:shade val="50000"/>
+            </a:schemeClr>
+          </a:lnRef>
+          <a:fillRef idx="1">
+            <a:schemeClr val="accent1"/>
+          </a:fillRef>
+          <a:effectRef idx="0">
+            <a:schemeClr val="accent1"/>
+          </a:effectRef>
+          <a:fontRef idx="minor">
+            <a:schemeClr val="lt1"/>
+          </a:fontRef>
+        </p:style>
+        <p:txBody>
+          <a:bodyPr lIns="72000" tIns="0" rIns="72000" bIns="0" rtlCol="0" anchor="ctr"/>
+          <a:lstStyle/>
+          <a:p>
+            <a:r>
+              <a:rPr lang="en-US" altLang="zh-CN" sz="1000" dirty="0" smtClean="0"/>
+              <a:t>Cameras </a:t>
+            </a:r>
+            <a:r>
+              <a:rPr lang="en-US" altLang="zh-CN" sz="1000" dirty="0" smtClean="0"/>
+              <a:t>(</a:t>
+            </a:r>
+            <a:r>
+              <a:rPr lang="zh-CN" altLang="en-US" sz="1000" dirty="0" smtClean="0"/>
+              <a:t>相机集合</a:t>
+            </a:r>
+            <a:r>
+              <a:rPr lang="en-US" altLang="zh-CN" sz="1000" dirty="0" smtClean="0"/>
+              <a:t>)</a:t>
+            </a:r>
+            <a:endParaRPr lang="zh-CN" altLang="en-US" sz="1000" dirty="0"/>
+          </a:p>
+        </p:txBody>
+      </p:sp>
+      <p:cxnSp>
+        <p:nvCxnSpPr>
+          <p:cNvPr id="100" name="直接箭头连接符 14"/>
+          <p:cNvCxnSpPr>
+            <a:stCxn id="16" idx="2"/>
+            <a:endCxn id="99" idx="1"/>
+          </p:cNvCxnSpPr>
+          <p:nvPr/>
+        </p:nvCxnSpPr>
+        <p:spPr>
+          <a:xfrm rot="16200000" flipH="1">
+            <a:off x="688596" y="1737142"/>
+            <a:ext cx="361445" cy="268537"/>
+          </a:xfrm>
+          <a:prstGeom prst="bentConnector2">
+            <a:avLst/>
+          </a:prstGeom>
+          <a:ln w="12700">
+            <a:headEnd w="med" len="lg"/>
+            <a:tailEnd type="none" w="med" len="lg"/>
+          </a:ln>
+        </p:spPr>
+        <p:style>
+          <a:lnRef idx="1">
+            <a:schemeClr val="accent1"/>
+          </a:lnRef>
+          <a:fillRef idx="0">
+            <a:schemeClr val="accent1"/>
+          </a:fillRef>
+          <a:effectRef idx="0">
+            <a:schemeClr val="accent1"/>
+          </a:effectRef>
+          <a:fontRef idx="minor">
+            <a:schemeClr val="tx1"/>
+          </a:fontRef>
+        </p:style>
+      </p:cxnSp>
+      <p:sp>
+        <p:nvSpPr>
+          <p:cNvPr id="106" name="圆角矩形 105"/>
+          <p:cNvSpPr/>
+          <p:nvPr/>
+        </p:nvSpPr>
+        <p:spPr>
+          <a:xfrm>
+            <a:off x="2278283" y="2233481"/>
+            <a:ext cx="1587709" cy="171710"/>
+          </a:xfrm>
+          <a:prstGeom prst="roundRect">
+            <a:avLst/>
+          </a:prstGeom>
+        </p:spPr>
+        <p:style>
+          <a:lnRef idx="2">
+            <a:schemeClr val="accent1">
+              <a:shade val="50000"/>
+            </a:schemeClr>
+          </a:lnRef>
+          <a:fillRef idx="1">
+            <a:schemeClr val="accent1"/>
+          </a:fillRef>
+          <a:effectRef idx="0">
+            <a:schemeClr val="accent1"/>
+          </a:effectRef>
+          <a:fontRef idx="minor">
+            <a:schemeClr val="lt1"/>
+          </a:fontRef>
+        </p:style>
+        <p:txBody>
+          <a:bodyPr lIns="72000" tIns="0" rIns="72000" bIns="0" rtlCol="0" anchor="ctr"/>
+          <a:lstStyle/>
+          <a:p>
+            <a:r>
+              <a:rPr lang="en-US" altLang="zh-CN" sz="1000" dirty="0" smtClean="0"/>
+              <a:t>Camera </a:t>
+            </a:r>
+            <a:r>
+              <a:rPr lang="en-US" altLang="zh-CN" sz="1000" dirty="0" smtClean="0"/>
+              <a:t>(</a:t>
+            </a:r>
+            <a:r>
+              <a:rPr lang="zh-CN" altLang="en-US" sz="1000" dirty="0" smtClean="0"/>
+              <a:t>相机</a:t>
+            </a:r>
+            <a:r>
+              <a:rPr lang="en-US" altLang="zh-CN" sz="1000" dirty="0" smtClean="0"/>
+              <a:t>)</a:t>
+            </a:r>
+            <a:endParaRPr lang="zh-CN" altLang="en-US" sz="1000" dirty="0"/>
+          </a:p>
+        </p:txBody>
+      </p:sp>
+      <p:cxnSp>
+        <p:nvCxnSpPr>
+          <p:cNvPr id="107" name="直接箭头连接符 14"/>
+          <p:cNvCxnSpPr>
+            <a:stCxn id="99" idx="2"/>
+            <a:endCxn id="106" idx="1"/>
+          </p:cNvCxnSpPr>
+          <p:nvPr/>
+        </p:nvCxnSpPr>
+        <p:spPr>
+          <a:xfrm rot="16200000" flipH="1">
+            <a:off x="1991035" y="2032087"/>
+            <a:ext cx="181347" cy="393150"/>
+          </a:xfrm>
+          <a:prstGeom prst="bentConnector2">
+            <a:avLst/>
+          </a:prstGeom>
+          <a:ln w="12700">
+            <a:headEnd w="med" len="lg"/>
+            <a:tailEnd type="none" w="med" len="lg"/>
+          </a:ln>
+        </p:spPr>
+        <p:style>
+          <a:lnRef idx="1">
+            <a:schemeClr val="accent1"/>
+          </a:lnRef>
+          <a:fillRef idx="0">
+            <a:schemeClr val="accent1"/>
+          </a:fillRef>
+          <a:effectRef idx="0">
+            <a:schemeClr val="accent1"/>
+          </a:effectRef>
+          <a:fontRef idx="minor">
+            <a:schemeClr val="tx1"/>
+          </a:fontRef>
+        </p:style>
+      </p:cxnSp>
+      <p:sp>
+        <p:nvSpPr>
+          <p:cNvPr id="116" name="圆角矩形 115"/>
+          <p:cNvSpPr/>
+          <p:nvPr/>
+        </p:nvSpPr>
+        <p:spPr>
+          <a:xfrm>
+            <a:off x="1003587" y="2495297"/>
+            <a:ext cx="1763091" cy="171710"/>
+          </a:xfrm>
+          <a:prstGeom prst="roundRect">
+            <a:avLst/>
+          </a:prstGeom>
+        </p:spPr>
+        <p:style>
+          <a:lnRef idx="2">
+            <a:schemeClr val="accent1">
+              <a:shade val="50000"/>
+            </a:schemeClr>
+          </a:lnRef>
+          <a:fillRef idx="1">
+            <a:schemeClr val="accent1"/>
+          </a:fillRef>
+          <a:effectRef idx="0">
+            <a:schemeClr val="accent1"/>
+          </a:effectRef>
+          <a:fontRef idx="minor">
+            <a:schemeClr val="lt1"/>
+          </a:fontRef>
+        </p:style>
+        <p:txBody>
+          <a:bodyPr lIns="72000" tIns="0" rIns="72000" bIns="0" rtlCol="0" anchor="ctr"/>
+          <a:lstStyle/>
+          <a:p>
+            <a:r>
+              <a:rPr lang="en-US" altLang="zh-CN" sz="1000" dirty="0" smtClean="0"/>
+              <a:t>Lights </a:t>
+            </a:r>
+            <a:r>
+              <a:rPr lang="en-US" altLang="zh-CN" sz="1000" dirty="0" smtClean="0"/>
+              <a:t>(</a:t>
+            </a:r>
+            <a:r>
+              <a:rPr lang="zh-CN" altLang="en-US" sz="1000" dirty="0"/>
+              <a:t>光源</a:t>
+            </a:r>
+            <a:r>
+              <a:rPr lang="zh-CN" altLang="en-US" sz="1000" dirty="0" smtClean="0"/>
+              <a:t>集合</a:t>
+            </a:r>
+            <a:r>
+              <a:rPr lang="en-US" altLang="zh-CN" sz="1000" dirty="0" smtClean="0"/>
+              <a:t>)</a:t>
+            </a:r>
+            <a:endParaRPr lang="zh-CN" altLang="en-US" sz="1000" dirty="0"/>
+          </a:p>
+        </p:txBody>
+      </p:sp>
+      <p:cxnSp>
+        <p:nvCxnSpPr>
+          <p:cNvPr id="117" name="直接箭头连接符 14"/>
+          <p:cNvCxnSpPr>
+            <a:stCxn id="16" idx="2"/>
+            <a:endCxn id="116" idx="1"/>
+          </p:cNvCxnSpPr>
+          <p:nvPr/>
+        </p:nvCxnSpPr>
+        <p:spPr>
+          <a:xfrm rot="16200000" flipH="1">
+            <a:off x="424087" y="2001651"/>
+            <a:ext cx="890463" cy="268537"/>
+          </a:xfrm>
+          <a:prstGeom prst="bentConnector2">
+            <a:avLst/>
+          </a:prstGeom>
+          <a:ln w="12700">
+            <a:headEnd w="med" len="lg"/>
+            <a:tailEnd type="none" w="med" len="lg"/>
+          </a:ln>
+        </p:spPr>
+        <p:style>
+          <a:lnRef idx="1">
+            <a:schemeClr val="accent1"/>
+          </a:lnRef>
+          <a:fillRef idx="0">
+            <a:schemeClr val="accent1"/>
+          </a:fillRef>
+          <a:effectRef idx="0">
+            <a:schemeClr val="accent1"/>
+          </a:effectRef>
+          <a:fontRef idx="minor">
+            <a:schemeClr val="tx1"/>
+          </a:fontRef>
+        </p:style>
+      </p:cxnSp>
+      <p:sp>
+        <p:nvSpPr>
+          <p:cNvPr id="132" name="圆角矩形 131"/>
+          <p:cNvSpPr/>
+          <p:nvPr/>
+        </p:nvSpPr>
+        <p:spPr>
+          <a:xfrm>
+            <a:off x="2278283" y="2767354"/>
+            <a:ext cx="1587709" cy="171710"/>
+          </a:xfrm>
+          <a:prstGeom prst="roundRect">
+            <a:avLst/>
+          </a:prstGeom>
+        </p:spPr>
+        <p:style>
+          <a:lnRef idx="2">
+            <a:schemeClr val="accent1">
+              <a:shade val="50000"/>
+            </a:schemeClr>
+          </a:lnRef>
+          <a:fillRef idx="1">
+            <a:schemeClr val="accent1"/>
+          </a:fillRef>
+          <a:effectRef idx="0">
+            <a:schemeClr val="accent1"/>
+          </a:effectRef>
+          <a:fontRef idx="minor">
+            <a:schemeClr val="lt1"/>
+          </a:fontRef>
+        </p:style>
+        <p:txBody>
+          <a:bodyPr lIns="72000" tIns="0" rIns="72000" bIns="0" rtlCol="0" anchor="ctr"/>
+          <a:lstStyle/>
+          <a:p>
+            <a:r>
+              <a:rPr lang="en-US" altLang="zh-CN" sz="1000" dirty="0" smtClean="0"/>
+              <a:t>Light </a:t>
+            </a:r>
+            <a:r>
+              <a:rPr lang="en-US" altLang="zh-CN" sz="1000" dirty="0"/>
+              <a:t>(</a:t>
+            </a:r>
+            <a:r>
+              <a:rPr lang="zh-CN" altLang="en-US" sz="1000" dirty="0" smtClean="0"/>
+              <a:t>光源</a:t>
+            </a:r>
+            <a:r>
+              <a:rPr lang="en-US" altLang="zh-CN" sz="1000" dirty="0" smtClean="0"/>
+              <a:t>)</a:t>
+            </a:r>
+            <a:endParaRPr lang="zh-CN" altLang="en-US" sz="1000" dirty="0"/>
+          </a:p>
+        </p:txBody>
+      </p:sp>
+      <p:cxnSp>
+        <p:nvCxnSpPr>
+          <p:cNvPr id="134" name="直接箭头连接符 14"/>
+          <p:cNvCxnSpPr>
+            <a:stCxn id="116" idx="2"/>
+            <a:endCxn id="132" idx="1"/>
+          </p:cNvCxnSpPr>
+          <p:nvPr/>
+        </p:nvCxnSpPr>
+        <p:spPr>
+          <a:xfrm rot="16200000" flipH="1">
+            <a:off x="1988607" y="2563533"/>
+            <a:ext cx="186202" cy="393150"/>
+          </a:xfrm>
+          <a:prstGeom prst="bentConnector2">
+            <a:avLst/>
+          </a:prstGeom>
+          <a:ln w="12700">
+            <a:headEnd w="med" len="lg"/>
+            <a:tailEnd type="none" w="med" len="lg"/>
+          </a:ln>
+        </p:spPr>
+        <p:style>
+          <a:lnRef idx="1">
+            <a:schemeClr val="accent1"/>
+          </a:lnRef>
+          <a:fillRef idx="0">
+            <a:schemeClr val="accent1"/>
+          </a:fillRef>
+          <a:effectRef idx="0">
+            <a:schemeClr val="accent1"/>
+          </a:effectRef>
+          <a:fontRef idx="minor">
+            <a:schemeClr val="tx1"/>
+          </a:fontRef>
+        </p:style>
+      </p:cxnSp>
+      <p:sp>
+        <p:nvSpPr>
+          <p:cNvPr id="186" name="文本框 185"/>
+          <p:cNvSpPr txBox="1"/>
+          <p:nvPr/>
+        </p:nvSpPr>
+        <p:spPr>
+          <a:xfrm>
+            <a:off x="333224" y="6002731"/>
+            <a:ext cx="11764898" cy="523220"/>
+          </a:xfrm>
+          <a:prstGeom prst="rect">
+            <a:avLst/>
+          </a:prstGeom>
+          <a:noFill/>
+        </p:spPr>
+        <p:txBody>
+          <a:bodyPr wrap="square" rtlCol="0">
+            <a:spAutoFit/>
+          </a:bodyPr>
+          <a:lstStyle/>
+          <a:p>
+            <a:r>
+              <a:rPr lang="zh-CN" altLang="en-US" sz="1400" dirty="0" smtClean="0"/>
+              <a:t>模型</a:t>
+            </a:r>
+            <a:r>
+              <a:rPr lang="en-US" altLang="zh-CN" sz="1400" dirty="0" smtClean="0"/>
+              <a:t>(mode.xml) | </a:t>
+            </a:r>
+            <a:r>
+              <a:rPr lang="zh-CN" altLang="en-US" sz="1400" dirty="0" smtClean="0"/>
+              <a:t>模板 </a:t>
+            </a:r>
+            <a:r>
+              <a:rPr lang="en-US" altLang="zh-CN" sz="1400" dirty="0" smtClean="0"/>
+              <a:t>(template.xml) | </a:t>
+            </a:r>
+            <a:r>
+              <a:rPr lang="zh-CN" altLang="en-US" sz="1400" dirty="0" smtClean="0"/>
+              <a:t>场景 </a:t>
+            </a:r>
+            <a:r>
+              <a:rPr lang="en-US" altLang="zh-CN" sz="1400" dirty="0" smtClean="0"/>
+              <a:t>(scene.xml)</a:t>
+            </a:r>
+          </a:p>
+          <a:p>
+            <a:r>
+              <a:rPr lang="zh-CN" altLang="en-US" sz="1400" dirty="0" smtClean="0"/>
+              <a:t>渲染技术</a:t>
+            </a:r>
+            <a:r>
+              <a:rPr lang="en-US" altLang="zh-CN" sz="1400" dirty="0" smtClean="0"/>
+              <a:t>|</a:t>
+            </a:r>
+            <a:r>
+              <a:rPr lang="zh-CN" altLang="en-US" sz="1400" dirty="0" smtClean="0"/>
+              <a:t>相机</a:t>
+            </a:r>
+            <a:r>
+              <a:rPr lang="en-US" altLang="zh-CN" sz="1400" dirty="0" smtClean="0"/>
+              <a:t>|</a:t>
+            </a:r>
+            <a:r>
+              <a:rPr lang="zh-CN" altLang="en-US" sz="1400" dirty="0" smtClean="0"/>
+              <a:t>光源</a:t>
+            </a:r>
+            <a:r>
+              <a:rPr lang="en-US" altLang="zh-CN" sz="1400" dirty="0" smtClean="0"/>
+              <a:t>|</a:t>
+            </a:r>
+            <a:r>
+              <a:rPr lang="zh-CN" altLang="en-US" sz="1400" dirty="0" smtClean="0"/>
+              <a:t>区域不合并，任何场景可以被合并起来，也可以作为显示层的一个节点引入进来。</a:t>
+            </a:r>
+            <a:endParaRPr lang="zh-CN" altLang="en-US" sz="1400" dirty="0"/>
+          </a:p>
+        </p:txBody>
+      </p:sp>
+      <p:sp>
+        <p:nvSpPr>
+          <p:cNvPr id="203" name="圆角矩形 202"/>
+          <p:cNvSpPr/>
+          <p:nvPr/>
+        </p:nvSpPr>
+        <p:spPr>
+          <a:xfrm>
+            <a:off x="5965704" y="2763918"/>
+            <a:ext cx="1763090" cy="171710"/>
+          </a:xfrm>
+          <a:prstGeom prst="roundRect">
+            <a:avLst/>
+          </a:prstGeom>
+        </p:spPr>
+        <p:style>
+          <a:lnRef idx="2">
+            <a:schemeClr val="accent1">
+              <a:shade val="50000"/>
+            </a:schemeClr>
+          </a:lnRef>
+          <a:fillRef idx="1">
+            <a:schemeClr val="accent1"/>
+          </a:fillRef>
+          <a:effectRef idx="0">
+            <a:schemeClr val="accent1"/>
+          </a:effectRef>
+          <a:fontRef idx="minor">
+            <a:schemeClr val="lt1"/>
+          </a:fontRef>
+        </p:style>
+        <p:txBody>
+          <a:bodyPr lIns="72000" tIns="0" rIns="72000" bIns="0" rtlCol="0" anchor="ctr"/>
+          <a:lstStyle/>
+          <a:p>
+            <a:r>
+              <a:rPr lang="en-US" altLang="zh-CN" sz="1000" dirty="0" smtClean="0"/>
+              <a:t>Viewports </a:t>
+            </a:r>
+            <a:r>
+              <a:rPr lang="en-US" altLang="zh-CN" sz="1000" dirty="0" smtClean="0"/>
+              <a:t>(</a:t>
+            </a:r>
+            <a:r>
+              <a:rPr lang="zh-CN" altLang="en-US" sz="1000" dirty="0" smtClean="0"/>
+              <a:t>视角</a:t>
+            </a:r>
+            <a:r>
+              <a:rPr lang="zh-CN" altLang="en-US" sz="1000" dirty="0"/>
+              <a:t>集合</a:t>
+            </a:r>
+            <a:r>
+              <a:rPr lang="en-US" altLang="zh-CN" sz="1000" dirty="0" smtClean="0"/>
+              <a:t>)</a:t>
+            </a:r>
+            <a:endParaRPr lang="zh-CN" altLang="en-US" sz="1000" dirty="0"/>
+          </a:p>
+        </p:txBody>
+      </p:sp>
+      <p:sp>
+        <p:nvSpPr>
+          <p:cNvPr id="211" name="圆角矩形 210"/>
+          <p:cNvSpPr/>
+          <p:nvPr/>
+        </p:nvSpPr>
+        <p:spPr>
+          <a:xfrm>
+            <a:off x="5965704" y="3292394"/>
+            <a:ext cx="1763090" cy="171710"/>
+          </a:xfrm>
+          <a:prstGeom prst="roundRect">
+            <a:avLst/>
+          </a:prstGeom>
+        </p:spPr>
+        <p:style>
+          <a:lnRef idx="2">
+            <a:schemeClr val="accent1">
+              <a:shade val="50000"/>
+            </a:schemeClr>
+          </a:lnRef>
+          <a:fillRef idx="1">
+            <a:schemeClr val="accent1"/>
+          </a:fillRef>
+          <a:effectRef idx="0">
+            <a:schemeClr val="accent1"/>
+          </a:effectRef>
+          <a:fontRef idx="minor">
+            <a:schemeClr val="lt1"/>
+          </a:fontRef>
+        </p:style>
+        <p:txBody>
+          <a:bodyPr lIns="72000" tIns="0" rIns="72000" bIns="0" rtlCol="0" anchor="ctr"/>
+          <a:lstStyle/>
+          <a:p>
+            <a:r>
+              <a:rPr lang="en-US" altLang="zh-CN" sz="1000" dirty="0" err="1"/>
+              <a:t>DirectionalLight</a:t>
+            </a:r>
+            <a:r>
+              <a:rPr lang="en-US" altLang="zh-CN" sz="1000" dirty="0"/>
+              <a:t> </a:t>
+            </a:r>
+            <a:r>
+              <a:rPr lang="en-US" altLang="zh-CN" sz="1000" dirty="0" smtClean="0"/>
+              <a:t>(</a:t>
+            </a:r>
+            <a:r>
+              <a:rPr lang="zh-CN" altLang="en-US" sz="1000" dirty="0" smtClean="0"/>
+              <a:t>方向光</a:t>
+            </a:r>
+            <a:r>
+              <a:rPr lang="en-US" altLang="zh-CN" sz="1000" dirty="0" smtClean="0"/>
+              <a:t>)</a:t>
+            </a:r>
+            <a:endParaRPr lang="zh-CN" altLang="en-US" sz="1000" dirty="0"/>
+          </a:p>
+        </p:txBody>
+      </p:sp>
+      <p:cxnSp>
+        <p:nvCxnSpPr>
+          <p:cNvPr id="212" name="直接箭头连接符 14"/>
+          <p:cNvCxnSpPr>
+            <a:stCxn id="11" idx="2"/>
+            <a:endCxn id="211" idx="1"/>
+          </p:cNvCxnSpPr>
+          <p:nvPr/>
+        </p:nvCxnSpPr>
+        <p:spPr>
+          <a:xfrm rot="16200000" flipH="1">
+            <a:off x="5130184" y="2542728"/>
+            <a:ext cx="1235335" cy="435706"/>
+          </a:xfrm>
+          <a:prstGeom prst="bentConnector2">
+            <a:avLst/>
+          </a:prstGeom>
+          <a:ln w="12700">
+            <a:headEnd w="med" len="lg"/>
+            <a:tailEnd type="none" w="med" len="lg"/>
+          </a:ln>
+        </p:spPr>
+        <p:style>
+          <a:lnRef idx="1">
+            <a:schemeClr val="accent1"/>
+          </a:lnRef>
+          <a:fillRef idx="0">
+            <a:schemeClr val="accent1"/>
+          </a:fillRef>
+          <a:effectRef idx="0">
+            <a:schemeClr val="accent1"/>
+          </a:effectRef>
+          <a:fontRef idx="minor">
+            <a:schemeClr val="tx1"/>
+          </a:fontRef>
+        </p:style>
+      </p:cxnSp>
+      <p:cxnSp>
+        <p:nvCxnSpPr>
+          <p:cNvPr id="215" name="直接箭头连接符 14"/>
+          <p:cNvCxnSpPr>
+            <a:stCxn id="203" idx="2"/>
+            <a:endCxn id="19" idx="1"/>
+          </p:cNvCxnSpPr>
+          <p:nvPr/>
+        </p:nvCxnSpPr>
+        <p:spPr>
+          <a:xfrm rot="16200000" flipH="1">
+            <a:off x="6937184" y="2845693"/>
+            <a:ext cx="178383" cy="358252"/>
+          </a:xfrm>
+          <a:prstGeom prst="bentConnector2">
+            <a:avLst/>
+          </a:prstGeom>
+          <a:ln w="12700">
+            <a:headEnd w="med" len="lg"/>
+            <a:tailEnd type="none" w="med" len="lg"/>
+          </a:ln>
+        </p:spPr>
+        <p:style>
+          <a:lnRef idx="1">
+            <a:schemeClr val="accent1"/>
+          </a:lnRef>
+          <a:fillRef idx="0">
+            <a:schemeClr val="accent1"/>
+          </a:fillRef>
+          <a:effectRef idx="0">
+            <a:schemeClr val="accent1"/>
+          </a:effectRef>
+          <a:fontRef idx="minor">
+            <a:schemeClr val="tx1"/>
+          </a:fontRef>
+        </p:style>
+      </p:cxnSp>
+      <p:sp>
+        <p:nvSpPr>
+          <p:cNvPr id="228" name="圆角矩形 227"/>
+          <p:cNvSpPr/>
+          <p:nvPr/>
+        </p:nvSpPr>
+        <p:spPr>
+          <a:xfrm>
+            <a:off x="5965704" y="2235442"/>
+            <a:ext cx="1763090" cy="171710"/>
+          </a:xfrm>
+          <a:prstGeom prst="roundRect">
+            <a:avLst/>
+          </a:prstGeom>
+        </p:spPr>
+        <p:style>
+          <a:lnRef idx="2">
+            <a:schemeClr val="accent1">
+              <a:shade val="50000"/>
+            </a:schemeClr>
+          </a:lnRef>
+          <a:fillRef idx="1">
+            <a:schemeClr val="accent1"/>
+          </a:fillRef>
+          <a:effectRef idx="0">
+            <a:schemeClr val="accent1"/>
+          </a:effectRef>
+          <a:fontRef idx="minor">
+            <a:schemeClr val="lt1"/>
+          </a:fontRef>
+        </p:style>
+        <p:txBody>
+          <a:bodyPr lIns="72000" tIns="0" rIns="72000" bIns="0" rtlCol="0" anchor="ctr"/>
+          <a:lstStyle/>
+          <a:p>
+            <a:r>
+              <a:rPr lang="en-US" altLang="zh-CN" sz="1000" dirty="0" smtClean="0"/>
+              <a:t>Technique </a:t>
+            </a:r>
+            <a:r>
+              <a:rPr lang="en-US" altLang="zh-CN" sz="1000" dirty="0" smtClean="0"/>
+              <a:t>(</a:t>
+            </a:r>
+            <a:r>
+              <a:rPr lang="zh-CN" altLang="en-US" sz="1000" dirty="0" smtClean="0"/>
+              <a:t>渲染技术</a:t>
+            </a:r>
+            <a:r>
+              <a:rPr lang="en-US" altLang="zh-CN" sz="1000" dirty="0" smtClean="0"/>
+              <a:t>)</a:t>
+            </a:r>
+            <a:endParaRPr lang="zh-CN" altLang="en-US" sz="1000" dirty="0"/>
+          </a:p>
+        </p:txBody>
+      </p:sp>
+      <p:cxnSp>
+        <p:nvCxnSpPr>
+          <p:cNvPr id="232" name="直接箭头连接符 14"/>
+          <p:cNvCxnSpPr>
+            <a:stCxn id="11" idx="2"/>
+            <a:endCxn id="228" idx="1"/>
+          </p:cNvCxnSpPr>
+          <p:nvPr/>
+        </p:nvCxnSpPr>
+        <p:spPr>
+          <a:xfrm rot="16200000" flipH="1">
+            <a:off x="5658660" y="2014252"/>
+            <a:ext cx="178383" cy="435706"/>
+          </a:xfrm>
+          <a:prstGeom prst="bentConnector2">
+            <a:avLst/>
+          </a:prstGeom>
+          <a:ln w="12700">
+            <a:headEnd w="med" len="lg"/>
+            <a:tailEnd type="none" w="med" len="lg"/>
+          </a:ln>
+        </p:spPr>
+        <p:style>
+          <a:lnRef idx="1">
+            <a:schemeClr val="accent1"/>
+          </a:lnRef>
+          <a:fillRef idx="0">
+            <a:schemeClr val="accent1"/>
+          </a:fillRef>
+          <a:effectRef idx="0">
+            <a:schemeClr val="accent1"/>
+          </a:effectRef>
+          <a:fontRef idx="minor">
+            <a:schemeClr val="tx1"/>
+          </a:fontRef>
+        </p:style>
+      </p:cxnSp>
+      <p:sp>
+        <p:nvSpPr>
+          <p:cNvPr id="298" name="圆角矩形 297"/>
+          <p:cNvSpPr/>
+          <p:nvPr/>
+        </p:nvSpPr>
+        <p:spPr>
+          <a:xfrm>
+            <a:off x="3581671" y="5278236"/>
+            <a:ext cx="1488218" cy="171710"/>
+          </a:xfrm>
+          <a:prstGeom prst="roundRect">
+            <a:avLst/>
+          </a:prstGeom>
+        </p:spPr>
+        <p:style>
+          <a:lnRef idx="2">
+            <a:schemeClr val="accent1">
+              <a:shade val="50000"/>
+            </a:schemeClr>
+          </a:lnRef>
+          <a:fillRef idx="1">
+            <a:schemeClr val="accent1"/>
+          </a:fillRef>
+          <a:effectRef idx="0">
+            <a:schemeClr val="accent1"/>
+          </a:effectRef>
+          <a:fontRef idx="minor">
+            <a:schemeClr val="lt1"/>
+          </a:fontRef>
+        </p:style>
+        <p:txBody>
+          <a:bodyPr lIns="72000" tIns="0" rIns="72000" bIns="0" rtlCol="0" anchor="ctr"/>
+          <a:lstStyle/>
+          <a:p>
+            <a:r>
+              <a:rPr lang="en-US" altLang="zh-CN" sz="1000" dirty="0" smtClean="0"/>
+              <a:t>Skeleton (</a:t>
+            </a:r>
+            <a:r>
+              <a:rPr lang="zh-CN" altLang="en-US" sz="1000" dirty="0" smtClean="0"/>
+              <a:t>骨骼</a:t>
+            </a:r>
+            <a:r>
+              <a:rPr lang="en-US" altLang="zh-CN" sz="1000" dirty="0" smtClean="0"/>
+              <a:t>)</a:t>
+            </a:r>
+            <a:endParaRPr lang="zh-CN" altLang="en-US" sz="1000" dirty="0"/>
+          </a:p>
+        </p:txBody>
+      </p:sp>
+      <p:cxnSp>
+        <p:nvCxnSpPr>
+          <p:cNvPr id="299" name="直接箭头连接符 14"/>
+          <p:cNvCxnSpPr>
+            <a:stCxn id="143" idx="2"/>
+            <a:endCxn id="298" idx="1"/>
+          </p:cNvCxnSpPr>
+          <p:nvPr/>
+        </p:nvCxnSpPr>
+        <p:spPr>
+          <a:xfrm rot="16200000" flipH="1">
+            <a:off x="3044375" y="4826794"/>
+            <a:ext cx="565059" cy="509533"/>
+          </a:xfrm>
+          <a:prstGeom prst="bentConnector2">
+            <a:avLst/>
+          </a:prstGeom>
+          <a:ln w="12700">
+            <a:headEnd w="med" len="lg"/>
+            <a:tailEnd type="none" w="med" len="lg"/>
+          </a:ln>
+        </p:spPr>
+        <p:style>
+          <a:lnRef idx="1">
+            <a:schemeClr val="accent1"/>
+          </a:lnRef>
+          <a:fillRef idx="0">
+            <a:schemeClr val="accent1"/>
+          </a:fillRef>
+          <a:effectRef idx="0">
+            <a:schemeClr val="accent1"/>
+          </a:effectRef>
+          <a:fontRef idx="minor">
+            <a:schemeClr val="tx1"/>
+          </a:fontRef>
+        </p:style>
+      </p:cxnSp>
+      <p:sp>
+        <p:nvSpPr>
+          <p:cNvPr id="303" name="圆角矩形 302"/>
+          <p:cNvSpPr/>
+          <p:nvPr/>
+        </p:nvSpPr>
+        <p:spPr>
+          <a:xfrm>
+            <a:off x="10438454" y="5146577"/>
+            <a:ext cx="1488218" cy="171710"/>
+          </a:xfrm>
+          <a:prstGeom prst="roundRect">
+            <a:avLst/>
+          </a:prstGeom>
+        </p:spPr>
+        <p:style>
+          <a:lnRef idx="2">
+            <a:schemeClr val="accent1">
+              <a:shade val="50000"/>
+            </a:schemeClr>
+          </a:lnRef>
+          <a:fillRef idx="1">
+            <a:schemeClr val="accent1"/>
+          </a:fillRef>
+          <a:effectRef idx="0">
+            <a:schemeClr val="accent1"/>
+          </a:effectRef>
+          <a:fontRef idx="minor">
+            <a:schemeClr val="lt1"/>
+          </a:fontRef>
+        </p:style>
+        <p:txBody>
+          <a:bodyPr lIns="72000" tIns="0" rIns="72000" bIns="0" rtlCol="0" anchor="ctr"/>
+          <a:lstStyle/>
+          <a:p>
+            <a:r>
+              <a:rPr lang="en-US" altLang="zh-CN" sz="1000" dirty="0" err="1" smtClean="0"/>
+              <a:t>Renderable</a:t>
+            </a:r>
+            <a:r>
+              <a:rPr lang="en-US" altLang="zh-CN" sz="1000" dirty="0" smtClean="0"/>
+              <a:t> (</a:t>
+            </a:r>
+            <a:r>
+              <a:rPr lang="zh-CN" altLang="en-US" sz="1000" dirty="0" smtClean="0"/>
+              <a:t>渲染</a:t>
+            </a:r>
+            <a:r>
+              <a:rPr lang="en-US" altLang="zh-CN" sz="1000" dirty="0" smtClean="0"/>
+              <a:t>)</a:t>
+            </a:r>
+            <a:endParaRPr lang="zh-CN" altLang="en-US" sz="1000" dirty="0"/>
+          </a:p>
+        </p:txBody>
+      </p:sp>
+      <p:cxnSp>
+        <p:nvCxnSpPr>
+          <p:cNvPr id="304" name="直接箭头连接符 14"/>
+          <p:cNvCxnSpPr>
+            <a:stCxn id="73" idx="2"/>
+            <a:endCxn id="303" idx="1"/>
+          </p:cNvCxnSpPr>
+          <p:nvPr/>
+        </p:nvCxnSpPr>
+        <p:spPr>
+          <a:xfrm rot="16200000" flipH="1">
+            <a:off x="10220277" y="5014254"/>
+            <a:ext cx="182901" cy="253453"/>
+          </a:xfrm>
+          <a:prstGeom prst="bentConnector2">
+            <a:avLst/>
+          </a:prstGeom>
+          <a:ln w="12700">
+            <a:headEnd w="med" len="lg"/>
+            <a:tailEnd type="none" w="med" len="lg"/>
+          </a:ln>
+        </p:spPr>
+        <p:style>
+          <a:lnRef idx="1">
+            <a:schemeClr val="accent1"/>
+          </a:lnRef>
+          <a:fillRef idx="0">
+            <a:schemeClr val="accent1"/>
+          </a:fillRef>
+          <a:effectRef idx="0">
+            <a:schemeClr val="accent1"/>
+          </a:effectRef>
+          <a:fontRef idx="minor">
+            <a:schemeClr val="tx1"/>
+          </a:fontRef>
+        </p:style>
+      </p:cxnSp>
+      <p:sp>
+        <p:nvSpPr>
+          <p:cNvPr id="308" name="文本框 307"/>
+          <p:cNvSpPr txBox="1"/>
+          <p:nvPr/>
+        </p:nvSpPr>
+        <p:spPr>
+          <a:xfrm>
+            <a:off x="3914002" y="4633920"/>
+            <a:ext cx="1155888" cy="153888"/>
+          </a:xfrm>
+          <a:prstGeom prst="rect">
+            <a:avLst/>
+          </a:prstGeom>
+          <a:noFill/>
+        </p:spPr>
+        <p:txBody>
+          <a:bodyPr wrap="square" lIns="72000" tIns="0" rIns="72000" bIns="0" rtlCol="0">
+            <a:spAutoFit/>
+          </a:bodyPr>
+          <a:lstStyle/>
+          <a:p>
+            <a:r>
+              <a:rPr lang="en-US" altLang="zh-CN" sz="1000" dirty="0" smtClean="0"/>
+              <a:t>Model</a:t>
+            </a:r>
+            <a:endParaRPr lang="zh-CN" altLang="en-US" sz="1000" dirty="0"/>
+          </a:p>
+        </p:txBody>
+      </p:sp>
+      <p:sp>
+        <p:nvSpPr>
+          <p:cNvPr id="311" name="圆角矩形 310"/>
+          <p:cNvSpPr/>
+          <p:nvPr/>
+        </p:nvSpPr>
+        <p:spPr>
+          <a:xfrm>
+            <a:off x="3581671" y="5571177"/>
+            <a:ext cx="1488218" cy="171710"/>
+          </a:xfrm>
+          <a:prstGeom prst="roundRect">
+            <a:avLst/>
+          </a:prstGeom>
+        </p:spPr>
+        <p:style>
+          <a:lnRef idx="2">
+            <a:schemeClr val="accent1">
+              <a:shade val="50000"/>
+            </a:schemeClr>
+          </a:lnRef>
+          <a:fillRef idx="1">
+            <a:schemeClr val="accent1"/>
+          </a:fillRef>
+          <a:effectRef idx="0">
+            <a:schemeClr val="accent1"/>
+          </a:effectRef>
+          <a:fontRef idx="minor">
+            <a:schemeClr val="lt1"/>
+          </a:fontRef>
+        </p:style>
+        <p:txBody>
+          <a:bodyPr lIns="72000" tIns="0" rIns="72000" bIns="0" rtlCol="0" anchor="ctr"/>
+          <a:lstStyle/>
+          <a:p>
+            <a:r>
+              <a:rPr lang="en-US" altLang="zh-CN" sz="1000" dirty="0" smtClean="0"/>
+              <a:t>Animation (</a:t>
+            </a:r>
+            <a:r>
+              <a:rPr lang="zh-CN" altLang="en-US" sz="1000" dirty="0" smtClean="0"/>
+              <a:t>动画</a:t>
+            </a:r>
+            <a:r>
+              <a:rPr lang="en-US" altLang="zh-CN" sz="1000" dirty="0" smtClean="0"/>
+              <a:t>)</a:t>
+            </a:r>
+            <a:endParaRPr lang="zh-CN" altLang="en-US" sz="1000" dirty="0"/>
+          </a:p>
+        </p:txBody>
+      </p:sp>
+      <p:cxnSp>
+        <p:nvCxnSpPr>
+          <p:cNvPr id="312" name="直接箭头连接符 14"/>
+          <p:cNvCxnSpPr>
+            <a:stCxn id="143" idx="2"/>
+            <a:endCxn id="311" idx="1"/>
+          </p:cNvCxnSpPr>
+          <p:nvPr/>
+        </p:nvCxnSpPr>
+        <p:spPr>
+          <a:xfrm rot="16200000" flipH="1">
+            <a:off x="2897904" y="4973265"/>
+            <a:ext cx="858000" cy="509533"/>
+          </a:xfrm>
+          <a:prstGeom prst="bentConnector2">
+            <a:avLst/>
+          </a:prstGeom>
+          <a:ln w="12700">
+            <a:headEnd w="med" len="lg"/>
+            <a:tailEnd type="none" w="med" len="lg"/>
+          </a:ln>
+        </p:spPr>
+        <p:style>
+          <a:lnRef idx="1">
+            <a:schemeClr val="accent1"/>
+          </a:lnRef>
+          <a:fillRef idx="0">
+            <a:schemeClr val="accent1"/>
+          </a:fillRef>
+          <a:effectRef idx="0">
+            <a:schemeClr val="accent1"/>
+          </a:effectRef>
+          <a:fontRef idx="minor">
+            <a:schemeClr val="tx1"/>
+          </a:fontRef>
+        </p:style>
+      </p:cxnSp>
+      <p:sp>
+        <p:nvSpPr>
+          <p:cNvPr id="315" name="文本框 314"/>
+          <p:cNvSpPr txBox="1"/>
+          <p:nvPr/>
+        </p:nvSpPr>
+        <p:spPr>
+          <a:xfrm>
+            <a:off x="10438454" y="5372243"/>
+            <a:ext cx="860588" cy="153888"/>
+          </a:xfrm>
+          <a:prstGeom prst="rect">
+            <a:avLst/>
+          </a:prstGeom>
+          <a:noFill/>
+        </p:spPr>
+        <p:txBody>
+          <a:bodyPr wrap="square" lIns="72000" tIns="0" rIns="72000" bIns="0" rtlCol="0">
+            <a:spAutoFit/>
+          </a:bodyPr>
+          <a:lstStyle/>
+          <a:p>
+            <a:r>
+              <a:rPr lang="en-US" altLang="zh-CN" sz="1000" dirty="0" smtClean="0"/>
+              <a:t>Instance</a:t>
+            </a:r>
+            <a:endParaRPr lang="zh-CN" altLang="en-US" sz="1000" dirty="0"/>
+          </a:p>
+        </p:txBody>
+      </p:sp>
+      <p:sp>
+        <p:nvSpPr>
+          <p:cNvPr id="316" name="文本框 315"/>
+          <p:cNvSpPr txBox="1"/>
+          <p:nvPr/>
+        </p:nvSpPr>
+        <p:spPr>
+          <a:xfrm>
+            <a:off x="10997254" y="4876133"/>
+            <a:ext cx="860588" cy="153888"/>
+          </a:xfrm>
+          <a:prstGeom prst="rect">
+            <a:avLst/>
+          </a:prstGeom>
+          <a:noFill/>
+        </p:spPr>
+        <p:txBody>
+          <a:bodyPr wrap="square" lIns="72000" tIns="0" rIns="72000" bIns="0" rtlCol="0">
+            <a:spAutoFit/>
+          </a:bodyPr>
+          <a:lstStyle/>
+          <a:p>
+            <a:r>
+              <a:rPr lang="en-US" altLang="zh-CN" sz="1000" dirty="0" smtClean="0"/>
+              <a:t>Instance</a:t>
+            </a:r>
+            <a:endParaRPr lang="zh-CN" altLang="en-US" sz="1000" dirty="0"/>
+          </a:p>
+        </p:txBody>
+      </p:sp>
+      <p:sp>
+        <p:nvSpPr>
+          <p:cNvPr id="331" name="圆角矩形 330"/>
+          <p:cNvSpPr/>
+          <p:nvPr/>
+        </p:nvSpPr>
+        <p:spPr>
+          <a:xfrm>
+            <a:off x="1003587" y="3040047"/>
+            <a:ext cx="1791632" cy="171710"/>
+          </a:xfrm>
+          <a:prstGeom prst="roundRect">
+            <a:avLst/>
+          </a:prstGeom>
+        </p:spPr>
+        <p:style>
+          <a:lnRef idx="2">
+            <a:schemeClr val="accent1">
+              <a:shade val="50000"/>
+            </a:schemeClr>
+          </a:lnRef>
+          <a:fillRef idx="1">
+            <a:schemeClr val="accent1"/>
+          </a:fillRef>
+          <a:effectRef idx="0">
+            <a:schemeClr val="accent1"/>
+          </a:effectRef>
+          <a:fontRef idx="minor">
+            <a:schemeClr val="lt1"/>
+          </a:fontRef>
+        </p:style>
+        <p:txBody>
+          <a:bodyPr lIns="72000" tIns="0" rIns="72000" bIns="0" rtlCol="0" anchor="ctr"/>
+          <a:lstStyle/>
+          <a:p>
+            <a:r>
+              <a:rPr lang="en-US" altLang="zh-CN" sz="1000" dirty="0" smtClean="0"/>
+              <a:t>Bitmap (</a:t>
+            </a:r>
+            <a:r>
+              <a:rPr lang="zh-CN" altLang="en-US" sz="1000" dirty="0"/>
+              <a:t>位图</a:t>
+            </a:r>
+            <a:r>
+              <a:rPr lang="zh-CN" altLang="en-US" sz="1000" dirty="0" smtClean="0"/>
+              <a:t>集合</a:t>
+            </a:r>
+            <a:r>
+              <a:rPr lang="en-US" altLang="zh-CN" sz="1000" dirty="0" smtClean="0"/>
+              <a:t>)</a:t>
+            </a:r>
+            <a:endParaRPr lang="zh-CN" altLang="en-US" sz="1000" dirty="0"/>
+          </a:p>
+        </p:txBody>
+      </p:sp>
+      <p:sp>
+        <p:nvSpPr>
+          <p:cNvPr id="332" name="圆角矩形 331"/>
+          <p:cNvSpPr/>
+          <p:nvPr/>
+        </p:nvSpPr>
+        <p:spPr>
+          <a:xfrm>
+            <a:off x="2278283" y="3301175"/>
+            <a:ext cx="1587709" cy="171710"/>
+          </a:xfrm>
+          <a:prstGeom prst="roundRect">
+            <a:avLst/>
+          </a:prstGeom>
+        </p:spPr>
+        <p:style>
+          <a:lnRef idx="2">
+            <a:schemeClr val="accent1">
+              <a:shade val="50000"/>
+            </a:schemeClr>
+          </a:lnRef>
+          <a:fillRef idx="1">
+            <a:schemeClr val="accent1"/>
+          </a:fillRef>
+          <a:effectRef idx="0">
+            <a:schemeClr val="accent1"/>
+          </a:effectRef>
+          <a:fontRef idx="minor">
+            <a:schemeClr val="lt1"/>
+          </a:fontRef>
+        </p:style>
+        <p:txBody>
+          <a:bodyPr lIns="72000" tIns="0" rIns="72000" bIns="0" rtlCol="0" anchor="ctr"/>
+          <a:lstStyle/>
+          <a:p>
+            <a:r>
+              <a:rPr lang="en-US" altLang="zh-CN" sz="1000" dirty="0" smtClean="0"/>
+              <a:t>Bitmap (</a:t>
+            </a:r>
+            <a:r>
+              <a:rPr lang="zh-CN" altLang="en-US" sz="1000" dirty="0" smtClean="0"/>
+              <a:t>位图</a:t>
+            </a:r>
+            <a:r>
+              <a:rPr lang="en-US" altLang="zh-CN" sz="1000" dirty="0" smtClean="0"/>
+              <a:t>)</a:t>
+            </a:r>
+            <a:endParaRPr lang="zh-CN" altLang="en-US" sz="1000" dirty="0"/>
+          </a:p>
+        </p:txBody>
+      </p:sp>
+      <p:cxnSp>
+        <p:nvCxnSpPr>
+          <p:cNvPr id="333" name="直接箭头连接符 14"/>
+          <p:cNvCxnSpPr>
+            <a:stCxn id="16" idx="2"/>
+            <a:endCxn id="331" idx="1"/>
+          </p:cNvCxnSpPr>
+          <p:nvPr/>
+        </p:nvCxnSpPr>
+        <p:spPr>
+          <a:xfrm rot="16200000" flipH="1">
+            <a:off x="151712" y="2274026"/>
+            <a:ext cx="1435213" cy="268537"/>
+          </a:xfrm>
+          <a:prstGeom prst="bentConnector2">
+            <a:avLst/>
+          </a:prstGeom>
+          <a:ln w="12700">
+            <a:headEnd w="med" len="lg"/>
+            <a:tailEnd type="none" w="med" len="lg"/>
+          </a:ln>
+        </p:spPr>
+        <p:style>
+          <a:lnRef idx="1">
+            <a:schemeClr val="accent1"/>
+          </a:lnRef>
+          <a:fillRef idx="0">
+            <a:schemeClr val="accent1"/>
+          </a:fillRef>
+          <a:effectRef idx="0">
+            <a:schemeClr val="accent1"/>
+          </a:effectRef>
+          <a:fontRef idx="minor">
+            <a:schemeClr val="tx1"/>
+          </a:fontRef>
+        </p:style>
+      </p:cxnSp>
+      <p:cxnSp>
+        <p:nvCxnSpPr>
+          <p:cNvPr id="336" name="直接箭头连接符 14"/>
+          <p:cNvCxnSpPr>
+            <a:stCxn id="331" idx="2"/>
+            <a:endCxn id="332" idx="1"/>
+          </p:cNvCxnSpPr>
+          <p:nvPr/>
+        </p:nvCxnSpPr>
+        <p:spPr>
+          <a:xfrm rot="16200000" flipH="1">
+            <a:off x="2001207" y="3109953"/>
+            <a:ext cx="175273" cy="378880"/>
+          </a:xfrm>
+          <a:prstGeom prst="bentConnector2">
+            <a:avLst/>
+          </a:prstGeom>
+          <a:ln w="12700">
+            <a:headEnd w="med" len="lg"/>
+            <a:tailEnd type="none" w="med" len="lg"/>
+          </a:ln>
+        </p:spPr>
+        <p:style>
+          <a:lnRef idx="1">
+            <a:schemeClr val="accent1"/>
+          </a:lnRef>
+          <a:fillRef idx="0">
+            <a:schemeClr val="accent1"/>
+          </a:fillRef>
+          <a:effectRef idx="0">
+            <a:schemeClr val="accent1"/>
+          </a:effectRef>
+          <a:fontRef idx="minor">
+            <a:schemeClr val="tx1"/>
+          </a:fontRef>
+        </p:style>
+      </p:cxnSp>
+      <p:sp>
+        <p:nvSpPr>
+          <p:cNvPr id="344" name="圆角矩形 343"/>
+          <p:cNvSpPr/>
+          <p:nvPr/>
+        </p:nvSpPr>
+        <p:spPr>
+          <a:xfrm>
+            <a:off x="3382632" y="4093030"/>
+            <a:ext cx="1587709" cy="171710"/>
+          </a:xfrm>
+          <a:prstGeom prst="roundRect">
+            <a:avLst/>
+          </a:prstGeom>
+        </p:spPr>
+        <p:style>
+          <a:lnRef idx="2">
+            <a:schemeClr val="accent1">
+              <a:shade val="50000"/>
+            </a:schemeClr>
+          </a:lnRef>
+          <a:fillRef idx="1">
+            <a:schemeClr val="accent1"/>
+          </a:fillRef>
+          <a:effectRef idx="0">
+            <a:schemeClr val="accent1"/>
+          </a:effectRef>
+          <a:fontRef idx="minor">
+            <a:schemeClr val="lt1"/>
+          </a:fontRef>
+        </p:style>
+        <p:txBody>
+          <a:bodyPr lIns="72000" tIns="0" rIns="72000" bIns="0" rtlCol="0" anchor="ctr"/>
+          <a:lstStyle/>
+          <a:p>
+            <a:r>
+              <a:rPr lang="en-US" altLang="zh-CN" sz="1000" dirty="0" err="1" smtClean="0"/>
+              <a:t>BitmapRefer</a:t>
+            </a:r>
+            <a:r>
+              <a:rPr lang="en-US" altLang="zh-CN" sz="1000" dirty="0" smtClean="0"/>
+              <a:t> (</a:t>
+            </a:r>
+            <a:r>
+              <a:rPr lang="zh-CN" altLang="en-US" sz="1000" dirty="0" smtClean="0"/>
+              <a:t>位图引用</a:t>
+            </a:r>
+            <a:r>
+              <a:rPr lang="en-US" altLang="zh-CN" sz="1000" dirty="0" smtClean="0"/>
+              <a:t>)</a:t>
+            </a:r>
+            <a:endParaRPr lang="zh-CN" altLang="en-US" sz="1000" dirty="0"/>
+          </a:p>
+        </p:txBody>
+      </p:sp>
+      <p:cxnSp>
+        <p:nvCxnSpPr>
+          <p:cNvPr id="345" name="直接箭头连接符 14"/>
+          <p:cNvCxnSpPr>
+            <a:stCxn id="127" idx="2"/>
+            <a:endCxn id="344" idx="1"/>
+          </p:cNvCxnSpPr>
+          <p:nvPr/>
+        </p:nvCxnSpPr>
+        <p:spPr>
+          <a:xfrm rot="16200000" flipH="1">
+            <a:off x="3136316" y="3932568"/>
+            <a:ext cx="182139" cy="310494"/>
+          </a:xfrm>
+          <a:prstGeom prst="bentConnector2">
+            <a:avLst/>
+          </a:prstGeom>
+          <a:ln w="12700">
+            <a:headEnd w="med" len="lg"/>
+            <a:tailEnd type="none" w="med" len="lg"/>
+          </a:ln>
+        </p:spPr>
+        <p:style>
+          <a:lnRef idx="1">
+            <a:schemeClr val="accent1"/>
+          </a:lnRef>
+          <a:fillRef idx="0">
+            <a:schemeClr val="accent1"/>
+          </a:fillRef>
+          <a:effectRef idx="0">
+            <a:schemeClr val="accent1"/>
+          </a:effectRef>
+          <a:fontRef idx="minor">
+            <a:schemeClr val="tx1"/>
+          </a:fontRef>
+        </p:style>
+      </p:cxnSp>
+    </p:spTree>
+    <p:extLst>
+      <p:ext uri="{BB962C8B-B14F-4D97-AF65-F5344CB8AC3E}">
+        <p14:creationId xmlns:p14="http://schemas.microsoft.com/office/powerpoint/2010/main" val="1938869519"/>
+      </p:ext>
+    </p:extLst>
+  </p:cSld>
+  <p:clrMapOvr>
+    <a:masterClrMapping/>
+  </p:clrMapOvr>
+</p:sld>
+</file>
+
 <file path=ppt/slides/slide2.xml><?xml version="1.0" encoding="utf-8"?>
 <p:sld xmlns:a="http://schemas.openxmlformats.org/drawingml/2006/main" xmlns:r="http://schemas.openxmlformats.org/officeDocument/2006/relationships" xmlns:p="http://schemas.openxmlformats.org/presentationml/2006/main">
   <p:cSld>
@@ -3567,7 +6642,11 @@
           <a:bodyPr/>
           <a:lstStyle/>
           <a:p>
-            <a:endParaRPr lang="zh-CN" altLang="en-US"/>
+            <a:r>
+              <a:rPr lang="zh-CN" altLang="en-US" dirty="0" smtClean="0"/>
+              <a:t>用户资源</a:t>
+            </a:r>
+            <a:endParaRPr lang="zh-CN" altLang="en-US" dirty="0"/>
           </a:p>
         </p:txBody>
       </p:sp>
@@ -3628,7 +6707,7 @@
         <p:spPr>
           <a:xfrm>
             <a:off x="7350037" y="2882535"/>
-            <a:ext cx="1724297" cy="461555"/>
+            <a:ext cx="2384363" cy="461555"/>
           </a:xfrm>
           <a:prstGeom prst="roundRect">
             <a:avLst/>
@@ -3659,6 +6738,18 @@
               <a:rPr lang="zh-CN" altLang="en-US" dirty="0" smtClean="0"/>
               <a:t>内容服务器</a:t>
             </a:r>
+            <a:r>
+              <a:rPr lang="en-US" altLang="zh-CN" dirty="0" smtClean="0"/>
+              <a:t>(</a:t>
+            </a:r>
+            <a:r>
+              <a:rPr lang="zh-CN" altLang="en-US" dirty="0" smtClean="0"/>
+              <a:t>大容量</a:t>
+            </a:r>
+            <a:r>
+              <a:rPr lang="en-US" altLang="zh-CN" dirty="0" smtClean="0"/>
+              <a:t>)</a:t>
+            </a:r>
             <a:endParaRPr lang="zh-CN" altLang="en-US" dirty="0"/>
           </a:p>
         </p:txBody>
@@ -3671,7 +6762,7 @@
         </p:nvSpPr>
         <p:spPr>
           <a:xfrm>
-            <a:off x="8460694" y="3713421"/>
+            <a:off x="8928694" y="3646358"/>
             <a:ext cx="3047997" cy="461555"/>
           </a:xfrm>
           <a:prstGeom prst="roundRect">
@@ -3721,6 +6812,14 @@
             </a:r>
             <a:r>
               <a:rPr lang="zh-CN" altLang="en-US" dirty="0" smtClean="0"/>
+              <a:t>版本</a:t>
+            </a:r>
+            <a:r>
+              <a:rPr lang="en-US" altLang="zh-CN" dirty="0" smtClean="0"/>
+              <a:t>/</a:t>
+            </a:r>
+            <a:r>
+              <a:rPr lang="zh-CN" altLang="en-US" dirty="0" smtClean="0"/>
               <a:t>文件</a:t>
             </a:r>
             <a:endParaRPr lang="zh-CN" altLang="en-US" dirty="0"/>
@@ -3735,7 +6834,7 @@
         </p:nvSpPr>
         <p:spPr>
           <a:xfrm>
-            <a:off x="4036424" y="2882534"/>
+            <a:off x="3855951" y="2882534"/>
             <a:ext cx="1724297" cy="461555"/>
           </a:xfrm>
           <a:prstGeom prst="roundRect">
@@ -3783,7 +6882,7 @@
         <p:spPr>
           <a:xfrm>
             <a:off x="2447109" y="3113312"/>
-            <a:ext cx="1589315" cy="0"/>
+            <a:ext cx="1408842" cy="0"/>
           </a:xfrm>
           <a:prstGeom prst="straightConnector1">
             <a:avLst/>
@@ -3816,7 +6915,7 @@
         </p:nvSpPr>
         <p:spPr>
           <a:xfrm>
-            <a:off x="2772609" y="2443925"/>
+            <a:off x="2597532" y="2628591"/>
             <a:ext cx="1107996" cy="369332"/>
           </a:xfrm>
           <a:prstGeom prst="rect">
@@ -3849,8 +6948,8 @@
         </p:nvCxnSpPr>
         <p:spPr>
           <a:xfrm>
-            <a:off x="5760721" y="3113312"/>
-            <a:ext cx="1589316" cy="1"/>
+            <a:off x="5580248" y="3113312"/>
+            <a:ext cx="1769789" cy="1"/>
           </a:xfrm>
           <a:prstGeom prst="straightConnector1">
             <a:avLst/>
@@ -3883,8 +6982,8 @@
         </p:nvSpPr>
         <p:spPr>
           <a:xfrm>
-            <a:off x="5655132" y="2513203"/>
-            <a:ext cx="1800493" cy="369332"/>
+            <a:off x="5795728" y="2628591"/>
+            <a:ext cx="1338828" cy="369332"/>
           </a:xfrm>
           <a:prstGeom prst="rect">
             <a:avLst/>
@@ -3898,12 +6997,8 @@
           <a:lstStyle/>
           <a:p>
             <a:r>
-              <a:rPr lang="zh-CN" altLang="en-US" dirty="0"/>
-              <a:t>上</a:t>
-            </a:r>
-            <a:r>
               <a:rPr lang="zh-CN" altLang="en-US" dirty="0" smtClean="0"/>
-              <a:t>传标准化数据</a:t>
+              <a:t>标准化数据</a:t>
             </a:r>
             <a:endParaRPr lang="zh-CN" altLang="en-US" dirty="0"/>
           </a:p>
@@ -3920,8 +7015,8 @@
         </p:nvCxnSpPr>
         <p:spPr>
           <a:xfrm rot="16200000" flipH="1">
-            <a:off x="8036386" y="3519890"/>
-            <a:ext cx="600109" cy="248508"/>
+            <a:off x="8468933" y="3417375"/>
+            <a:ext cx="533046" cy="386475"/>
           </a:xfrm>
           <a:prstGeom prst="bentConnector2">
             <a:avLst/>
@@ -3954,7 +7049,7 @@
         </p:nvSpPr>
         <p:spPr>
           <a:xfrm>
-            <a:off x="8460694" y="4439285"/>
+            <a:off x="8928694" y="4372222"/>
             <a:ext cx="3047997" cy="461555"/>
           </a:xfrm>
           <a:prstGeom prst="roundRect">
@@ -4001,8 +7096,202 @@
         </p:nvCxnSpPr>
         <p:spPr>
           <a:xfrm rot="16200000" flipH="1">
-            <a:off x="7673454" y="3882822"/>
-            <a:ext cx="1325973" cy="248508"/>
+            <a:off x="8106001" y="3780307"/>
+            <a:ext cx="1258910" cy="386475"/>
+          </a:xfrm>
+          <a:prstGeom prst="bentConnector2">
+            <a:avLst/>
+          </a:prstGeom>
+          <a:ln w="12700">
+            <a:headEnd w="med" len="lg"/>
+            <a:tailEnd type="triangle" w="med" len="lg"/>
+          </a:ln>
+        </p:spPr>
+        <p:style>
+          <a:lnRef idx="1">
+            <a:schemeClr val="accent1"/>
+          </a:lnRef>
+          <a:fillRef idx="0">
+            <a:schemeClr val="accent1"/>
+          </a:fillRef>
+          <a:effectRef idx="0">
+            <a:schemeClr val="accent1"/>
+          </a:effectRef>
+          <a:fontRef idx="minor">
+            <a:schemeClr val="tx1"/>
+          </a:fontRef>
+        </p:style>
+      </p:cxnSp>
+      <p:sp>
+        <p:nvSpPr>
+          <p:cNvPr id="17" name="圆角矩形 16"/>
+          <p:cNvSpPr/>
+          <p:nvPr/>
+        </p:nvSpPr>
+        <p:spPr>
+          <a:xfrm>
+            <a:off x="7474291" y="5136045"/>
+            <a:ext cx="2260109" cy="461555"/>
+          </a:xfrm>
+          <a:prstGeom prst="roundRect">
+            <a:avLst/>
+          </a:prstGeom>
+        </p:spPr>
+        <p:style>
+          <a:lnRef idx="2">
+            <a:schemeClr val="accent1">
+              <a:shade val="50000"/>
+            </a:schemeClr>
+          </a:lnRef>
+          <a:fillRef idx="1">
+            <a:schemeClr val="accent1"/>
+          </a:fillRef>
+          <a:effectRef idx="0">
+            <a:schemeClr val="accent1"/>
+          </a:effectRef>
+          <a:fontRef idx="minor">
+            <a:schemeClr val="lt1"/>
+          </a:fontRef>
+        </p:style>
+        <p:txBody>
+          <a:bodyPr rtlCol="0" anchor="ctr"/>
+          <a:lstStyle/>
+          <a:p>
+            <a:pPr algn="ctr"/>
+            <a:r>
+              <a:rPr lang="zh-CN" altLang="en-US" dirty="0" smtClean="0"/>
+              <a:t>发布服务器</a:t>
+            </a:r>
+            <a:r>
+              <a:rPr lang="en-US" altLang="zh-CN" dirty="0" smtClean="0"/>
+              <a:t>(CDN)</a:t>
+            </a:r>
+            <a:endParaRPr lang="zh-CN" altLang="en-US" dirty="0"/>
+          </a:p>
+        </p:txBody>
+      </p:sp>
+      <p:cxnSp>
+        <p:nvCxnSpPr>
+          <p:cNvPr id="18" name="直接箭头连接符 17"/>
+          <p:cNvCxnSpPr>
+            <a:stCxn id="7" idx="3"/>
+            <a:endCxn id="17" idx="1"/>
+          </p:cNvCxnSpPr>
+          <p:nvPr/>
+        </p:nvCxnSpPr>
+        <p:spPr>
+          <a:xfrm>
+            <a:off x="5580248" y="3113312"/>
+            <a:ext cx="1894043" cy="2253511"/>
+          </a:xfrm>
+          <a:prstGeom prst="straightConnector1">
+            <a:avLst/>
+          </a:prstGeom>
+          <a:ln w="12700">
+            <a:headEnd w="med" len="lg"/>
+            <a:tailEnd type="triangle" w="med" len="lg"/>
+          </a:ln>
+        </p:spPr>
+        <p:style>
+          <a:lnRef idx="1">
+            <a:schemeClr val="accent1"/>
+          </a:lnRef>
+          <a:fillRef idx="0">
+            <a:schemeClr val="accent1"/>
+          </a:fillRef>
+          <a:effectRef idx="0">
+            <a:schemeClr val="accent1"/>
+          </a:effectRef>
+          <a:fontRef idx="minor">
+            <a:schemeClr val="tx1"/>
+          </a:fontRef>
+        </p:style>
+      </p:cxnSp>
+      <p:sp>
+        <p:nvSpPr>
+          <p:cNvPr id="34" name="圆角矩形 33"/>
+          <p:cNvSpPr/>
+          <p:nvPr/>
+        </p:nvSpPr>
+        <p:spPr>
+          <a:xfrm>
+            <a:off x="8928693" y="5799964"/>
+            <a:ext cx="3047997" cy="461555"/>
+          </a:xfrm>
+          <a:prstGeom prst="roundRect">
+            <a:avLst/>
+          </a:prstGeom>
+        </p:spPr>
+        <p:style>
+          <a:lnRef idx="2">
+            <a:schemeClr val="accent1">
+              <a:shade val="50000"/>
+            </a:schemeClr>
+          </a:lnRef>
+          <a:fillRef idx="1">
+            <a:schemeClr val="accent1"/>
+          </a:fillRef>
+          <a:effectRef idx="0">
+            <a:schemeClr val="accent1"/>
+          </a:effectRef>
+          <a:fontRef idx="minor">
+            <a:schemeClr val="lt1"/>
+          </a:fontRef>
+        </p:style>
+        <p:txBody>
+          <a:bodyPr rtlCol="0" anchor="ctr"/>
+          <a:lstStyle/>
+          <a:p>
+            <a:pPr algn="ctr"/>
+            <a:r>
+              <a:rPr lang="en-US" altLang="zh-CN" dirty="0" smtClean="0"/>
+              <a:t>/</a:t>
+            </a:r>
+            <a:r>
+              <a:rPr lang="zh-CN" altLang="en-US" dirty="0" smtClean="0"/>
+              <a:t>用户</a:t>
+            </a:r>
+            <a:r>
+              <a:rPr lang="en-US" altLang="zh-CN" dirty="0" smtClean="0"/>
+              <a:t>/</a:t>
+            </a:r>
+            <a:r>
+              <a:rPr lang="zh-CN" altLang="en-US" dirty="0" smtClean="0"/>
+              <a:t>项目</a:t>
+            </a:r>
+            <a:r>
+              <a:rPr lang="en-US" altLang="zh-CN" dirty="0" smtClean="0"/>
+              <a:t>/</a:t>
+            </a:r>
+            <a:r>
+              <a:rPr lang="zh-CN" altLang="en-US" dirty="0" smtClean="0"/>
+              <a:t>版本</a:t>
+            </a:r>
+            <a:r>
+              <a:rPr lang="en-US" altLang="zh-CN" dirty="0" smtClean="0"/>
+              <a:t>/</a:t>
+            </a:r>
+            <a:r>
+              <a:rPr lang="zh-CN" altLang="en-US" dirty="0" smtClean="0"/>
+              <a:t>文件</a:t>
+            </a:r>
+            <a:endParaRPr lang="zh-CN" altLang="en-US" dirty="0"/>
+          </a:p>
+        </p:txBody>
+      </p:sp>
+      <p:cxnSp>
+        <p:nvCxnSpPr>
+          <p:cNvPr id="35" name="直接箭头连接符 14"/>
+          <p:cNvCxnSpPr>
+            <a:stCxn id="17" idx="2"/>
+            <a:endCxn id="34" idx="1"/>
+          </p:cNvCxnSpPr>
+          <p:nvPr/>
+        </p:nvCxnSpPr>
+        <p:spPr>
+          <a:xfrm rot="16200000" flipH="1">
+            <a:off x="8549948" y="5651997"/>
+            <a:ext cx="433142" cy="324347"/>
           </a:xfrm>
           <a:prstGeom prst="bentConnector2">
             <a:avLst/>
@@ -4074,7 +7363,7 @@
           <a:p>
             <a:r>
               <a:rPr lang="zh-CN" altLang="en-US" dirty="0" smtClean="0"/>
-              <a:t>存储方式</a:t>
+              <a:t>内容存储方式</a:t>
             </a:r>
             <a:endParaRPr lang="zh-CN" altLang="en-US" dirty="0"/>
           </a:p>
@@ -4088,8 +7377,8 @@
         </p:nvSpPr>
         <p:spPr>
           <a:xfrm>
-            <a:off x="711862" y="1538383"/>
-            <a:ext cx="2220692" cy="423164"/>
+            <a:off x="575062" y="1549813"/>
+            <a:ext cx="2220692" cy="352005"/>
           </a:xfrm>
           <a:prstGeom prst="roundRect">
             <a:avLst/>
@@ -4117,7 +7406,11 @@
           <a:p>
             <a:r>
               <a:rPr lang="zh-CN" altLang="en-US" sz="1400" dirty="0" smtClean="0"/>
-              <a:t>网站</a:t>
+              <a:t>网站存储</a:t>
+            </a:r>
+            <a:r>
+              <a:rPr lang="en-US" altLang="zh-CN" sz="1400" dirty="0" smtClean="0"/>
+              <a:t>(Storage)</a:t>
             </a:r>
             <a:endParaRPr lang="zh-CN" altLang="en-US" sz="1400" dirty="0"/>
           </a:p>
@@ -4131,8 +7424,8 @@
         </p:nvSpPr>
         <p:spPr>
           <a:xfrm>
-            <a:off x="2452413" y="2173076"/>
-            <a:ext cx="3137683" cy="423164"/>
+            <a:off x="2466812" y="2618774"/>
+            <a:ext cx="3137683" cy="352005"/>
           </a:xfrm>
           <a:prstGeom prst="roundRect">
             <a:avLst/>
@@ -4161,6 +7454,18 @@
             <a:r>
               <a:rPr lang="zh-CN" altLang="en-US" sz="1400" dirty="0" smtClean="0"/>
               <a:t>人员</a:t>
+            </a:r>
+            <a:r>
+              <a:rPr lang="en-US" altLang="zh-CN" sz="1400" dirty="0" smtClean="0"/>
+              <a:t>(/person/</a:t>
+            </a:r>
+            <a:r>
+              <a:rPr lang="en-US" altLang="zh-CN" sz="1400" dirty="0" err="1" smtClean="0"/>
+              <a:t>guid</a:t>
+            </a:r>
+            <a:r>
+              <a:rPr lang="en-US" altLang="zh-CN" sz="1400" dirty="0" smtClean="0"/>
+              <a:t>)</a:t>
             </a:r>
             <a:endParaRPr lang="zh-CN" altLang="en-US" sz="1400" dirty="0"/>
           </a:p>
@@ -4177,8 +7482,8 @@
         </p:nvCxnSpPr>
         <p:spPr>
           <a:xfrm rot="16200000" flipH="1">
-            <a:off x="1925755" y="1857999"/>
-            <a:ext cx="423111" cy="630205"/>
+            <a:off x="1629631" y="1957595"/>
+            <a:ext cx="892959" cy="781404"/>
           </a:xfrm>
           <a:prstGeom prst="bentConnector2">
             <a:avLst/>
@@ -4211,8 +7516,8 @@
         </p:nvSpPr>
         <p:spPr>
           <a:xfrm>
-            <a:off x="5299305" y="2807769"/>
-            <a:ext cx="3137683" cy="423164"/>
+            <a:off x="5604494" y="3691119"/>
+            <a:ext cx="3137683" cy="352005"/>
           </a:xfrm>
           <a:prstGeom prst="roundRect">
             <a:avLst/>
@@ -4241,6 +7546,22 @@
             <a:r>
               <a:rPr lang="zh-CN" altLang="en-US" sz="1400" dirty="0" smtClean="0"/>
               <a:t>项目</a:t>
+            </a:r>
+            <a:r>
+              <a:rPr lang="en-US" altLang="zh-CN" sz="1400" dirty="0" smtClean="0"/>
+              <a:t>(/projects/</a:t>
+            </a:r>
+            <a:r>
+              <a:rPr lang="en-US" altLang="zh-CN" sz="1400" dirty="0" err="1"/>
+              <a:t>g</a:t>
+            </a:r>
+            <a:r>
+              <a:rPr lang="en-US" altLang="zh-CN" sz="1400" dirty="0" err="1" smtClean="0"/>
+              <a:t>uid</a:t>
+            </a:r>
+            <a:r>
+              <a:rPr lang="en-US" altLang="zh-CN" sz="1400" dirty="0" smtClean="0"/>
+              <a:t>)</a:t>
             </a:r>
             <a:endParaRPr lang="zh-CN" altLang="en-US" sz="1400" dirty="0"/>
           </a:p>
@@ -4257,8 +7578,8 @@
         </p:nvCxnSpPr>
         <p:spPr>
           <a:xfrm rot="16200000" flipH="1">
-            <a:off x="4448725" y="2168770"/>
-            <a:ext cx="423111" cy="1278050"/>
+            <a:off x="4371903" y="2634530"/>
+            <a:ext cx="896343" cy="1568840"/>
           </a:xfrm>
           <a:prstGeom prst="bentConnector2">
             <a:avLst/>
@@ -4291,7 +7612,7 @@
         </p:nvSpPr>
         <p:spPr>
           <a:xfrm>
-            <a:off x="1043719" y="4102401"/>
+            <a:off x="838200" y="4429330"/>
             <a:ext cx="7591233" cy="2031325"/>
           </a:xfrm>
           <a:prstGeom prst="rect">
@@ -4422,6 +7743,252 @@
           </a:p>
         </p:txBody>
       </p:sp>
+      <p:sp>
+        <p:nvSpPr>
+          <p:cNvPr id="13" name="圆角矩形 12"/>
+          <p:cNvSpPr/>
+          <p:nvPr/>
+        </p:nvSpPr>
+        <p:spPr>
+          <a:xfrm>
+            <a:off x="2466812" y="2076894"/>
+            <a:ext cx="3137683" cy="352005"/>
+          </a:xfrm>
+          <a:prstGeom prst="roundRect">
+            <a:avLst/>
+          </a:prstGeom>
+        </p:spPr>
+        <p:style>
+          <a:lnRef idx="0">
+            <a:schemeClr val="accent2"/>
+          </a:lnRef>
+          <a:fillRef idx="3">
+            <a:schemeClr val="accent2"/>
+          </a:fillRef>
+          <a:effectRef idx="3">
+            <a:schemeClr val="accent2"/>
+          </a:effectRef>
+          <a:fontRef idx="minor">
+            <a:schemeClr val="lt1"/>
+          </a:fontRef>
+        </p:style>
+        <p:txBody>
+          <a:bodyPr rtlCol="0" anchor="ctr"/>
+          <a:lstStyle/>
+          <a:p>
+            <a:r>
+              <a:rPr lang="zh-CN" altLang="en-US" sz="1400" dirty="0" smtClean="0"/>
+              <a:t>网站文件</a:t>
+            </a:r>
+            <a:endParaRPr lang="zh-CN" altLang="en-US" sz="1400" dirty="0"/>
+          </a:p>
+        </p:txBody>
+      </p:sp>
+      <p:cxnSp>
+        <p:nvCxnSpPr>
+          <p:cNvPr id="14" name="直接箭头连接符 14"/>
+          <p:cNvCxnSpPr>
+            <a:stCxn id="16" idx="2"/>
+            <a:endCxn id="13" idx="1"/>
+          </p:cNvCxnSpPr>
+          <p:nvPr/>
+        </p:nvCxnSpPr>
+        <p:spPr>
+          <a:xfrm rot="16200000" flipH="1">
+            <a:off x="1900571" y="1686655"/>
+            <a:ext cx="351079" cy="781404"/>
+          </a:xfrm>
+          <a:prstGeom prst="bentConnector2">
+            <a:avLst/>
+          </a:prstGeom>
+          <a:ln w="12700">
+            <a:headEnd w="med" len="lg"/>
+            <a:tailEnd type="none" w="med" len="lg"/>
+          </a:ln>
+        </p:spPr>
+        <p:style>
+          <a:lnRef idx="1">
+            <a:schemeClr val="accent1"/>
+          </a:lnRef>
+          <a:fillRef idx="0">
+            <a:schemeClr val="accent1"/>
+          </a:fillRef>
+          <a:effectRef idx="0">
+            <a:schemeClr val="accent1"/>
+          </a:effectRef>
+          <a:fontRef idx="minor">
+            <a:schemeClr val="tx1"/>
+          </a:fontRef>
+        </p:style>
+      </p:cxnSp>
+      <p:sp>
+        <p:nvSpPr>
+          <p:cNvPr id="18" name="圆角矩形 17"/>
+          <p:cNvSpPr/>
+          <p:nvPr/>
+        </p:nvSpPr>
+        <p:spPr>
+          <a:xfrm>
+            <a:off x="5604495" y="3149239"/>
+            <a:ext cx="3137683" cy="352005"/>
+          </a:xfrm>
+          <a:prstGeom prst="roundRect">
+            <a:avLst/>
+          </a:prstGeom>
+        </p:spPr>
+        <p:style>
+          <a:lnRef idx="0">
+            <a:schemeClr val="accent2"/>
+          </a:lnRef>
+          <a:fillRef idx="3">
+            <a:schemeClr val="accent2"/>
+          </a:fillRef>
+          <a:effectRef idx="3">
+            <a:schemeClr val="accent2"/>
+          </a:effectRef>
+          <a:fontRef idx="minor">
+            <a:schemeClr val="lt1"/>
+          </a:fontRef>
+        </p:style>
+        <p:txBody>
+          <a:bodyPr rtlCol="0" anchor="ctr"/>
+          <a:lstStyle/>
+          <a:p>
+            <a:r>
+              <a:rPr lang="zh-CN" altLang="en-US" sz="1400" dirty="0" smtClean="0"/>
+              <a:t>人员文件</a:t>
+            </a:r>
+            <a:endParaRPr lang="zh-CN" altLang="en-US" sz="1400" dirty="0"/>
+          </a:p>
+        </p:txBody>
+      </p:sp>
+      <p:cxnSp>
+        <p:nvCxnSpPr>
+          <p:cNvPr id="19" name="直接箭头连接符 14"/>
+          <p:cNvCxnSpPr>
+            <a:stCxn id="21" idx="2"/>
+            <a:endCxn id="18" idx="1"/>
+          </p:cNvCxnSpPr>
+          <p:nvPr/>
+        </p:nvCxnSpPr>
+        <p:spPr>
+          <a:xfrm rot="16200000" flipH="1">
+            <a:off x="4642843" y="2363589"/>
+            <a:ext cx="354463" cy="1568841"/>
+          </a:xfrm>
+          <a:prstGeom prst="bentConnector2">
+            <a:avLst/>
+          </a:prstGeom>
+          <a:ln w="12700">
+            <a:headEnd w="med" len="lg"/>
+            <a:tailEnd type="none" w="med" len="lg"/>
+          </a:ln>
+        </p:spPr>
+        <p:style>
+          <a:lnRef idx="1">
+            <a:schemeClr val="accent1"/>
+          </a:lnRef>
+          <a:fillRef idx="0">
+            <a:schemeClr val="accent1"/>
+          </a:fillRef>
+          <a:effectRef idx="0">
+            <a:schemeClr val="accent1"/>
+          </a:effectRef>
+          <a:fontRef idx="minor">
+            <a:schemeClr val="tx1"/>
+          </a:fontRef>
+        </p:style>
+      </p:cxnSp>
+      <p:sp>
+        <p:nvSpPr>
+          <p:cNvPr id="23" name="圆角矩形 22"/>
+          <p:cNvSpPr/>
+          <p:nvPr/>
+        </p:nvSpPr>
+        <p:spPr>
+          <a:xfrm>
+            <a:off x="8296537" y="4176795"/>
+            <a:ext cx="3137683" cy="352005"/>
+          </a:xfrm>
+          <a:prstGeom prst="roundRect">
+            <a:avLst/>
+          </a:prstGeom>
+        </p:spPr>
+        <p:style>
+          <a:lnRef idx="0">
+            <a:schemeClr val="accent2"/>
+          </a:lnRef>
+          <a:fillRef idx="3">
+            <a:schemeClr val="accent2"/>
+          </a:fillRef>
+          <a:effectRef idx="3">
+            <a:schemeClr val="accent2"/>
+          </a:effectRef>
+          <a:fontRef idx="minor">
+            <a:schemeClr val="lt1"/>
+          </a:fontRef>
+        </p:style>
+        <p:txBody>
+          <a:bodyPr rtlCol="0" anchor="ctr"/>
+          <a:lstStyle/>
+          <a:p>
+            <a:r>
+              <a:rPr lang="zh-CN" altLang="en-US" sz="1400" dirty="0" smtClean="0"/>
+              <a:t>项目文件 </a:t>
+            </a:r>
+            <a:r>
+              <a:rPr lang="en-US" altLang="zh-CN" sz="1400" dirty="0" smtClean="0"/>
+              <a:t>(</a:t>
+            </a:r>
+            <a:r>
+              <a:rPr lang="zh-CN" altLang="en-US" sz="1400" dirty="0" smtClean="0"/>
+              <a:t>自定义目录</a:t>
+            </a:r>
+            <a:r>
+              <a:rPr lang="en-US" altLang="zh-CN" sz="1400" dirty="0" smtClean="0"/>
+              <a:t>)</a:t>
+            </a:r>
+            <a:endParaRPr lang="zh-CN" altLang="en-US" sz="1400" dirty="0"/>
+          </a:p>
+        </p:txBody>
+      </p:sp>
+      <p:cxnSp>
+        <p:nvCxnSpPr>
+          <p:cNvPr id="24" name="直接箭头连接符 14"/>
+          <p:cNvCxnSpPr>
+            <a:stCxn id="45" idx="2"/>
+            <a:endCxn id="23" idx="1"/>
+          </p:cNvCxnSpPr>
+          <p:nvPr/>
+        </p:nvCxnSpPr>
+        <p:spPr>
+          <a:xfrm rot="16200000" flipH="1">
+            <a:off x="7580099" y="3636360"/>
+            <a:ext cx="309674" cy="1123201"/>
+          </a:xfrm>
+          <a:prstGeom prst="bentConnector2">
+            <a:avLst/>
+          </a:prstGeom>
+          <a:ln w="12700">
+            <a:headEnd w="med" len="lg"/>
+            <a:tailEnd type="none" w="med" len="lg"/>
+          </a:ln>
+        </p:spPr>
+        <p:style>
+          <a:lnRef idx="1">
+            <a:schemeClr val="accent1"/>
+          </a:lnRef>
+          <a:fillRef idx="0">
+            <a:schemeClr val="accent1"/>
+          </a:fillRef>
+          <a:effectRef idx="0">
+            <a:schemeClr val="accent1"/>
+          </a:effectRef>
+          <a:fontRef idx="minor">
+            <a:schemeClr val="tx1"/>
+          </a:fontRef>
+        </p:style>
+      </p:cxnSp>
     </p:spTree>
     <p:extLst>
       <p:ext uri="{BB962C8B-B14F-4D97-AF65-F5344CB8AC3E}">
@@ -4469,7 +8036,7 @@
           <a:p>
             <a:r>
               <a:rPr lang="zh-CN" altLang="en-US" dirty="0" smtClean="0"/>
-              <a:t>存储方式</a:t>
+              <a:t>项目存储方式</a:t>
             </a:r>
             <a:endParaRPr lang="zh-CN" altLang="en-US" dirty="0"/>
           </a:p>
@@ -4484,7 +8051,7 @@
         <p:spPr>
           <a:xfrm>
             <a:off x="711862" y="1538383"/>
-            <a:ext cx="2220692" cy="423164"/>
+            <a:ext cx="2134979" cy="321604"/>
           </a:xfrm>
           <a:prstGeom prst="roundRect">
             <a:avLst/>
@@ -4511,12 +8078,12 @@
           <a:lstStyle/>
           <a:p>
             <a:r>
+              <a:rPr lang="zh-CN" altLang="en-US" sz="1400" dirty="0" smtClean="0"/>
+              <a:t>项目目录 </a:t>
+            </a:r>
+            <a:r>
               <a:rPr lang="en-US" altLang="zh-CN" sz="1400" dirty="0" smtClean="0"/>
-              <a:t>/</a:t>
-            </a:r>
-            <a:r>
-              <a:rPr lang="zh-CN" altLang="en-US" sz="1400" dirty="0" smtClean="0"/>
-              <a:t>目录</a:t>
+              <a:t>(project.xml)</a:t>
             </a:r>
             <a:endParaRPr lang="zh-CN" altLang="en-US" sz="1400" dirty="0"/>
           </a:p>
@@ -4530,8 +8097,8 @@
         </p:nvSpPr>
         <p:spPr>
           <a:xfrm>
-            <a:off x="2452412" y="3405847"/>
-            <a:ext cx="3137683" cy="423164"/>
+            <a:off x="2286811" y="3085149"/>
+            <a:ext cx="3016577" cy="321604"/>
           </a:xfrm>
           <a:prstGeom prst="roundRect">
             <a:avLst/>
@@ -4563,7 +8130,7 @@
             </a:r>
             <a:r>
               <a:rPr lang="en-US" altLang="zh-CN" sz="1400" dirty="0" smtClean="0"/>
-              <a:t>(Model)</a:t>
+              <a:t>(Model)(model)</a:t>
             </a:r>
             <a:endParaRPr lang="zh-CN" altLang="en-US" sz="1400" dirty="0"/>
           </a:p>
@@ -4577,8 +8144,8 @@
         </p:nvSpPr>
         <p:spPr>
           <a:xfrm>
-            <a:off x="2452411" y="5603996"/>
-            <a:ext cx="3137683" cy="423164"/>
+            <a:off x="2286811" y="4007206"/>
+            <a:ext cx="3016577" cy="321604"/>
           </a:xfrm>
           <a:prstGeom prst="roundRect">
             <a:avLst/>
@@ -4605,16 +8172,12 @@
           <a:lstStyle/>
           <a:p>
             <a:r>
-              <a:rPr lang="zh-CN" altLang="en-US" sz="1400" dirty="0"/>
-              <a:t>模板</a:t>
-            </a:r>
-            <a:r>
               <a:rPr lang="zh-CN" altLang="en-US" sz="1400" dirty="0" smtClean="0"/>
-              <a:t>文件</a:t>
+              <a:t>模板描述文件</a:t>
             </a:r>
             <a:r>
               <a:rPr lang="en-US" altLang="zh-CN" sz="1400" dirty="0" smtClean="0"/>
-              <a:t>(Template)(XML)</a:t>
+              <a:t>(Template)(xml)</a:t>
             </a:r>
             <a:endParaRPr lang="zh-CN" altLang="en-US" sz="1400" dirty="0"/>
           </a:p>
@@ -4628,8 +8191,8 @@
         </p:nvSpPr>
         <p:spPr>
           <a:xfrm>
-            <a:off x="2452413" y="2173076"/>
-            <a:ext cx="3137683" cy="423164"/>
+            <a:off x="2286811" y="2151135"/>
+            <a:ext cx="3016577" cy="321604"/>
           </a:xfrm>
           <a:prstGeom prst="roundRect">
             <a:avLst/>
@@ -4661,7 +8224,15 @@
             </a:r>
             <a:r>
               <a:rPr lang="en-US" altLang="zh-CN" sz="1400" dirty="0" smtClean="0"/>
-              <a:t>(Bitmap)(JPG/PNG)</a:t>
+              <a:t>(Bitmap)(jpg/</a:t>
+            </a:r>
+            <a:r>
+              <a:rPr lang="en-US" altLang="zh-CN" sz="1400" dirty="0" err="1" smtClean="0"/>
+              <a:t>png</a:t>
+            </a:r>
+            <a:r>
+              <a:rPr lang="en-US" altLang="zh-CN" sz="1400" dirty="0" smtClean="0"/>
+              <a:t>)</a:t>
             </a:r>
             <a:endParaRPr lang="zh-CN" altLang="en-US" sz="1400" dirty="0"/>
           </a:p>
@@ -4675,8 +8246,8 @@
         </p:nvSpPr>
         <p:spPr>
           <a:xfrm>
-            <a:off x="2452412" y="2771154"/>
-            <a:ext cx="3137683" cy="423164"/>
+            <a:off x="2286812" y="2597803"/>
+            <a:ext cx="3016577" cy="321604"/>
           </a:xfrm>
           <a:prstGeom prst="roundRect">
             <a:avLst/>
@@ -4712,190 +8283,12 @@
             </a:r>
             <a:r>
               <a:rPr lang="en-US" altLang="zh-CN" sz="1400" dirty="0" smtClean="0"/>
-              <a:t>(Material)(XML)</a:t>
+              <a:t>(Material)(xml)</a:t>
             </a:r>
             <a:endParaRPr lang="zh-CN" altLang="en-US" sz="1400" dirty="0"/>
           </a:p>
         </p:txBody>
       </p:sp>
-      <p:sp>
-        <p:nvSpPr>
-          <p:cNvPr id="23" name="圆角矩形 22"/>
-          <p:cNvSpPr/>
-          <p:nvPr/>
-        </p:nvSpPr>
-        <p:spPr>
-          <a:xfrm>
-            <a:off x="4526308" y="3962589"/>
-            <a:ext cx="3137683" cy="423164"/>
-          </a:xfrm>
-          <a:prstGeom prst="roundRect">
-            <a:avLst/>
-          </a:prstGeom>
-        </p:spPr>
-        <p:style>
-          <a:lnRef idx="2">
-            <a:schemeClr val="accent1">
-              <a:shade val="50000"/>
-            </a:schemeClr>
-          </a:lnRef>
-          <a:fillRef idx="1">
-            <a:schemeClr val="accent1"/>
-          </a:fillRef>
-          <a:effectRef idx="0">
-            <a:schemeClr val="accent1"/>
-          </a:effectRef>
-          <a:fontRef idx="minor">
-            <a:schemeClr val="lt1"/>
-          </a:fontRef>
-        </p:style>
-        <p:txBody>
-          <a:bodyPr rtlCol="0" anchor="ctr"/>
-          <a:lstStyle/>
-          <a:p>
-            <a:r>
-              <a:rPr lang="zh-CN" altLang="en-US" sz="1400" dirty="0" smtClean="0"/>
-              <a:t>网格文件</a:t>
-            </a:r>
-            <a:r>
-              <a:rPr lang="en-US" altLang="zh-CN" sz="1400" dirty="0" smtClean="0"/>
-              <a:t>(mesh)</a:t>
-            </a:r>
-            <a:endParaRPr lang="zh-CN" altLang="en-US" sz="1400" dirty="0"/>
-          </a:p>
-        </p:txBody>
-      </p:sp>
-      <p:sp>
-        <p:nvSpPr>
-          <p:cNvPr id="24" name="圆角矩形 23"/>
-          <p:cNvSpPr/>
-          <p:nvPr/>
-        </p:nvSpPr>
-        <p:spPr>
-          <a:xfrm>
-            <a:off x="4526307" y="4531846"/>
-            <a:ext cx="3137683" cy="423164"/>
-          </a:xfrm>
-          <a:prstGeom prst="roundRect">
-            <a:avLst/>
-          </a:prstGeom>
-        </p:spPr>
-        <p:style>
-          <a:lnRef idx="2">
-            <a:schemeClr val="accent1">
-              <a:shade val="50000"/>
-            </a:schemeClr>
-          </a:lnRef>
-          <a:fillRef idx="1">
-            <a:schemeClr val="accent1"/>
-          </a:fillRef>
-          <a:effectRef idx="0">
-            <a:schemeClr val="accent1"/>
-          </a:effectRef>
-          <a:fontRef idx="minor">
-            <a:schemeClr val="lt1"/>
-          </a:fontRef>
-        </p:style>
-        <p:txBody>
-          <a:bodyPr rtlCol="0" anchor="ctr"/>
-          <a:lstStyle/>
-          <a:p>
-            <a:r>
-              <a:rPr lang="zh-CN" altLang="en-US" sz="1400" dirty="0" smtClean="0"/>
-              <a:t>蒙皮文件</a:t>
-            </a:r>
-            <a:r>
-              <a:rPr lang="en-US" altLang="zh-CN" sz="1400" dirty="0" smtClean="0"/>
-              <a:t>(mesh)</a:t>
-            </a:r>
-            <a:endParaRPr lang="zh-CN" altLang="en-US" sz="1400" dirty="0"/>
-          </a:p>
-        </p:txBody>
-      </p:sp>
-      <p:sp>
-        <p:nvSpPr>
-          <p:cNvPr id="25" name="圆角矩形 24"/>
-          <p:cNvSpPr/>
-          <p:nvPr/>
-        </p:nvSpPr>
-        <p:spPr>
-          <a:xfrm>
-            <a:off x="4526306" y="5047253"/>
-            <a:ext cx="3137683" cy="423164"/>
-          </a:xfrm>
-          <a:prstGeom prst="roundRect">
-            <a:avLst/>
-          </a:prstGeom>
-        </p:spPr>
-        <p:style>
-          <a:lnRef idx="2">
-            <a:schemeClr val="accent1">
-              <a:shade val="50000"/>
-            </a:schemeClr>
-          </a:lnRef>
-          <a:fillRef idx="1">
-            <a:schemeClr val="accent1"/>
-          </a:fillRef>
-          <a:effectRef idx="0">
-            <a:schemeClr val="accent1"/>
-          </a:effectRef>
-          <a:fontRef idx="minor">
-            <a:schemeClr val="lt1"/>
-          </a:fontRef>
-        </p:style>
-        <p:txBody>
-          <a:bodyPr rtlCol="0" anchor="ctr"/>
-          <a:lstStyle/>
-          <a:p>
-            <a:r>
-              <a:rPr lang="zh-CN" altLang="en-US" sz="1400" dirty="0" smtClean="0"/>
-              <a:t>动画文件</a:t>
-            </a:r>
-            <a:r>
-              <a:rPr lang="en-US" altLang="zh-CN" sz="1400" dirty="0" smtClean="0"/>
-              <a:t>(animation)</a:t>
-            </a:r>
-            <a:endParaRPr lang="zh-CN" altLang="en-US" sz="1400" dirty="0"/>
-          </a:p>
-        </p:txBody>
-      </p:sp>
-      <p:cxnSp>
-        <p:nvCxnSpPr>
-          <p:cNvPr id="26" name="直接箭头连接符 14"/>
-          <p:cNvCxnSpPr>
-            <a:stCxn id="16" idx="2"/>
-            <a:endCxn id="21" idx="1"/>
-          </p:cNvCxnSpPr>
-          <p:nvPr/>
-        </p:nvCxnSpPr>
-        <p:spPr>
-          <a:xfrm rot="16200000" flipH="1">
-            <a:off x="1925755" y="1857999"/>
-            <a:ext cx="423111" cy="630205"/>
-          </a:xfrm>
-          <a:prstGeom prst="bentConnector2">
-            <a:avLst/>
-          </a:prstGeom>
-          <a:ln w="12700">
-            <a:headEnd w="med" len="lg"/>
-            <a:tailEnd type="none" w="med" len="lg"/>
-          </a:ln>
-        </p:spPr>
-        <p:style>
-          <a:lnRef idx="1">
-            <a:schemeClr val="accent1"/>
-          </a:lnRef>
-          <a:fillRef idx="0">
-            <a:schemeClr val="accent1"/>
-          </a:fillRef>
-          <a:effectRef idx="0">
-            <a:schemeClr val="accent1"/>
-          </a:effectRef>
-          <a:fontRef idx="minor">
-            <a:schemeClr val="tx1"/>
-          </a:fontRef>
-        </p:style>
-      </p:cxnSp>
       <p:cxnSp>
         <p:nvCxnSpPr>
           <p:cNvPr id="27" name="直接箭头连接符 14"/>
@@ -4907,8 +8300,8 @@
         </p:nvCxnSpPr>
         <p:spPr>
           <a:xfrm rot="16200000" flipH="1">
-            <a:off x="1626716" y="2157039"/>
-            <a:ext cx="1021189" cy="630204"/>
+            <a:off x="1583773" y="2055566"/>
+            <a:ext cx="898618" cy="507460"/>
           </a:xfrm>
           <a:prstGeom prst="bentConnector2">
             <a:avLst/>
@@ -4944,8 +8337,8 @@
         </p:nvCxnSpPr>
         <p:spPr>
           <a:xfrm rot="16200000" flipH="1">
-            <a:off x="1309369" y="2474386"/>
-            <a:ext cx="1655882" cy="630204"/>
+            <a:off x="1340099" y="2299239"/>
+            <a:ext cx="1385964" cy="507459"/>
           </a:xfrm>
           <a:prstGeom prst="bentConnector2">
             <a:avLst/>
@@ -4981,8 +8374,8 @@
         </p:nvCxnSpPr>
         <p:spPr>
           <a:xfrm rot="16200000" flipH="1">
-            <a:off x="210294" y="3573460"/>
-            <a:ext cx="3854031" cy="630203"/>
+            <a:off x="879071" y="2760267"/>
+            <a:ext cx="2308021" cy="507459"/>
           </a:xfrm>
           <a:prstGeom prst="bentConnector2">
             <a:avLst/>
@@ -5007,117 +8400,6 @@
           </a:fontRef>
         </p:style>
       </p:cxnSp>
-      <p:cxnSp>
-        <p:nvCxnSpPr>
-          <p:cNvPr id="34" name="直接箭头连接符 14"/>
-          <p:cNvCxnSpPr>
-            <a:stCxn id="17" idx="2"/>
-            <a:endCxn id="23" idx="1"/>
-          </p:cNvCxnSpPr>
-          <p:nvPr/>
-        </p:nvCxnSpPr>
-        <p:spPr>
-          <a:xfrm rot="16200000" flipH="1">
-            <a:off x="4101201" y="3749064"/>
-            <a:ext cx="345160" cy="505054"/>
-          </a:xfrm>
-          <a:prstGeom prst="bentConnector2">
-            <a:avLst/>
-          </a:prstGeom>
-          <a:ln w="12700">
-            <a:headEnd w="med" len="lg"/>
-            <a:tailEnd type="none" w="med" len="lg"/>
-          </a:ln>
-        </p:spPr>
-        <p:style>
-          <a:lnRef idx="1">
-            <a:schemeClr val="accent1"/>
-          </a:lnRef>
-          <a:fillRef idx="0">
-            <a:schemeClr val="accent1"/>
-          </a:fillRef>
-          <a:effectRef idx="0">
-            <a:schemeClr val="accent1"/>
-          </a:effectRef>
-          <a:fontRef idx="minor">
-            <a:schemeClr val="tx1"/>
-          </a:fontRef>
-        </p:style>
-      </p:cxnSp>
-      <p:cxnSp>
-        <p:nvCxnSpPr>
-          <p:cNvPr id="38" name="直接箭头连接符 14"/>
-          <p:cNvCxnSpPr>
-            <a:stCxn id="17" idx="2"/>
-            <a:endCxn id="24" idx="1"/>
-          </p:cNvCxnSpPr>
-          <p:nvPr/>
-        </p:nvCxnSpPr>
-        <p:spPr>
-          <a:xfrm rot="16200000" flipH="1">
-            <a:off x="3816572" y="4033692"/>
-            <a:ext cx="914417" cy="505053"/>
-          </a:xfrm>
-          <a:prstGeom prst="bentConnector2">
-            <a:avLst/>
-          </a:prstGeom>
-          <a:ln w="12700">
-            <a:headEnd w="med" len="lg"/>
-            <a:tailEnd type="none" w="med" len="lg"/>
-          </a:ln>
-        </p:spPr>
-        <p:style>
-          <a:lnRef idx="1">
-            <a:schemeClr val="accent1"/>
-          </a:lnRef>
-          <a:fillRef idx="0">
-            <a:schemeClr val="accent1"/>
-          </a:fillRef>
-          <a:effectRef idx="0">
-            <a:schemeClr val="accent1"/>
-          </a:effectRef>
-          <a:fontRef idx="minor">
-            <a:schemeClr val="tx1"/>
-          </a:fontRef>
-        </p:style>
-      </p:cxnSp>
-      <p:cxnSp>
-        <p:nvCxnSpPr>
-          <p:cNvPr id="41" name="直接箭头连接符 14"/>
-          <p:cNvCxnSpPr>
-            <a:stCxn id="17" idx="2"/>
-            <a:endCxn id="25" idx="1"/>
-          </p:cNvCxnSpPr>
-          <p:nvPr/>
-        </p:nvCxnSpPr>
-        <p:spPr>
-          <a:xfrm rot="16200000" flipH="1">
-            <a:off x="3558868" y="4291397"/>
-            <a:ext cx="1429824" cy="505052"/>
-          </a:xfrm>
-          <a:prstGeom prst="bentConnector2">
-            <a:avLst/>
-          </a:prstGeom>
-          <a:ln w="12700">
-            <a:headEnd w="med" len="lg"/>
-            <a:tailEnd type="none" w="med" len="lg"/>
-          </a:ln>
-        </p:spPr>
-        <p:style>
-          <a:lnRef idx="1">
-            <a:schemeClr val="accent1"/>
-          </a:lnRef>
-          <a:fillRef idx="0">
-            <a:schemeClr val="accent1"/>
-          </a:fillRef>
-          <a:effectRef idx="0">
-            <a:schemeClr val="accent1"/>
-          </a:effectRef>
-          <a:fontRef idx="minor">
-            <a:schemeClr val="tx1"/>
-          </a:fontRef>
-        </p:style>
-      </p:cxnSp>
       <p:sp>
         <p:nvSpPr>
           <p:cNvPr id="45" name="圆角矩形 44"/>
@@ -5126,8 +8408,8 @@
         </p:nvSpPr>
         <p:spPr>
           <a:xfrm>
-            <a:off x="6467247" y="2856251"/>
-            <a:ext cx="3137683" cy="423164"/>
+            <a:off x="6100047" y="2597803"/>
+            <a:ext cx="3016577" cy="321604"/>
           </a:xfrm>
           <a:prstGeom prst="roundRect">
             <a:avLst/>
@@ -5155,15 +8437,11 @@
           <a:p>
             <a:r>
               <a:rPr lang="zh-CN" altLang="en-US" sz="1400" dirty="0" smtClean="0"/>
-              <a:t>效果器</a:t>
+              <a:t>效果器文件</a:t>
             </a:r>
             <a:r>
               <a:rPr lang="en-US" altLang="zh-CN" sz="1400" dirty="0" smtClean="0"/>
-              <a:t>(Effect</a:t>
-            </a:r>
-            <a:r>
-              <a:rPr lang="en-US" altLang="zh-CN" sz="1400" dirty="0"/>
-              <a:t>)</a:t>
+              <a:t>(Effect)(effect)</a:t>
             </a:r>
             <a:endParaRPr lang="zh-CN" altLang="en-US" sz="1400" dirty="0"/>
           </a:p>
@@ -5180,13 +8458,11 @@
         </p:nvCxnSpPr>
         <p:spPr>
           <a:xfrm>
-            <a:off x="5590095" y="2982736"/>
-            <a:ext cx="877152" cy="85097"/>
-          </a:xfrm>
-          <a:prstGeom prst="bentConnector3">
-            <a:avLst>
-              <a:gd name="adj1" fmla="val 50000"/>
-            </a:avLst>
+            <a:off x="5303389" y="2758605"/>
+            <a:ext cx="796658" cy="0"/>
+          </a:xfrm>
+          <a:prstGeom prst="straightConnector1">
+            <a:avLst/>
           </a:prstGeom>
           <a:ln w="12700">
             <a:headEnd w="med" len="lg"/>
@@ -5216,7 +8492,7 @@
         </p:nvSpPr>
         <p:spPr>
           <a:xfrm>
-            <a:off x="934695" y="6238688"/>
+            <a:off x="3997583" y="1430215"/>
             <a:ext cx="3746538" cy="369332"/>
           </a:xfrm>
           <a:prstGeom prst="rect">
@@ -5258,7 +8534,7 @@
               <a:rPr lang="zh-CN" altLang="en-US" dirty="0" smtClean="0"/>
               <a:t>类型</a:t>
             </a:r>
-            <a:endParaRPr lang="zh-CN" altLang="en-US" dirty="0"/>
+            <a:endParaRPr lang="en-US" altLang="zh-CN" dirty="0" smtClean="0"/>
           </a:p>
         </p:txBody>
       </p:sp>
@@ -5270,7 +8546,7 @@
         </p:nvSpPr>
         <p:spPr>
           <a:xfrm>
-            <a:off x="5468988" y="6238688"/>
+            <a:off x="8531876" y="1430215"/>
             <a:ext cx="3185487" cy="369332"/>
           </a:xfrm>
           <a:prstGeom prst="rect">
@@ -5292,6 +8568,302 @@
           </a:p>
         </p:txBody>
       </p:sp>
+      <p:cxnSp>
+        <p:nvCxnSpPr>
+          <p:cNvPr id="68" name="直接箭头连接符 14"/>
+          <p:cNvCxnSpPr>
+            <a:stCxn id="16" idx="2"/>
+            <a:endCxn id="21" idx="1"/>
+          </p:cNvCxnSpPr>
+          <p:nvPr/>
+        </p:nvCxnSpPr>
+        <p:spPr>
+          <a:xfrm rot="16200000" flipH="1">
+            <a:off x="1807106" y="1832232"/>
+            <a:ext cx="451950" cy="507459"/>
+          </a:xfrm>
+          <a:prstGeom prst="bentConnector2">
+            <a:avLst/>
+          </a:prstGeom>
+          <a:ln w="12700">
+            <a:headEnd w="med" len="lg"/>
+            <a:tailEnd type="none" w="med" len="lg"/>
+          </a:ln>
+        </p:spPr>
+        <p:style>
+          <a:lnRef idx="1">
+            <a:schemeClr val="accent1"/>
+          </a:lnRef>
+          <a:fillRef idx="0">
+            <a:schemeClr val="accent1"/>
+          </a:fillRef>
+          <a:effectRef idx="0">
+            <a:schemeClr val="accent1"/>
+          </a:effectRef>
+          <a:fontRef idx="minor">
+            <a:schemeClr val="tx1"/>
+          </a:fontRef>
+        </p:style>
+      </p:cxnSp>
+      <p:sp>
+        <p:nvSpPr>
+          <p:cNvPr id="81" name="文本框 80"/>
+          <p:cNvSpPr txBox="1"/>
+          <p:nvPr/>
+        </p:nvSpPr>
+        <p:spPr>
+          <a:xfrm>
+            <a:off x="630973" y="5199846"/>
+            <a:ext cx="10938148" cy="1200329"/>
+          </a:xfrm>
+          <a:prstGeom prst="rect">
+            <a:avLst/>
+          </a:prstGeom>
+          <a:noFill/>
+        </p:spPr>
+        <p:txBody>
+          <a:bodyPr wrap="square" rtlCol="0">
+            <a:spAutoFit/>
+          </a:bodyPr>
+          <a:lstStyle/>
+          <a:p>
+            <a:r>
+              <a:rPr lang="zh-CN" altLang="en-US" dirty="0"/>
+              <a:t>项目文件按照分类使用</a:t>
+            </a:r>
+            <a:r>
+              <a:rPr lang="en-US" altLang="zh-CN" dirty="0"/>
+              <a:t>GUID</a:t>
+            </a:r>
+            <a:r>
+              <a:rPr lang="zh-CN" altLang="en-US" dirty="0"/>
+              <a:t>实际存储，用户操作目录由描述文件确定，是虚拟路径管理。</a:t>
+            </a:r>
+            <a:endParaRPr lang="en-US" altLang="zh-CN" dirty="0"/>
+          </a:p>
+          <a:p>
+            <a:r>
+              <a:rPr lang="zh-CN" altLang="en-US" dirty="0" smtClean="0"/>
+              <a:t>发布后，内容复制到发布文件夹（</a:t>
+            </a:r>
+            <a:r>
+              <a:rPr lang="en-US" altLang="zh-CN" dirty="0" smtClean="0"/>
+              <a:t>user/project/version</a:t>
+            </a:r>
+            <a:r>
+              <a:rPr lang="zh-CN" altLang="en-US" dirty="0" smtClean="0"/>
+              <a:t>）</a:t>
+            </a:r>
+            <a:endParaRPr lang="en-US" altLang="zh-CN" dirty="0" smtClean="0"/>
+          </a:p>
+          <a:p>
+            <a:r>
+              <a:rPr lang="zh-CN" altLang="en-US" dirty="0" smtClean="0"/>
+              <a:t>发布后内容，其他项目可以查找并引用指定版本，或者是否需要自动保持或指定升级到版本。</a:t>
+            </a:r>
+            <a:endParaRPr lang="en-US" altLang="zh-CN" dirty="0" smtClean="0"/>
+          </a:p>
+          <a:p>
+            <a:r>
+              <a:rPr lang="zh-CN" altLang="en-US" dirty="0" smtClean="0"/>
+              <a:t>编辑和存储分为</a:t>
+            </a:r>
+            <a:r>
+              <a:rPr lang="en-US" altLang="zh-CN" dirty="0" smtClean="0"/>
+              <a:t>2</a:t>
+            </a:r>
+            <a:r>
+              <a:rPr lang="zh-CN" altLang="en-US" dirty="0" smtClean="0"/>
+              <a:t>套数据模式</a:t>
+            </a:r>
+            <a:r>
+              <a:rPr lang="zh-CN" altLang="en-US" dirty="0" smtClean="0"/>
+              <a:t>，编辑使用</a:t>
+            </a:r>
+            <a:r>
+              <a:rPr lang="en-US" altLang="zh-CN" dirty="0" smtClean="0"/>
+              <a:t>XML</a:t>
+            </a:r>
+            <a:r>
+              <a:rPr lang="zh-CN" altLang="en-US" dirty="0" smtClean="0"/>
+              <a:t>，存储使用</a:t>
+            </a:r>
+            <a:r>
+              <a:rPr lang="en-US" altLang="zh-CN" dirty="0" smtClean="0"/>
+              <a:t>BIN</a:t>
+            </a:r>
+            <a:endParaRPr lang="en-US" altLang="zh-CN" dirty="0" smtClean="0"/>
+          </a:p>
+        </p:txBody>
+      </p:sp>
+      <p:sp>
+        <p:nvSpPr>
+          <p:cNvPr id="86" name="圆角矩形 85"/>
+          <p:cNvSpPr/>
+          <p:nvPr/>
+        </p:nvSpPr>
+        <p:spPr>
+          <a:xfrm>
+            <a:off x="2286810" y="4438591"/>
+            <a:ext cx="3016577" cy="321604"/>
+          </a:xfrm>
+          <a:prstGeom prst="roundRect">
+            <a:avLst/>
+          </a:prstGeom>
+        </p:spPr>
+        <p:style>
+          <a:lnRef idx="2">
+            <a:schemeClr val="accent1">
+              <a:shade val="50000"/>
+            </a:schemeClr>
+          </a:lnRef>
+          <a:fillRef idx="1">
+            <a:schemeClr val="accent1"/>
+          </a:fillRef>
+          <a:effectRef idx="0">
+            <a:schemeClr val="accent1"/>
+          </a:effectRef>
+          <a:fontRef idx="minor">
+            <a:schemeClr val="lt1"/>
+          </a:fontRef>
+        </p:style>
+        <p:txBody>
+          <a:bodyPr rtlCol="0" anchor="ctr"/>
+          <a:lstStyle/>
+          <a:p>
+            <a:r>
+              <a:rPr lang="zh-CN" altLang="en-US" sz="1400" dirty="0" smtClean="0"/>
+              <a:t>场景描述文件</a:t>
+            </a:r>
+            <a:r>
+              <a:rPr lang="en-US" altLang="zh-CN" sz="1400" dirty="0" smtClean="0"/>
+              <a:t>(Scene)(xml)</a:t>
+            </a:r>
+            <a:endParaRPr lang="zh-CN" altLang="en-US" sz="1400" dirty="0"/>
+          </a:p>
+        </p:txBody>
+      </p:sp>
+      <p:cxnSp>
+        <p:nvCxnSpPr>
+          <p:cNvPr id="87" name="直接箭头连接符 14"/>
+          <p:cNvCxnSpPr>
+            <a:stCxn id="16" idx="2"/>
+            <a:endCxn id="86" idx="1"/>
+          </p:cNvCxnSpPr>
+          <p:nvPr/>
+        </p:nvCxnSpPr>
+        <p:spPr>
+          <a:xfrm rot="16200000" flipH="1">
+            <a:off x="663378" y="2975961"/>
+            <a:ext cx="2739406" cy="507458"/>
+          </a:xfrm>
+          <a:prstGeom prst="bentConnector2">
+            <a:avLst/>
+          </a:prstGeom>
+          <a:ln w="12700">
+            <a:headEnd w="med" len="lg"/>
+            <a:tailEnd type="none" w="med" len="lg"/>
+          </a:ln>
+        </p:spPr>
+        <p:style>
+          <a:lnRef idx="1">
+            <a:schemeClr val="accent1"/>
+          </a:lnRef>
+          <a:fillRef idx="0">
+            <a:schemeClr val="accent1"/>
+          </a:fillRef>
+          <a:effectRef idx="0">
+            <a:schemeClr val="accent1"/>
+          </a:effectRef>
+          <a:fontRef idx="minor">
+            <a:schemeClr val="tx1"/>
+          </a:fontRef>
+        </p:style>
+      </p:cxnSp>
+      <p:sp>
+        <p:nvSpPr>
+          <p:cNvPr id="101" name="圆角矩形 100"/>
+          <p:cNvSpPr/>
+          <p:nvPr/>
+        </p:nvSpPr>
+        <p:spPr>
+          <a:xfrm>
+            <a:off x="2286810" y="3545596"/>
+            <a:ext cx="3016577" cy="321604"/>
+          </a:xfrm>
+          <a:prstGeom prst="roundRect">
+            <a:avLst/>
+          </a:prstGeom>
+        </p:spPr>
+        <p:style>
+          <a:lnRef idx="2">
+            <a:schemeClr val="accent1">
+              <a:shade val="50000"/>
+            </a:schemeClr>
+          </a:lnRef>
+          <a:fillRef idx="1">
+            <a:schemeClr val="accent1"/>
+          </a:fillRef>
+          <a:effectRef idx="0">
+            <a:schemeClr val="accent1"/>
+          </a:effectRef>
+          <a:fontRef idx="minor">
+            <a:schemeClr val="lt1"/>
+          </a:fontRef>
+        </p:style>
+        <p:txBody>
+          <a:bodyPr rtlCol="0" anchor="ctr"/>
+          <a:lstStyle/>
+          <a:p>
+            <a:r>
+              <a:rPr lang="zh-CN" altLang="en-US" sz="1400" dirty="0" smtClean="0"/>
+              <a:t>模型描述文件</a:t>
+            </a:r>
+            <a:r>
+              <a:rPr lang="en-US" altLang="zh-CN" sz="1400" dirty="0" smtClean="0"/>
+              <a:t>(Model)(xml)</a:t>
+            </a:r>
+            <a:endParaRPr lang="zh-CN" altLang="en-US" sz="1400" dirty="0"/>
+          </a:p>
+        </p:txBody>
+      </p:sp>
+      <p:cxnSp>
+        <p:nvCxnSpPr>
+          <p:cNvPr id="102" name="直接箭头连接符 14"/>
+          <p:cNvCxnSpPr>
+            <a:stCxn id="16" idx="2"/>
+            <a:endCxn id="101" idx="1"/>
+          </p:cNvCxnSpPr>
+          <p:nvPr/>
+        </p:nvCxnSpPr>
+        <p:spPr>
+          <a:xfrm rot="16200000" flipH="1">
+            <a:off x="1109876" y="2529463"/>
+            <a:ext cx="1846411" cy="507458"/>
+          </a:xfrm>
+          <a:prstGeom prst="bentConnector2">
+            <a:avLst/>
+          </a:prstGeom>
+          <a:ln w="12700">
+            <a:headEnd w="med" len="lg"/>
+            <a:tailEnd type="none" w="med" len="lg"/>
+          </a:ln>
+        </p:spPr>
+        <p:style>
+          <a:lnRef idx="1">
+            <a:schemeClr val="accent1"/>
+          </a:lnRef>
+          <a:fillRef idx="0">
+            <a:schemeClr val="accent1"/>
+          </a:fillRef>
+          <a:effectRef idx="0">
+            <a:schemeClr val="accent1"/>
+          </a:effectRef>
+          <a:fontRef idx="minor">
+            <a:schemeClr val="tx1"/>
+          </a:fontRef>
+        </p:style>
+      </p:cxnSp>
     </p:spTree>
     <p:extLst>
       <p:ext uri="{BB962C8B-B14F-4D97-AF65-F5344CB8AC3E}">
@@ -5339,7 +8911,7 @@
           <a:p>
             <a:r>
               <a:rPr lang="zh-CN" altLang="en-US" dirty="0" smtClean="0"/>
-              <a:t>模型</a:t>
+              <a:t>模型结构</a:t>
             </a:r>
             <a:endParaRPr lang="zh-CN" altLang="en-US" dirty="0"/>
           </a:p>
@@ -5353,7 +8925,7 @@
         </p:nvSpPr>
         <p:spPr>
           <a:xfrm>
-            <a:off x="739397" y="1538886"/>
+            <a:off x="753797" y="1358886"/>
             <a:ext cx="1285428" cy="216156"/>
           </a:xfrm>
           <a:prstGeom prst="roundRect">
@@ -5383,6 +8955,1554 @@
             <a:r>
               <a:rPr lang="en-US" altLang="zh-CN" sz="1200" dirty="0" smtClean="0"/>
               <a:t>Model</a:t>
+            </a:r>
+            <a:endParaRPr lang="zh-CN" altLang="en-US" sz="1200" dirty="0"/>
+          </a:p>
+        </p:txBody>
+      </p:sp>
+      <p:sp>
+        <p:nvSpPr>
+          <p:cNvPr id="17" name="圆角矩形 16"/>
+          <p:cNvSpPr/>
+          <p:nvPr/>
+        </p:nvSpPr>
+        <p:spPr>
+          <a:xfrm>
+            <a:off x="1658222" y="5007379"/>
+            <a:ext cx="1816220" cy="216156"/>
+          </a:xfrm>
+          <a:prstGeom prst="roundRect">
+            <a:avLst/>
+          </a:prstGeom>
+        </p:spPr>
+        <p:style>
+          <a:lnRef idx="2">
+            <a:schemeClr val="accent1">
+              <a:shade val="50000"/>
+            </a:schemeClr>
+          </a:lnRef>
+          <a:fillRef idx="1">
+            <a:schemeClr val="accent1"/>
+          </a:fillRef>
+          <a:effectRef idx="0">
+            <a:schemeClr val="accent1"/>
+          </a:effectRef>
+          <a:fontRef idx="minor">
+            <a:schemeClr val="lt1"/>
+          </a:fontRef>
+        </p:style>
+        <p:txBody>
+          <a:bodyPr lIns="72000" tIns="0" rIns="72000" bIns="0" rtlCol="0" anchor="ctr"/>
+          <a:lstStyle/>
+          <a:p>
+            <a:r>
+              <a:rPr lang="en-US" altLang="zh-CN" sz="1200" dirty="0" smtClean="0"/>
+              <a:t>Animations (</a:t>
+            </a:r>
+            <a:r>
+              <a:rPr lang="zh-CN" altLang="en-US" sz="1200" dirty="0" smtClean="0"/>
+              <a:t>动画集合</a:t>
+            </a:r>
+            <a:r>
+              <a:rPr lang="en-US" altLang="zh-CN" sz="1200" dirty="0" smtClean="0"/>
+              <a:t>)</a:t>
+            </a:r>
+            <a:endParaRPr lang="zh-CN" altLang="en-US" sz="1200" dirty="0"/>
+          </a:p>
+        </p:txBody>
+      </p:sp>
+      <p:sp>
+        <p:nvSpPr>
+          <p:cNvPr id="21" name="圆角矩形 20"/>
+          <p:cNvSpPr/>
+          <p:nvPr/>
+        </p:nvSpPr>
+        <p:spPr>
+          <a:xfrm>
+            <a:off x="1658223" y="1717962"/>
+            <a:ext cx="1816220" cy="216156"/>
+          </a:xfrm>
+          <a:prstGeom prst="roundRect">
+            <a:avLst/>
+          </a:prstGeom>
+        </p:spPr>
+        <p:style>
+          <a:lnRef idx="2">
+            <a:schemeClr val="accent1">
+              <a:shade val="50000"/>
+            </a:schemeClr>
+          </a:lnRef>
+          <a:fillRef idx="1">
+            <a:schemeClr val="accent1"/>
+          </a:fillRef>
+          <a:effectRef idx="0">
+            <a:schemeClr val="accent1"/>
+          </a:effectRef>
+          <a:fontRef idx="minor">
+            <a:schemeClr val="lt1"/>
+          </a:fontRef>
+        </p:style>
+        <p:txBody>
+          <a:bodyPr lIns="72000" tIns="0" rIns="72000" bIns="0" rtlCol="0" anchor="ctr"/>
+          <a:lstStyle/>
+          <a:p>
+            <a:r>
+              <a:rPr lang="en-US" altLang="zh-CN" sz="1200" dirty="0" err="1" smtClean="0"/>
+              <a:t>Meshs</a:t>
+            </a:r>
+            <a:endParaRPr lang="zh-CN" altLang="en-US" sz="1200" dirty="0"/>
+          </a:p>
+        </p:txBody>
+      </p:sp>
+      <p:sp>
+        <p:nvSpPr>
+          <p:cNvPr id="24" name="圆角矩形 23"/>
+          <p:cNvSpPr/>
+          <p:nvPr/>
+        </p:nvSpPr>
+        <p:spPr>
+          <a:xfrm>
+            <a:off x="3093084" y="4024947"/>
+            <a:ext cx="1816220" cy="216156"/>
+          </a:xfrm>
+          <a:prstGeom prst="roundRect">
+            <a:avLst/>
+          </a:prstGeom>
+        </p:spPr>
+        <p:style>
+          <a:lnRef idx="2">
+            <a:schemeClr val="accent1">
+              <a:shade val="50000"/>
+            </a:schemeClr>
+          </a:lnRef>
+          <a:fillRef idx="1">
+            <a:schemeClr val="accent1"/>
+          </a:fillRef>
+          <a:effectRef idx="0">
+            <a:schemeClr val="accent1"/>
+          </a:effectRef>
+          <a:fontRef idx="minor">
+            <a:schemeClr val="lt1"/>
+          </a:fontRef>
+        </p:style>
+        <p:txBody>
+          <a:bodyPr lIns="72000" tIns="0" rIns="72000" bIns="0" rtlCol="0" anchor="ctr"/>
+          <a:lstStyle/>
+          <a:p>
+            <a:r>
+              <a:rPr lang="en-US" altLang="zh-CN" sz="1200" dirty="0" smtClean="0"/>
+              <a:t>Skin</a:t>
+            </a:r>
+            <a:r>
+              <a:rPr lang="zh-CN" altLang="en-US" sz="1200" dirty="0" smtClean="0"/>
+              <a:t> </a:t>
+            </a:r>
+            <a:r>
+              <a:rPr lang="en-US" altLang="zh-CN" sz="1200" dirty="0" smtClean="0"/>
+              <a:t>(</a:t>
+            </a:r>
+            <a:r>
+              <a:rPr lang="zh-CN" altLang="en-US" sz="1200" dirty="0"/>
+              <a:t>蒙皮</a:t>
+            </a:r>
+            <a:r>
+              <a:rPr lang="en-US" altLang="zh-CN" sz="1200" dirty="0" smtClean="0"/>
+              <a:t>)</a:t>
+            </a:r>
+            <a:endParaRPr lang="zh-CN" altLang="en-US" sz="1200" dirty="0"/>
+          </a:p>
+        </p:txBody>
+      </p:sp>
+      <p:sp>
+        <p:nvSpPr>
+          <p:cNvPr id="25" name="圆角矩形 24"/>
+          <p:cNvSpPr/>
+          <p:nvPr/>
+        </p:nvSpPr>
+        <p:spPr>
+          <a:xfrm>
+            <a:off x="3093084" y="5356076"/>
+            <a:ext cx="1816220" cy="216156"/>
+          </a:xfrm>
+          <a:prstGeom prst="roundRect">
+            <a:avLst/>
+          </a:prstGeom>
+        </p:spPr>
+        <p:style>
+          <a:lnRef idx="2">
+            <a:schemeClr val="accent1">
+              <a:shade val="50000"/>
+            </a:schemeClr>
+          </a:lnRef>
+          <a:fillRef idx="1">
+            <a:schemeClr val="accent1"/>
+          </a:fillRef>
+          <a:effectRef idx="0">
+            <a:schemeClr val="accent1"/>
+          </a:effectRef>
+          <a:fontRef idx="minor">
+            <a:schemeClr val="lt1"/>
+          </a:fontRef>
+        </p:style>
+        <p:txBody>
+          <a:bodyPr lIns="72000" tIns="0" rIns="72000" bIns="0" rtlCol="0" anchor="ctr"/>
+          <a:lstStyle/>
+          <a:p>
+            <a:r>
+              <a:rPr lang="en-US" altLang="zh-CN" sz="1200" dirty="0" smtClean="0"/>
+              <a:t>Animation(</a:t>
+            </a:r>
+            <a:r>
+              <a:rPr lang="zh-CN" altLang="en-US" sz="1200" dirty="0"/>
+              <a:t>动画</a:t>
+            </a:r>
+            <a:r>
+              <a:rPr lang="en-US" altLang="zh-CN" sz="1200" dirty="0" smtClean="0"/>
+              <a:t>)</a:t>
+            </a:r>
+            <a:endParaRPr lang="zh-CN" altLang="en-US" sz="1200" dirty="0"/>
+          </a:p>
+        </p:txBody>
+      </p:sp>
+      <p:cxnSp>
+        <p:nvCxnSpPr>
+          <p:cNvPr id="26" name="直接箭头连接符 14"/>
+          <p:cNvCxnSpPr>
+            <a:stCxn id="16" idx="2"/>
+            <a:endCxn id="21" idx="1"/>
+          </p:cNvCxnSpPr>
+          <p:nvPr/>
+        </p:nvCxnSpPr>
+        <p:spPr>
+          <a:xfrm rot="16200000" flipH="1">
+            <a:off x="1401868" y="1569685"/>
+            <a:ext cx="250998" cy="261712"/>
+          </a:xfrm>
+          <a:prstGeom prst="bentConnector2">
+            <a:avLst/>
+          </a:prstGeom>
+          <a:ln w="12700">
+            <a:headEnd w="med" len="lg"/>
+            <a:tailEnd type="none" w="med" len="lg"/>
+          </a:ln>
+        </p:spPr>
+        <p:style>
+          <a:lnRef idx="1">
+            <a:schemeClr val="accent1"/>
+          </a:lnRef>
+          <a:fillRef idx="0">
+            <a:schemeClr val="accent1"/>
+          </a:fillRef>
+          <a:effectRef idx="0">
+            <a:schemeClr val="accent1"/>
+          </a:effectRef>
+          <a:fontRef idx="minor">
+            <a:schemeClr val="tx1"/>
+          </a:fontRef>
+        </p:style>
+      </p:cxnSp>
+      <p:cxnSp>
+        <p:nvCxnSpPr>
+          <p:cNvPr id="28" name="直接箭头连接符 14"/>
+          <p:cNvCxnSpPr>
+            <a:stCxn id="16" idx="2"/>
+            <a:endCxn id="17" idx="1"/>
+          </p:cNvCxnSpPr>
+          <p:nvPr/>
+        </p:nvCxnSpPr>
+        <p:spPr>
+          <a:xfrm rot="16200000" flipH="1">
+            <a:off x="-242841" y="3214393"/>
+            <a:ext cx="3540415" cy="261711"/>
+          </a:xfrm>
+          <a:prstGeom prst="bentConnector2">
+            <a:avLst/>
+          </a:prstGeom>
+          <a:ln w="12700">
+            <a:headEnd w="med" len="lg"/>
+            <a:tailEnd type="none" w="med" len="lg"/>
+          </a:ln>
+        </p:spPr>
+        <p:style>
+          <a:lnRef idx="1">
+            <a:schemeClr val="accent1"/>
+          </a:lnRef>
+          <a:fillRef idx="0">
+            <a:schemeClr val="accent1"/>
+          </a:fillRef>
+          <a:effectRef idx="0">
+            <a:schemeClr val="accent1"/>
+          </a:effectRef>
+          <a:fontRef idx="minor">
+            <a:schemeClr val="tx1"/>
+          </a:fontRef>
+        </p:style>
+      </p:cxnSp>
+      <p:cxnSp>
+        <p:nvCxnSpPr>
+          <p:cNvPr id="38" name="直接箭头连接符 14"/>
+          <p:cNvCxnSpPr>
+            <a:stCxn id="105" idx="1"/>
+            <a:endCxn id="24" idx="2"/>
+          </p:cNvCxnSpPr>
+          <p:nvPr/>
+        </p:nvCxnSpPr>
+        <p:spPr>
+          <a:xfrm rot="10800000">
+            <a:off x="4001194" y="4241104"/>
+            <a:ext cx="330336" cy="217427"/>
+          </a:xfrm>
+          <a:prstGeom prst="bentConnector2">
+            <a:avLst/>
+          </a:prstGeom>
+          <a:ln w="12700">
+            <a:headEnd w="med" len="lg"/>
+            <a:tailEnd type="none" w="med" len="lg"/>
+          </a:ln>
+        </p:spPr>
+        <p:style>
+          <a:lnRef idx="1">
+            <a:schemeClr val="accent1"/>
+          </a:lnRef>
+          <a:fillRef idx="0">
+            <a:schemeClr val="accent1"/>
+          </a:fillRef>
+          <a:effectRef idx="0">
+            <a:schemeClr val="accent1"/>
+          </a:effectRef>
+          <a:fontRef idx="minor">
+            <a:schemeClr val="tx1"/>
+          </a:fontRef>
+        </p:style>
+      </p:cxnSp>
+      <p:cxnSp>
+        <p:nvCxnSpPr>
+          <p:cNvPr id="41" name="直接箭头连接符 14"/>
+          <p:cNvCxnSpPr>
+            <a:stCxn id="17" idx="2"/>
+            <a:endCxn id="25" idx="1"/>
+          </p:cNvCxnSpPr>
+          <p:nvPr/>
+        </p:nvCxnSpPr>
+        <p:spPr>
+          <a:xfrm rot="16200000" flipH="1">
+            <a:off x="2709399" y="5080468"/>
+            <a:ext cx="240619" cy="526752"/>
+          </a:xfrm>
+          <a:prstGeom prst="bentConnector2">
+            <a:avLst/>
+          </a:prstGeom>
+          <a:ln w="12700">
+            <a:headEnd w="med" len="lg"/>
+            <a:tailEnd type="none" w="med" len="lg"/>
+          </a:ln>
+        </p:spPr>
+        <p:style>
+          <a:lnRef idx="1">
+            <a:schemeClr val="accent1"/>
+          </a:lnRef>
+          <a:fillRef idx="0">
+            <a:schemeClr val="accent1"/>
+          </a:fillRef>
+          <a:effectRef idx="0">
+            <a:schemeClr val="accent1"/>
+          </a:effectRef>
+          <a:fontRef idx="minor">
+            <a:schemeClr val="tx1"/>
+          </a:fontRef>
+        </p:style>
+      </p:cxnSp>
+      <p:sp>
+        <p:nvSpPr>
+          <p:cNvPr id="45" name="圆角矩形 44"/>
+          <p:cNvSpPr/>
+          <p:nvPr/>
+        </p:nvSpPr>
+        <p:spPr>
+          <a:xfrm>
+            <a:off x="4331530" y="2405871"/>
+            <a:ext cx="1816220" cy="216156"/>
+          </a:xfrm>
+          <a:prstGeom prst="roundRect">
+            <a:avLst/>
+          </a:prstGeom>
+        </p:spPr>
+        <p:style>
+          <a:lnRef idx="2">
+            <a:schemeClr val="accent1">
+              <a:shade val="50000"/>
+            </a:schemeClr>
+          </a:lnRef>
+          <a:fillRef idx="1">
+            <a:schemeClr val="accent1"/>
+          </a:fillRef>
+          <a:effectRef idx="0">
+            <a:schemeClr val="accent1"/>
+          </a:effectRef>
+          <a:fontRef idx="minor">
+            <a:schemeClr val="lt1"/>
+          </a:fontRef>
+        </p:style>
+        <p:txBody>
+          <a:bodyPr lIns="72000" tIns="0" rIns="72000" bIns="0" rtlCol="0" anchor="ctr"/>
+          <a:lstStyle/>
+          <a:p>
+            <a:r>
+              <a:rPr lang="en-US" altLang="zh-CN" sz="1200" dirty="0" smtClean="0"/>
+              <a:t>Outline</a:t>
+            </a:r>
+            <a:endParaRPr lang="zh-CN" altLang="en-US" sz="1200" dirty="0"/>
+          </a:p>
+        </p:txBody>
+      </p:sp>
+      <p:cxnSp>
+        <p:nvCxnSpPr>
+          <p:cNvPr id="29" name="直接箭头连接符 14"/>
+          <p:cNvCxnSpPr>
+            <a:stCxn id="31" idx="2"/>
+            <a:endCxn id="45" idx="1"/>
+          </p:cNvCxnSpPr>
+          <p:nvPr/>
+        </p:nvCxnSpPr>
+        <p:spPr>
+          <a:xfrm rot="16200000" flipH="1">
+            <a:off x="4054439" y="2236857"/>
+            <a:ext cx="223847" cy="330336"/>
+          </a:xfrm>
+          <a:prstGeom prst="bentConnector2">
+            <a:avLst/>
+          </a:prstGeom>
+          <a:ln w="12700">
+            <a:headEnd w="med" len="lg"/>
+            <a:tailEnd type="none" w="med" len="lg"/>
+          </a:ln>
+        </p:spPr>
+        <p:style>
+          <a:lnRef idx="1">
+            <a:schemeClr val="accent1"/>
+          </a:lnRef>
+          <a:fillRef idx="0">
+            <a:schemeClr val="accent1"/>
+          </a:fillRef>
+          <a:effectRef idx="0">
+            <a:schemeClr val="accent1"/>
+          </a:effectRef>
+          <a:fontRef idx="minor">
+            <a:schemeClr val="tx1"/>
+          </a:fontRef>
+        </p:style>
+      </p:cxnSp>
+      <p:sp>
+        <p:nvSpPr>
+          <p:cNvPr id="30" name="圆角矩形 29"/>
+          <p:cNvSpPr/>
+          <p:nvPr/>
+        </p:nvSpPr>
+        <p:spPr>
+          <a:xfrm>
+            <a:off x="4331530" y="2698897"/>
+            <a:ext cx="1816220" cy="216156"/>
+          </a:xfrm>
+          <a:prstGeom prst="roundRect">
+            <a:avLst/>
+          </a:prstGeom>
+        </p:spPr>
+        <p:style>
+          <a:lnRef idx="2">
+            <a:schemeClr val="accent1">
+              <a:shade val="50000"/>
+            </a:schemeClr>
+          </a:lnRef>
+          <a:fillRef idx="1">
+            <a:schemeClr val="accent1"/>
+          </a:fillRef>
+          <a:effectRef idx="0">
+            <a:schemeClr val="accent1"/>
+          </a:effectRef>
+          <a:fontRef idx="minor">
+            <a:schemeClr val="lt1"/>
+          </a:fontRef>
+        </p:style>
+        <p:txBody>
+          <a:bodyPr lIns="72000" tIns="0" rIns="72000" bIns="0" rtlCol="0" anchor="ctr"/>
+          <a:lstStyle/>
+          <a:p>
+            <a:r>
+              <a:rPr lang="en-US" altLang="zh-CN" sz="1200" dirty="0" err="1" smtClean="0"/>
+              <a:t>VertexStreams</a:t>
+            </a:r>
+            <a:endParaRPr lang="zh-CN" altLang="en-US" sz="1200" dirty="0"/>
+          </a:p>
+        </p:txBody>
+      </p:sp>
+      <p:cxnSp>
+        <p:nvCxnSpPr>
+          <p:cNvPr id="32" name="直接箭头连接符 14"/>
+          <p:cNvCxnSpPr>
+            <a:stCxn id="31" idx="2"/>
+            <a:endCxn id="30" idx="1"/>
+          </p:cNvCxnSpPr>
+          <p:nvPr/>
+        </p:nvCxnSpPr>
+        <p:spPr>
+          <a:xfrm rot="16200000" flipH="1">
+            <a:off x="3907926" y="2383370"/>
+            <a:ext cx="516873" cy="330336"/>
+          </a:xfrm>
+          <a:prstGeom prst="bentConnector2">
+            <a:avLst/>
+          </a:prstGeom>
+          <a:ln w="12700">
+            <a:headEnd w="med" len="lg"/>
+            <a:tailEnd type="none" w="med" len="lg"/>
+          </a:ln>
+        </p:spPr>
+        <p:style>
+          <a:lnRef idx="1">
+            <a:schemeClr val="accent1"/>
+          </a:lnRef>
+          <a:fillRef idx="0">
+            <a:schemeClr val="accent1"/>
+          </a:fillRef>
+          <a:effectRef idx="0">
+            <a:schemeClr val="accent1"/>
+          </a:effectRef>
+          <a:fontRef idx="minor">
+            <a:schemeClr val="tx1"/>
+          </a:fontRef>
+        </p:style>
+      </p:cxnSp>
+      <p:cxnSp>
+        <p:nvCxnSpPr>
+          <p:cNvPr id="35" name="直接箭头连接符 14"/>
+          <p:cNvCxnSpPr>
+            <a:stCxn id="30" idx="2"/>
+            <a:endCxn id="63" idx="1"/>
+          </p:cNvCxnSpPr>
+          <p:nvPr/>
+        </p:nvCxnSpPr>
+        <p:spPr>
+          <a:xfrm rot="16200000" flipH="1">
+            <a:off x="5344233" y="2810460"/>
+            <a:ext cx="210680" cy="419866"/>
+          </a:xfrm>
+          <a:prstGeom prst="bentConnector2">
+            <a:avLst/>
+          </a:prstGeom>
+          <a:ln w="12700">
+            <a:headEnd w="med" len="lg"/>
+            <a:tailEnd type="none" w="med" len="lg"/>
+          </a:ln>
+        </p:spPr>
+        <p:style>
+          <a:lnRef idx="1">
+            <a:schemeClr val="accent1"/>
+          </a:lnRef>
+          <a:fillRef idx="0">
+            <a:schemeClr val="accent1"/>
+          </a:fillRef>
+          <a:effectRef idx="0">
+            <a:schemeClr val="accent1"/>
+          </a:effectRef>
+          <a:fontRef idx="minor">
+            <a:schemeClr val="tx1"/>
+          </a:fontRef>
+        </p:style>
+      </p:cxnSp>
+      <p:sp>
+        <p:nvSpPr>
+          <p:cNvPr id="31" name="圆角矩形 30"/>
+          <p:cNvSpPr/>
+          <p:nvPr/>
+        </p:nvSpPr>
+        <p:spPr>
+          <a:xfrm>
+            <a:off x="3093084" y="2073946"/>
+            <a:ext cx="1816220" cy="216156"/>
+          </a:xfrm>
+          <a:prstGeom prst="roundRect">
+            <a:avLst/>
+          </a:prstGeom>
+        </p:spPr>
+        <p:style>
+          <a:lnRef idx="2">
+            <a:schemeClr val="accent1">
+              <a:shade val="50000"/>
+            </a:schemeClr>
+          </a:lnRef>
+          <a:fillRef idx="1">
+            <a:schemeClr val="accent1"/>
+          </a:fillRef>
+          <a:effectRef idx="0">
+            <a:schemeClr val="accent1"/>
+          </a:effectRef>
+          <a:fontRef idx="minor">
+            <a:schemeClr val="lt1"/>
+          </a:fontRef>
+        </p:style>
+        <p:txBody>
+          <a:bodyPr lIns="72000" tIns="0" rIns="72000" bIns="0" rtlCol="0" anchor="ctr"/>
+          <a:lstStyle/>
+          <a:p>
+            <a:r>
+              <a:rPr lang="zh-CN" altLang="en-US" sz="1200" dirty="0" smtClean="0"/>
+              <a:t>网格</a:t>
+            </a:r>
+            <a:r>
+              <a:rPr lang="en-US" altLang="zh-CN" sz="1200" dirty="0" smtClean="0"/>
+              <a:t>(mesh)</a:t>
+            </a:r>
+            <a:endParaRPr lang="zh-CN" altLang="en-US" sz="1200" dirty="0"/>
+          </a:p>
+        </p:txBody>
+      </p:sp>
+      <p:cxnSp>
+        <p:nvCxnSpPr>
+          <p:cNvPr id="36" name="直接箭头连接符 14"/>
+          <p:cNvCxnSpPr>
+            <a:stCxn id="21" idx="2"/>
+            <a:endCxn id="31" idx="1"/>
+          </p:cNvCxnSpPr>
+          <p:nvPr/>
+        </p:nvCxnSpPr>
+        <p:spPr>
+          <a:xfrm rot="16200000" flipH="1">
+            <a:off x="2705755" y="1794695"/>
+            <a:ext cx="247906" cy="526751"/>
+          </a:xfrm>
+          <a:prstGeom prst="bentConnector2">
+            <a:avLst/>
+          </a:prstGeom>
+          <a:ln w="12700">
+            <a:headEnd w="med" len="lg"/>
+            <a:tailEnd type="none" w="med" len="lg"/>
+          </a:ln>
+        </p:spPr>
+        <p:style>
+          <a:lnRef idx="1">
+            <a:schemeClr val="accent1"/>
+          </a:lnRef>
+          <a:fillRef idx="0">
+            <a:schemeClr val="accent1"/>
+          </a:fillRef>
+          <a:effectRef idx="0">
+            <a:schemeClr val="accent1"/>
+          </a:effectRef>
+          <a:fontRef idx="minor">
+            <a:schemeClr val="tx1"/>
+          </a:fontRef>
+        </p:style>
+      </p:cxnSp>
+      <p:sp>
+        <p:nvSpPr>
+          <p:cNvPr id="63" name="圆角矩形 62"/>
+          <p:cNvSpPr/>
+          <p:nvPr/>
+        </p:nvSpPr>
+        <p:spPr>
+          <a:xfrm>
+            <a:off x="5659506" y="3017655"/>
+            <a:ext cx="1816220" cy="216156"/>
+          </a:xfrm>
+          <a:prstGeom prst="roundRect">
+            <a:avLst/>
+          </a:prstGeom>
+        </p:spPr>
+        <p:style>
+          <a:lnRef idx="2">
+            <a:schemeClr val="accent1">
+              <a:shade val="50000"/>
+            </a:schemeClr>
+          </a:lnRef>
+          <a:fillRef idx="1">
+            <a:schemeClr val="accent1"/>
+          </a:fillRef>
+          <a:effectRef idx="0">
+            <a:schemeClr val="accent1"/>
+          </a:effectRef>
+          <a:fontRef idx="minor">
+            <a:schemeClr val="lt1"/>
+          </a:fontRef>
+        </p:style>
+        <p:txBody>
+          <a:bodyPr lIns="72000" tIns="0" rIns="72000" bIns="0" rtlCol="0" anchor="ctr"/>
+          <a:lstStyle/>
+          <a:p>
+            <a:r>
+              <a:rPr lang="en-US" altLang="zh-CN" sz="1200" dirty="0" smtClean="0"/>
+              <a:t>Stream</a:t>
+            </a:r>
+            <a:endParaRPr lang="zh-CN" altLang="en-US" sz="1200" dirty="0"/>
+          </a:p>
+        </p:txBody>
+      </p:sp>
+      <p:sp>
+        <p:nvSpPr>
+          <p:cNvPr id="105" name="圆角矩形 104"/>
+          <p:cNvSpPr/>
+          <p:nvPr/>
+        </p:nvSpPr>
+        <p:spPr>
+          <a:xfrm>
+            <a:off x="4331530" y="4350452"/>
+            <a:ext cx="1816220" cy="216156"/>
+          </a:xfrm>
+          <a:prstGeom prst="roundRect">
+            <a:avLst/>
+          </a:prstGeom>
+        </p:spPr>
+        <p:style>
+          <a:lnRef idx="2">
+            <a:schemeClr val="accent1">
+              <a:shade val="50000"/>
+            </a:schemeClr>
+          </a:lnRef>
+          <a:fillRef idx="1">
+            <a:schemeClr val="accent1"/>
+          </a:fillRef>
+          <a:effectRef idx="0">
+            <a:schemeClr val="accent1"/>
+          </a:effectRef>
+          <a:fontRef idx="minor">
+            <a:schemeClr val="lt1"/>
+          </a:fontRef>
+        </p:style>
+        <p:txBody>
+          <a:bodyPr lIns="72000" tIns="0" rIns="72000" bIns="0" rtlCol="0" anchor="ctr"/>
+          <a:lstStyle/>
+          <a:p>
+            <a:r>
+              <a:rPr lang="en-US" altLang="zh-CN" sz="1200" dirty="0" smtClean="0"/>
+              <a:t>Skeletons (</a:t>
+            </a:r>
+            <a:r>
+              <a:rPr lang="zh-CN" altLang="en-US" sz="1200" dirty="0" smtClean="0"/>
+              <a:t>骨骼集合</a:t>
+            </a:r>
+            <a:r>
+              <a:rPr lang="en-US" altLang="zh-CN" sz="1200" dirty="0" smtClean="0"/>
+              <a:t>)</a:t>
+            </a:r>
+            <a:endParaRPr lang="zh-CN" altLang="en-US" sz="1200" dirty="0"/>
+          </a:p>
+        </p:txBody>
+      </p:sp>
+      <p:sp>
+        <p:nvSpPr>
+          <p:cNvPr id="33" name="圆角矩形 32"/>
+          <p:cNvSpPr/>
+          <p:nvPr/>
+        </p:nvSpPr>
+        <p:spPr>
+          <a:xfrm>
+            <a:off x="4345049" y="3337047"/>
+            <a:ext cx="1816220" cy="216156"/>
+          </a:xfrm>
+          <a:prstGeom prst="roundRect">
+            <a:avLst/>
+          </a:prstGeom>
+        </p:spPr>
+        <p:style>
+          <a:lnRef idx="2">
+            <a:schemeClr val="accent1">
+              <a:shade val="50000"/>
+            </a:schemeClr>
+          </a:lnRef>
+          <a:fillRef idx="1">
+            <a:schemeClr val="accent1"/>
+          </a:fillRef>
+          <a:effectRef idx="0">
+            <a:schemeClr val="accent1"/>
+          </a:effectRef>
+          <a:fontRef idx="minor">
+            <a:schemeClr val="lt1"/>
+          </a:fontRef>
+        </p:style>
+        <p:txBody>
+          <a:bodyPr lIns="72000" tIns="0" rIns="72000" bIns="0" rtlCol="0" anchor="ctr"/>
+          <a:lstStyle/>
+          <a:p>
+            <a:r>
+              <a:rPr lang="en-US" altLang="zh-CN" sz="1200" dirty="0" err="1" smtClean="0"/>
+              <a:t>IndexStreams</a:t>
+            </a:r>
+            <a:endParaRPr lang="zh-CN" altLang="en-US" sz="1200" dirty="0"/>
+          </a:p>
+        </p:txBody>
+      </p:sp>
+      <p:cxnSp>
+        <p:nvCxnSpPr>
+          <p:cNvPr id="37" name="直接箭头连接符 14"/>
+          <p:cNvCxnSpPr>
+            <a:stCxn id="31" idx="2"/>
+            <a:endCxn id="33" idx="1"/>
+          </p:cNvCxnSpPr>
+          <p:nvPr/>
+        </p:nvCxnSpPr>
+        <p:spPr>
+          <a:xfrm rot="16200000" flipH="1">
+            <a:off x="3595610" y="2695685"/>
+            <a:ext cx="1155023" cy="343855"/>
+          </a:xfrm>
+          <a:prstGeom prst="bentConnector2">
+            <a:avLst/>
+          </a:prstGeom>
+          <a:ln w="12700">
+            <a:headEnd w="med" len="lg"/>
+            <a:tailEnd type="none" w="med" len="lg"/>
+          </a:ln>
+        </p:spPr>
+        <p:style>
+          <a:lnRef idx="1">
+            <a:schemeClr val="accent1"/>
+          </a:lnRef>
+          <a:fillRef idx="0">
+            <a:schemeClr val="accent1"/>
+          </a:fillRef>
+          <a:effectRef idx="0">
+            <a:schemeClr val="accent1"/>
+          </a:effectRef>
+          <a:fontRef idx="minor">
+            <a:schemeClr val="tx1"/>
+          </a:fontRef>
+        </p:style>
+      </p:cxnSp>
+      <p:sp>
+        <p:nvSpPr>
+          <p:cNvPr id="39" name="圆角矩形 38"/>
+          <p:cNvSpPr/>
+          <p:nvPr/>
+        </p:nvSpPr>
+        <p:spPr>
+          <a:xfrm>
+            <a:off x="5659506" y="3651087"/>
+            <a:ext cx="1816220" cy="216156"/>
+          </a:xfrm>
+          <a:prstGeom prst="roundRect">
+            <a:avLst/>
+          </a:prstGeom>
+        </p:spPr>
+        <p:style>
+          <a:lnRef idx="2">
+            <a:schemeClr val="accent1">
+              <a:shade val="50000"/>
+            </a:schemeClr>
+          </a:lnRef>
+          <a:fillRef idx="1">
+            <a:schemeClr val="accent1"/>
+          </a:fillRef>
+          <a:effectRef idx="0">
+            <a:schemeClr val="accent1"/>
+          </a:effectRef>
+          <a:fontRef idx="minor">
+            <a:schemeClr val="lt1"/>
+          </a:fontRef>
+        </p:style>
+        <p:txBody>
+          <a:bodyPr lIns="72000" tIns="0" rIns="72000" bIns="0" rtlCol="0" anchor="ctr"/>
+          <a:lstStyle/>
+          <a:p>
+            <a:r>
+              <a:rPr lang="en-US" altLang="zh-CN" sz="1200" dirty="0" smtClean="0"/>
+              <a:t>Stream</a:t>
+            </a:r>
+            <a:endParaRPr lang="zh-CN" altLang="en-US" sz="1200" dirty="0"/>
+          </a:p>
+        </p:txBody>
+      </p:sp>
+      <p:cxnSp>
+        <p:nvCxnSpPr>
+          <p:cNvPr id="40" name="直接箭头连接符 14"/>
+          <p:cNvCxnSpPr>
+            <a:stCxn id="33" idx="2"/>
+            <a:endCxn id="39" idx="1"/>
+          </p:cNvCxnSpPr>
+          <p:nvPr/>
+        </p:nvCxnSpPr>
+        <p:spPr>
+          <a:xfrm rot="16200000" flipH="1">
+            <a:off x="5353351" y="3453010"/>
+            <a:ext cx="205962" cy="406347"/>
+          </a:xfrm>
+          <a:prstGeom prst="bentConnector2">
+            <a:avLst/>
+          </a:prstGeom>
+          <a:ln w="12700">
+            <a:headEnd w="med" len="lg"/>
+            <a:tailEnd type="none" w="med" len="lg"/>
+          </a:ln>
+        </p:spPr>
+        <p:style>
+          <a:lnRef idx="1">
+            <a:schemeClr val="accent1"/>
+          </a:lnRef>
+          <a:fillRef idx="0">
+            <a:schemeClr val="accent1"/>
+          </a:fillRef>
+          <a:effectRef idx="0">
+            <a:schemeClr val="accent1"/>
+          </a:effectRef>
+          <a:fontRef idx="minor">
+            <a:schemeClr val="tx1"/>
+          </a:fontRef>
+        </p:style>
+      </p:cxnSp>
+      <p:cxnSp>
+        <p:nvCxnSpPr>
+          <p:cNvPr id="46" name="直接箭头连接符 14"/>
+          <p:cNvCxnSpPr>
+            <a:stCxn id="89" idx="2"/>
+            <a:endCxn id="24" idx="1"/>
+          </p:cNvCxnSpPr>
+          <p:nvPr/>
+        </p:nvCxnSpPr>
+        <p:spPr>
+          <a:xfrm rot="16200000" flipH="1">
+            <a:off x="2720995" y="3760935"/>
+            <a:ext cx="217427" cy="526751"/>
+          </a:xfrm>
+          <a:prstGeom prst="bentConnector2">
+            <a:avLst/>
+          </a:prstGeom>
+          <a:ln w="12700">
+            <a:headEnd w="med" len="lg"/>
+            <a:tailEnd type="none" w="med" len="lg"/>
+          </a:ln>
+        </p:spPr>
+        <p:style>
+          <a:lnRef idx="1">
+            <a:schemeClr val="accent1"/>
+          </a:lnRef>
+          <a:fillRef idx="0">
+            <a:schemeClr val="accent1"/>
+          </a:fillRef>
+          <a:effectRef idx="0">
+            <a:schemeClr val="accent1"/>
+          </a:effectRef>
+          <a:fontRef idx="minor">
+            <a:schemeClr val="tx1"/>
+          </a:fontRef>
+        </p:style>
+      </p:cxnSp>
+      <p:sp>
+        <p:nvSpPr>
+          <p:cNvPr id="74" name="圆角矩形 73"/>
+          <p:cNvSpPr/>
+          <p:nvPr/>
+        </p:nvSpPr>
+        <p:spPr>
+          <a:xfrm>
+            <a:off x="5659507" y="4673178"/>
+            <a:ext cx="1816220" cy="216156"/>
+          </a:xfrm>
+          <a:prstGeom prst="roundRect">
+            <a:avLst/>
+          </a:prstGeom>
+        </p:spPr>
+        <p:style>
+          <a:lnRef idx="2">
+            <a:schemeClr val="accent1">
+              <a:shade val="50000"/>
+            </a:schemeClr>
+          </a:lnRef>
+          <a:fillRef idx="1">
+            <a:schemeClr val="accent1"/>
+          </a:fillRef>
+          <a:effectRef idx="0">
+            <a:schemeClr val="accent1"/>
+          </a:effectRef>
+          <a:fontRef idx="minor">
+            <a:schemeClr val="lt1"/>
+          </a:fontRef>
+        </p:style>
+        <p:txBody>
+          <a:bodyPr lIns="72000" tIns="0" rIns="72000" bIns="0" rtlCol="0" anchor="ctr"/>
+          <a:lstStyle/>
+          <a:p>
+            <a:r>
+              <a:rPr lang="en-US" altLang="zh-CN" sz="1200" dirty="0" smtClean="0"/>
+              <a:t>Skeleton (</a:t>
+            </a:r>
+            <a:r>
+              <a:rPr lang="zh-CN" altLang="en-US" sz="1200" dirty="0" smtClean="0"/>
+              <a:t>骨骼</a:t>
+            </a:r>
+            <a:r>
+              <a:rPr lang="en-US" altLang="zh-CN" sz="1200" dirty="0" smtClean="0"/>
+              <a:t>)</a:t>
+            </a:r>
+            <a:endParaRPr lang="zh-CN" altLang="en-US" sz="1200" dirty="0"/>
+          </a:p>
+        </p:txBody>
+      </p:sp>
+      <p:cxnSp>
+        <p:nvCxnSpPr>
+          <p:cNvPr id="75" name="直接箭头连接符 14"/>
+          <p:cNvCxnSpPr>
+            <a:stCxn id="74" idx="1"/>
+            <a:endCxn id="105" idx="2"/>
+          </p:cNvCxnSpPr>
+          <p:nvPr/>
+        </p:nvCxnSpPr>
+        <p:spPr>
+          <a:xfrm rot="10800000">
+            <a:off x="5239641" y="4566608"/>
+            <a:ext cx="419867" cy="214648"/>
+          </a:xfrm>
+          <a:prstGeom prst="bentConnector2">
+            <a:avLst/>
+          </a:prstGeom>
+          <a:ln w="12700">
+            <a:headEnd w="med" len="lg"/>
+            <a:tailEnd type="none" w="med" len="lg"/>
+          </a:ln>
+        </p:spPr>
+        <p:style>
+          <a:lnRef idx="1">
+            <a:schemeClr val="accent1"/>
+          </a:lnRef>
+          <a:fillRef idx="0">
+            <a:schemeClr val="accent1"/>
+          </a:fillRef>
+          <a:effectRef idx="0">
+            <a:schemeClr val="accent1"/>
+          </a:effectRef>
+          <a:fontRef idx="minor">
+            <a:schemeClr val="tx1"/>
+          </a:fontRef>
+        </p:style>
+      </p:cxnSp>
+      <p:sp>
+        <p:nvSpPr>
+          <p:cNvPr id="81" name="圆角矩形 80"/>
+          <p:cNvSpPr/>
+          <p:nvPr/>
+        </p:nvSpPr>
+        <p:spPr>
+          <a:xfrm>
+            <a:off x="4331530" y="5704773"/>
+            <a:ext cx="1816220" cy="216156"/>
+          </a:xfrm>
+          <a:prstGeom prst="roundRect">
+            <a:avLst/>
+          </a:prstGeom>
+        </p:spPr>
+        <p:style>
+          <a:lnRef idx="2">
+            <a:schemeClr val="accent1">
+              <a:shade val="50000"/>
+            </a:schemeClr>
+          </a:lnRef>
+          <a:fillRef idx="1">
+            <a:schemeClr val="accent1"/>
+          </a:fillRef>
+          <a:effectRef idx="0">
+            <a:schemeClr val="accent1"/>
+          </a:effectRef>
+          <a:fontRef idx="minor">
+            <a:schemeClr val="lt1"/>
+          </a:fontRef>
+        </p:style>
+        <p:txBody>
+          <a:bodyPr lIns="72000" tIns="0" rIns="72000" bIns="0" rtlCol="0" anchor="ctr"/>
+          <a:lstStyle/>
+          <a:p>
+            <a:r>
+              <a:rPr lang="en-US" altLang="zh-CN" sz="1200" dirty="0" smtClean="0"/>
+              <a:t>Tracks (</a:t>
+            </a:r>
+            <a:r>
+              <a:rPr lang="zh-CN" altLang="en-US" sz="1200" dirty="0" smtClean="0"/>
+              <a:t>跟踪集合</a:t>
+            </a:r>
+            <a:r>
+              <a:rPr lang="en-US" altLang="zh-CN" sz="1200" dirty="0" smtClean="0"/>
+              <a:t>)</a:t>
+            </a:r>
+            <a:endParaRPr lang="zh-CN" altLang="en-US" sz="1200" dirty="0"/>
+          </a:p>
+        </p:txBody>
+      </p:sp>
+      <p:cxnSp>
+        <p:nvCxnSpPr>
+          <p:cNvPr id="82" name="直接箭头连接符 14"/>
+          <p:cNvCxnSpPr>
+            <a:stCxn id="25" idx="2"/>
+            <a:endCxn id="81" idx="1"/>
+          </p:cNvCxnSpPr>
+          <p:nvPr/>
+        </p:nvCxnSpPr>
+        <p:spPr>
+          <a:xfrm rot="16200000" flipH="1">
+            <a:off x="4046053" y="5527373"/>
+            <a:ext cx="240619" cy="330336"/>
+          </a:xfrm>
+          <a:prstGeom prst="bentConnector2">
+            <a:avLst/>
+          </a:prstGeom>
+          <a:ln w="12700">
+            <a:headEnd w="med" len="lg"/>
+            <a:tailEnd type="none" w="med" len="lg"/>
+          </a:ln>
+        </p:spPr>
+        <p:style>
+          <a:lnRef idx="1">
+            <a:schemeClr val="accent1"/>
+          </a:lnRef>
+          <a:fillRef idx="0">
+            <a:schemeClr val="accent1"/>
+          </a:fillRef>
+          <a:effectRef idx="0">
+            <a:schemeClr val="accent1"/>
+          </a:effectRef>
+          <a:fontRef idx="minor">
+            <a:schemeClr val="tx1"/>
+          </a:fontRef>
+        </p:style>
+      </p:cxnSp>
+      <p:sp>
+        <p:nvSpPr>
+          <p:cNvPr id="89" name="圆角矩形 88"/>
+          <p:cNvSpPr/>
+          <p:nvPr/>
+        </p:nvSpPr>
+        <p:spPr>
+          <a:xfrm>
+            <a:off x="1658223" y="3699442"/>
+            <a:ext cx="1816220" cy="216156"/>
+          </a:xfrm>
+          <a:prstGeom prst="roundRect">
+            <a:avLst/>
+          </a:prstGeom>
+        </p:spPr>
+        <p:style>
+          <a:lnRef idx="2">
+            <a:schemeClr val="accent1">
+              <a:shade val="50000"/>
+            </a:schemeClr>
+          </a:lnRef>
+          <a:fillRef idx="1">
+            <a:schemeClr val="accent1"/>
+          </a:fillRef>
+          <a:effectRef idx="0">
+            <a:schemeClr val="accent1"/>
+          </a:effectRef>
+          <a:fontRef idx="minor">
+            <a:schemeClr val="lt1"/>
+          </a:fontRef>
+        </p:style>
+        <p:txBody>
+          <a:bodyPr lIns="72000" tIns="0" rIns="72000" bIns="0" rtlCol="0" anchor="ctr"/>
+          <a:lstStyle/>
+          <a:p>
+            <a:r>
+              <a:rPr lang="en-US" altLang="zh-CN" sz="1200" dirty="0" smtClean="0"/>
+              <a:t>Skins (</a:t>
+            </a:r>
+            <a:r>
+              <a:rPr lang="zh-CN" altLang="en-US" sz="1200" dirty="0" smtClean="0"/>
+              <a:t>蒙皮集合</a:t>
+            </a:r>
+            <a:r>
+              <a:rPr lang="en-US" altLang="zh-CN" sz="1200" dirty="0" smtClean="0"/>
+              <a:t>)</a:t>
+            </a:r>
+            <a:endParaRPr lang="zh-CN" altLang="en-US" sz="1200" dirty="0"/>
+          </a:p>
+        </p:txBody>
+      </p:sp>
+      <p:cxnSp>
+        <p:nvCxnSpPr>
+          <p:cNvPr id="90" name="直接箭头连接符 14"/>
+          <p:cNvCxnSpPr>
+            <a:stCxn id="16" idx="2"/>
+            <a:endCxn id="89" idx="1"/>
+          </p:cNvCxnSpPr>
+          <p:nvPr/>
+        </p:nvCxnSpPr>
+        <p:spPr>
+          <a:xfrm rot="16200000" flipH="1">
+            <a:off x="411128" y="2560425"/>
+            <a:ext cx="2232478" cy="261712"/>
+          </a:xfrm>
+          <a:prstGeom prst="bentConnector2">
+            <a:avLst/>
+          </a:prstGeom>
+          <a:ln w="12700">
+            <a:headEnd w="med" len="lg"/>
+            <a:tailEnd type="none" w="med" len="lg"/>
+          </a:ln>
+        </p:spPr>
+        <p:style>
+          <a:lnRef idx="1">
+            <a:schemeClr val="accent1"/>
+          </a:lnRef>
+          <a:fillRef idx="0">
+            <a:schemeClr val="accent1"/>
+          </a:fillRef>
+          <a:effectRef idx="0">
+            <a:schemeClr val="accent1"/>
+          </a:effectRef>
+          <a:fontRef idx="minor">
+            <a:schemeClr val="tx1"/>
+          </a:fontRef>
+        </p:style>
+      </p:cxnSp>
+      <p:sp>
+        <p:nvSpPr>
+          <p:cNvPr id="95" name="圆角矩形 94"/>
+          <p:cNvSpPr/>
+          <p:nvPr/>
+        </p:nvSpPr>
+        <p:spPr>
+          <a:xfrm>
+            <a:off x="6979637" y="5012222"/>
+            <a:ext cx="1816220" cy="216156"/>
+          </a:xfrm>
+          <a:prstGeom prst="roundRect">
+            <a:avLst/>
+          </a:prstGeom>
+        </p:spPr>
+        <p:style>
+          <a:lnRef idx="2">
+            <a:schemeClr val="accent1">
+              <a:shade val="50000"/>
+            </a:schemeClr>
+          </a:lnRef>
+          <a:fillRef idx="1">
+            <a:schemeClr val="accent1"/>
+          </a:fillRef>
+          <a:effectRef idx="0">
+            <a:schemeClr val="accent1"/>
+          </a:effectRef>
+          <a:fontRef idx="minor">
+            <a:schemeClr val="lt1"/>
+          </a:fontRef>
+        </p:style>
+        <p:txBody>
+          <a:bodyPr lIns="72000" tIns="0" rIns="72000" bIns="0" rtlCol="0" anchor="ctr"/>
+          <a:lstStyle/>
+          <a:p>
+            <a:r>
+              <a:rPr lang="en-US" altLang="zh-CN" sz="1200" dirty="0" smtClean="0"/>
+              <a:t>Bones (</a:t>
+            </a:r>
+            <a:r>
+              <a:rPr lang="zh-CN" altLang="en-US" sz="1200" dirty="0" smtClean="0"/>
+              <a:t>骨头集合</a:t>
+            </a:r>
+            <a:r>
+              <a:rPr lang="en-US" altLang="zh-CN" sz="1200" dirty="0" smtClean="0"/>
+              <a:t>)</a:t>
+            </a:r>
+            <a:endParaRPr lang="zh-CN" altLang="en-US" sz="1200" dirty="0"/>
+          </a:p>
+        </p:txBody>
+      </p:sp>
+      <p:cxnSp>
+        <p:nvCxnSpPr>
+          <p:cNvPr id="96" name="直接箭头连接符 14"/>
+          <p:cNvCxnSpPr>
+            <a:stCxn id="95" idx="1"/>
+            <a:endCxn id="74" idx="2"/>
+          </p:cNvCxnSpPr>
+          <p:nvPr/>
+        </p:nvCxnSpPr>
+        <p:spPr>
+          <a:xfrm rot="10800000">
+            <a:off x="6567617" y="4889334"/>
+            <a:ext cx="412020" cy="230966"/>
+          </a:xfrm>
+          <a:prstGeom prst="bentConnector2">
+            <a:avLst/>
+          </a:prstGeom>
+          <a:ln w="12700">
+            <a:headEnd w="med" len="lg"/>
+            <a:tailEnd type="none" w="med" len="lg"/>
+          </a:ln>
+        </p:spPr>
+        <p:style>
+          <a:lnRef idx="1">
+            <a:schemeClr val="accent1"/>
+          </a:lnRef>
+          <a:fillRef idx="0">
+            <a:schemeClr val="accent1"/>
+          </a:fillRef>
+          <a:effectRef idx="0">
+            <a:schemeClr val="accent1"/>
+          </a:effectRef>
+          <a:fontRef idx="minor">
+            <a:schemeClr val="tx1"/>
+          </a:fontRef>
+        </p:style>
+      </p:cxnSp>
+      <p:sp>
+        <p:nvSpPr>
+          <p:cNvPr id="101" name="圆角矩形 100"/>
+          <p:cNvSpPr/>
+          <p:nvPr/>
+        </p:nvSpPr>
+        <p:spPr>
+          <a:xfrm>
+            <a:off x="8290037" y="5332225"/>
+            <a:ext cx="1816220" cy="216156"/>
+          </a:xfrm>
+          <a:prstGeom prst="roundRect">
+            <a:avLst/>
+          </a:prstGeom>
+        </p:spPr>
+        <p:style>
+          <a:lnRef idx="2">
+            <a:schemeClr val="accent1">
+              <a:shade val="50000"/>
+            </a:schemeClr>
+          </a:lnRef>
+          <a:fillRef idx="1">
+            <a:schemeClr val="accent1"/>
+          </a:fillRef>
+          <a:effectRef idx="0">
+            <a:schemeClr val="accent1"/>
+          </a:effectRef>
+          <a:fontRef idx="minor">
+            <a:schemeClr val="lt1"/>
+          </a:fontRef>
+        </p:style>
+        <p:txBody>
+          <a:bodyPr lIns="72000" tIns="0" rIns="72000" bIns="0" rtlCol="0" anchor="ctr"/>
+          <a:lstStyle/>
+          <a:p>
+            <a:r>
+              <a:rPr lang="en-US" altLang="zh-CN" sz="1200" dirty="0" smtClean="0"/>
+              <a:t>Bone (</a:t>
+            </a:r>
+            <a:r>
+              <a:rPr lang="zh-CN" altLang="en-US" sz="1200" dirty="0" smtClean="0"/>
+              <a:t>骨头</a:t>
+            </a:r>
+            <a:r>
+              <a:rPr lang="en-US" altLang="zh-CN" sz="1200" dirty="0" smtClean="0"/>
+              <a:t>)</a:t>
+            </a:r>
+            <a:endParaRPr lang="zh-CN" altLang="en-US" sz="1200" dirty="0"/>
+          </a:p>
+        </p:txBody>
+      </p:sp>
+      <p:cxnSp>
+        <p:nvCxnSpPr>
+          <p:cNvPr id="102" name="直接箭头连接符 14"/>
+          <p:cNvCxnSpPr>
+            <a:stCxn id="101" idx="1"/>
+            <a:endCxn id="95" idx="2"/>
+          </p:cNvCxnSpPr>
+          <p:nvPr/>
+        </p:nvCxnSpPr>
+        <p:spPr>
+          <a:xfrm rot="10800000">
+            <a:off x="7887747" y="5228379"/>
+            <a:ext cx="402290" cy="211925"/>
+          </a:xfrm>
+          <a:prstGeom prst="bentConnector2">
+            <a:avLst/>
+          </a:prstGeom>
+          <a:ln w="12700">
+            <a:headEnd w="med" len="lg"/>
+            <a:tailEnd type="none" w="med" len="lg"/>
+          </a:ln>
+        </p:spPr>
+        <p:style>
+          <a:lnRef idx="1">
+            <a:schemeClr val="accent1"/>
+          </a:lnRef>
+          <a:fillRef idx="0">
+            <a:schemeClr val="accent1"/>
+          </a:fillRef>
+          <a:effectRef idx="0">
+            <a:schemeClr val="accent1"/>
+          </a:effectRef>
+          <a:fontRef idx="minor">
+            <a:schemeClr val="tx1"/>
+          </a:fontRef>
+        </p:style>
+      </p:cxnSp>
+      <p:sp>
+        <p:nvSpPr>
+          <p:cNvPr id="113" name="圆角矩形 112"/>
+          <p:cNvSpPr/>
+          <p:nvPr/>
+        </p:nvSpPr>
+        <p:spPr>
+          <a:xfrm>
+            <a:off x="5659506" y="6017729"/>
+            <a:ext cx="1816220" cy="216156"/>
+          </a:xfrm>
+          <a:prstGeom prst="roundRect">
+            <a:avLst/>
+          </a:prstGeom>
+        </p:spPr>
+        <p:style>
+          <a:lnRef idx="2">
+            <a:schemeClr val="accent1">
+              <a:shade val="50000"/>
+            </a:schemeClr>
+          </a:lnRef>
+          <a:fillRef idx="1">
+            <a:schemeClr val="accent1"/>
+          </a:fillRef>
+          <a:effectRef idx="0">
+            <a:schemeClr val="accent1"/>
+          </a:effectRef>
+          <a:fontRef idx="minor">
+            <a:schemeClr val="lt1"/>
+          </a:fontRef>
+        </p:style>
+        <p:txBody>
+          <a:bodyPr lIns="72000" tIns="0" rIns="72000" bIns="0" rtlCol="0" anchor="ctr"/>
+          <a:lstStyle/>
+          <a:p>
+            <a:r>
+              <a:rPr lang="en-US" altLang="zh-CN" sz="1200" dirty="0" smtClean="0"/>
+              <a:t>Track (</a:t>
+            </a:r>
+            <a:r>
+              <a:rPr lang="zh-CN" altLang="en-US" sz="1200" dirty="0" smtClean="0"/>
+              <a:t>跟踪</a:t>
+            </a:r>
+            <a:r>
+              <a:rPr lang="en-US" altLang="zh-CN" sz="1200" dirty="0" smtClean="0"/>
+              <a:t>)</a:t>
+            </a:r>
+            <a:endParaRPr lang="zh-CN" altLang="en-US" sz="1200" dirty="0"/>
+          </a:p>
+        </p:txBody>
+      </p:sp>
+      <p:cxnSp>
+        <p:nvCxnSpPr>
+          <p:cNvPr id="114" name="直接箭头连接符 14"/>
+          <p:cNvCxnSpPr>
+            <a:stCxn id="81" idx="2"/>
+            <a:endCxn id="113" idx="1"/>
+          </p:cNvCxnSpPr>
+          <p:nvPr/>
+        </p:nvCxnSpPr>
+        <p:spPr>
+          <a:xfrm rot="16200000" flipH="1">
+            <a:off x="5347134" y="5813435"/>
+            <a:ext cx="204878" cy="419866"/>
+          </a:xfrm>
+          <a:prstGeom prst="bentConnector2">
+            <a:avLst/>
+          </a:prstGeom>
+          <a:ln w="12700">
+            <a:headEnd w="med" len="lg"/>
+            <a:tailEnd type="none" w="med" len="lg"/>
+          </a:ln>
+        </p:spPr>
+        <p:style>
+          <a:lnRef idx="1">
+            <a:schemeClr val="accent1"/>
+          </a:lnRef>
+          <a:fillRef idx="0">
+            <a:schemeClr val="accent1"/>
+          </a:fillRef>
+          <a:effectRef idx="0">
+            <a:schemeClr val="accent1"/>
+          </a:effectRef>
+          <a:fontRef idx="minor">
+            <a:schemeClr val="tx1"/>
+          </a:fontRef>
+        </p:style>
+      </p:cxnSp>
+    </p:spTree>
+    <p:extLst>
+      <p:ext uri="{BB962C8B-B14F-4D97-AF65-F5344CB8AC3E}">
+        <p14:creationId xmlns:p14="http://schemas.microsoft.com/office/powerpoint/2010/main" val="2591323529"/>
+      </p:ext>
+    </p:extLst>
+  </p:cSld>
+  <p:clrMapOvr>
+    <a:masterClrMapping/>
+  </p:clrMapOvr>
+</p:sld>
+</file>
+
+<file path=ppt/slides/slide9.xml><?xml version="1.0" encoding="utf-8"?>
+<p:sld xmlns:a="http://schemas.openxmlformats.org/drawingml/2006/main" xmlns:r="http://schemas.openxmlformats.org/officeDocument/2006/relationships" xmlns:p="http://schemas.openxmlformats.org/presentationml/2006/main">
+  <p:cSld>
+    <p:spTree>
+      <p:nvGrpSpPr>
+        <p:cNvPr id="1" name=""/>
+        <p:cNvGrpSpPr/>
+        <p:nvPr/>
+      </p:nvGrpSpPr>
+      <p:grpSpPr>
+        <a:xfrm>
+          <a:off x="0" y="0"/>
+          <a:ext cx="0" cy="0"/>
+          <a:chOff x="0" y="0"/>
+          <a:chExt cx="0" cy="0"/>
+        </a:xfrm>
+      </p:grpSpPr>
+      <p:sp>
+        <p:nvSpPr>
+          <p:cNvPr id="2" name="标题 1"/>
+          <p:cNvSpPr>
+            <a:spLocks noGrp="1"/>
+          </p:cNvSpPr>
+          <p:nvPr>
+            <p:ph type="title"/>
+          </p:nvPr>
+        </p:nvSpPr>
+        <p:spPr/>
+        <p:txBody>
+          <a:bodyPr/>
+          <a:lstStyle/>
+          <a:p>
+            <a:r>
+              <a:rPr lang="zh-CN" altLang="en-US" dirty="0" smtClean="0"/>
+              <a:t>模板</a:t>
+            </a:r>
+            <a:endParaRPr lang="zh-CN" altLang="en-US" dirty="0"/>
+          </a:p>
+        </p:txBody>
+      </p:sp>
+      <p:sp>
+        <p:nvSpPr>
+          <p:cNvPr id="16" name="圆角矩形 15"/>
+          <p:cNvSpPr/>
+          <p:nvPr/>
+        </p:nvSpPr>
+        <p:spPr>
+          <a:xfrm>
+            <a:off x="739397" y="1538886"/>
+            <a:ext cx="1285428" cy="216156"/>
+          </a:xfrm>
+          <a:prstGeom prst="roundRect">
+            <a:avLst/>
+          </a:prstGeom>
+        </p:spPr>
+        <p:style>
+          <a:lnRef idx="2">
+            <a:schemeClr val="accent1">
+              <a:shade val="50000"/>
+            </a:schemeClr>
+          </a:lnRef>
+          <a:fillRef idx="1">
+            <a:schemeClr val="accent1"/>
+          </a:fillRef>
+          <a:effectRef idx="0">
+            <a:schemeClr val="accent1"/>
+          </a:effectRef>
+          <a:fontRef idx="minor">
+            <a:schemeClr val="lt1"/>
+          </a:fontRef>
+        </p:style>
+        <p:txBody>
+          <a:bodyPr lIns="72000" tIns="0" rIns="72000" bIns="0" rtlCol="0" anchor="ctr"/>
+          <a:lstStyle/>
+          <a:p>
+            <a:r>
+              <a:rPr lang="en-US" altLang="zh-CN" sz="1200" dirty="0" smtClean="0"/>
+              <a:t>Template</a:t>
             </a:r>
             <a:endParaRPr lang="zh-CN" altLang="en-US" sz="1200" dirty="0"/>
           </a:p>
@@ -6159,11 +11279,7 @@
             </a:r>
             <a:r>
               <a:rPr lang="en-US" altLang="zh-CN" sz="1200" dirty="0" smtClean="0"/>
-              <a:t>(</a:t>
-            </a:r>
-            <a:r>
-              <a:rPr lang="en-US" altLang="zh-CN" sz="1200" dirty="0" smtClean="0"/>
-              <a:t>mesh)</a:t>
+              <a:t>(mesh)</a:t>
             </a:r>
             <a:endParaRPr lang="zh-CN" altLang="en-US" sz="1200" dirty="0"/>
           </a:p>
@@ -6295,7 +11411,7 @@
     </p:spTree>
     <p:extLst>
       <p:ext uri="{BB962C8B-B14F-4D97-AF65-F5344CB8AC3E}">
-        <p14:creationId xmlns:p14="http://schemas.microsoft.com/office/powerpoint/2010/main" val="2591323529"/>
+        <p14:creationId xmlns:p14="http://schemas.microsoft.com/office/powerpoint/2010/main" val="1098720858"/>
       </p:ext>
     </p:extLst>
   </p:cSld>
